--- a/プレゼンテーション1.pptx
+++ b/プレゼンテーション1.pptx
@@ -5,9 +5,15 @@
     <p:sldMasterId id="2147483660" r:id="rId1"/>
   </p:sldMasterIdLst>
   <p:sldIdLst>
-    <p:sldId id="257" r:id="rId2"/>
-    <p:sldId id="256" r:id="rId3"/>
-    <p:sldId id="258" r:id="rId4"/>
+    <p:sldId id="258" r:id="rId2"/>
+    <p:sldId id="260" r:id="rId3"/>
+    <p:sldId id="261" r:id="rId4"/>
+    <p:sldId id="259" r:id="rId5"/>
+    <p:sldId id="257" r:id="rId6"/>
+    <p:sldId id="256" r:id="rId7"/>
+    <p:sldId id="263" r:id="rId8"/>
+    <p:sldId id="264" r:id="rId9"/>
+    <p:sldId id="262" r:id="rId10"/>
   </p:sldIdLst>
   <p:sldSz cx="9144000" cy="6858000" type="screen4x3"/>
   <p:notesSz cx="6858000" cy="9144000"/>
@@ -106,6 +112,11 @@
       </a:defRPr>
     </a:lvl9pPr>
   </p:defaultTextStyle>
+  <p:extLst>
+    <p:ext uri="{EFAFB233-063F-42B5-8137-9DF3F51BA10A}">
+      <p15:sldGuideLst xmlns:p15="http://schemas.microsoft.com/office/powerpoint/2012/main"/>
+    </p:ext>
+  </p:extLst>
 </p:presentation>
 </file>
 
@@ -3227,6 +3238,1330 @@
       </p:grpSpPr>
       <p:sp>
         <p:nvSpPr>
+          <p:cNvPr id="6" name="テキスト ボックス 5">
+            <a:extLst>
+              <a:ext uri="{FF2B5EF4-FFF2-40B4-BE49-F238E27FC236}">
+                <a16:creationId xmlns:a16="http://schemas.microsoft.com/office/drawing/2014/main" id="{AEA0528C-A9CE-6149-88C5-CFD247F8D821}"/>
+              </a:ext>
+            </a:extLst>
+          </p:cNvPr>
+          <p:cNvSpPr txBox="1"/>
+          <p:nvPr/>
+        </p:nvSpPr>
+        <p:spPr>
+          <a:xfrm>
+            <a:off x="0" y="50614"/>
+            <a:ext cx="1627690" cy="646331"/>
+          </a:xfrm>
+          <a:prstGeom prst="rect">
+            <a:avLst/>
+          </a:prstGeom>
+          <a:noFill/>
+        </p:spPr>
+        <p:txBody>
+          <a:bodyPr wrap="none" rtlCol="0">
+            <a:spAutoFit/>
+          </a:bodyPr>
+          <a:lstStyle/>
+          <a:p>
+            <a:r>
+              <a:rPr kumimoji="1" lang="en-US" altLang="ja-JP" sz="3600" dirty="0" err="1"/>
+              <a:t>RStudio</a:t>
+            </a:r>
+            <a:endParaRPr kumimoji="1" lang="ja-JP" altLang="en-US" sz="3600"/>
+          </a:p>
+        </p:txBody>
+      </p:sp>
+      <p:sp>
+        <p:nvSpPr>
+          <p:cNvPr id="7" name="テキスト ボックス 6">
+            <a:extLst>
+              <a:ext uri="{FF2B5EF4-FFF2-40B4-BE49-F238E27FC236}">
+                <a16:creationId xmlns:a16="http://schemas.microsoft.com/office/drawing/2014/main" id="{C0B15D0E-2C8E-D34E-89C9-1DD1BCF152DB}"/>
+              </a:ext>
+            </a:extLst>
+          </p:cNvPr>
+          <p:cNvSpPr txBox="1"/>
+          <p:nvPr/>
+        </p:nvSpPr>
+        <p:spPr>
+          <a:xfrm>
+            <a:off x="2111828" y="112169"/>
+            <a:ext cx="5546583" cy="523220"/>
+          </a:xfrm>
+          <a:prstGeom prst="rect">
+            <a:avLst/>
+          </a:prstGeom>
+          <a:noFill/>
+        </p:spPr>
+        <p:txBody>
+          <a:bodyPr wrap="none" rtlCol="0">
+            <a:spAutoFit/>
+          </a:bodyPr>
+          <a:lstStyle/>
+          <a:p>
+            <a:r>
+              <a:rPr lang="en-US" altLang="ja-JP" sz="2800" dirty="0"/>
+              <a:t>File &gt; New File &gt; R script (</a:t>
+            </a:r>
+            <a:r>
+              <a:rPr lang="en-US" altLang="ja-JP" sz="2800" b="1" dirty="0"/>
+              <a:t>⌘ + </a:t>
+            </a:r>
+            <a:r>
+              <a:rPr lang="ja-JP" altLang="en-US" sz="2800" b="1"/>
+              <a:t>⇧</a:t>
+            </a:r>
+            <a:r>
+              <a:rPr lang="en-US" altLang="ja-JP" sz="2800" b="1" dirty="0"/>
+              <a:t> + N</a:t>
+            </a:r>
+            <a:r>
+              <a:rPr lang="en-US" altLang="ja-JP" sz="2800" dirty="0"/>
+              <a:t>)</a:t>
+            </a:r>
+            <a:endParaRPr kumimoji="1" lang="ja-JP" altLang="en-US" sz="2800"/>
+          </a:p>
+        </p:txBody>
+      </p:sp>
+      <p:pic>
+        <p:nvPicPr>
+          <p:cNvPr id="10" name="図 9">
+            <a:extLst>
+              <a:ext uri="{FF2B5EF4-FFF2-40B4-BE49-F238E27FC236}">
+                <a16:creationId xmlns:a16="http://schemas.microsoft.com/office/drawing/2014/main" id="{15A8B6A0-6E4F-EF4D-B3C4-965F784CFE26}"/>
+              </a:ext>
+            </a:extLst>
+          </p:cNvPr>
+          <p:cNvPicPr>
+            <a:picLocks noChangeAspect="1"/>
+          </p:cNvPicPr>
+          <p:nvPr/>
+        </p:nvPicPr>
+        <p:blipFill>
+          <a:blip r:embed="rId2"/>
+          <a:stretch>
+            <a:fillRect/>
+          </a:stretch>
+        </p:blipFill>
+        <p:spPr>
+          <a:xfrm>
+            <a:off x="367529" y="789690"/>
+            <a:ext cx="8330155" cy="5560630"/>
+          </a:xfrm>
+          <a:prstGeom prst="rect">
+            <a:avLst/>
+          </a:prstGeom>
+        </p:spPr>
+      </p:pic>
+    </p:spTree>
+    <p:extLst>
+      <p:ext uri="{BB962C8B-B14F-4D97-AF65-F5344CB8AC3E}">
+        <p14:creationId xmlns:p14="http://schemas.microsoft.com/office/powerpoint/2010/main" val="2352174016"/>
+      </p:ext>
+    </p:extLst>
+  </p:cSld>
+  <p:clrMapOvr>
+    <a:masterClrMapping/>
+  </p:clrMapOvr>
+</p:sld>
+</file>
+
+<file path=ppt/slides/slide2.xml><?xml version="1.0" encoding="utf-8"?>
+<p:sld xmlns:a="http://schemas.openxmlformats.org/drawingml/2006/main" xmlns:r="http://schemas.openxmlformats.org/officeDocument/2006/relationships" xmlns:p="http://schemas.openxmlformats.org/presentationml/2006/main">
+  <p:cSld>
+    <p:spTree>
+      <p:nvGrpSpPr>
+        <p:cNvPr id="1" name=""/>
+        <p:cNvGrpSpPr/>
+        <p:nvPr/>
+      </p:nvGrpSpPr>
+      <p:grpSpPr>
+        <a:xfrm>
+          <a:off x="0" y="0"/>
+          <a:ext cx="0" cy="0"/>
+          <a:chOff x="0" y="0"/>
+          <a:chExt cx="0" cy="0"/>
+        </a:xfrm>
+      </p:grpSpPr>
+      <p:pic>
+        <p:nvPicPr>
+          <p:cNvPr id="12" name="図 11">
+            <a:extLst>
+              <a:ext uri="{FF2B5EF4-FFF2-40B4-BE49-F238E27FC236}">
+                <a16:creationId xmlns:a16="http://schemas.microsoft.com/office/drawing/2014/main" id="{5023F9BC-6F25-3340-9D92-9CF45744CD0D}"/>
+              </a:ext>
+            </a:extLst>
+          </p:cNvPr>
+          <p:cNvPicPr>
+            <a:picLocks noChangeAspect="1"/>
+          </p:cNvPicPr>
+          <p:nvPr/>
+        </p:nvPicPr>
+        <p:blipFill>
+          <a:blip r:embed="rId2"/>
+          <a:stretch>
+            <a:fillRect/>
+          </a:stretch>
+        </p:blipFill>
+        <p:spPr>
+          <a:xfrm>
+            <a:off x="367529" y="789691"/>
+            <a:ext cx="8330155" cy="5560630"/>
+          </a:xfrm>
+          <a:prstGeom prst="rect">
+            <a:avLst/>
+          </a:prstGeom>
+        </p:spPr>
+      </p:pic>
+      <p:sp>
+        <p:nvSpPr>
+          <p:cNvPr id="6" name="テキスト ボックス 5">
+            <a:extLst>
+              <a:ext uri="{FF2B5EF4-FFF2-40B4-BE49-F238E27FC236}">
+                <a16:creationId xmlns:a16="http://schemas.microsoft.com/office/drawing/2014/main" id="{AEA0528C-A9CE-6149-88C5-CFD247F8D821}"/>
+              </a:ext>
+            </a:extLst>
+          </p:cNvPr>
+          <p:cNvSpPr txBox="1"/>
+          <p:nvPr/>
+        </p:nvSpPr>
+        <p:spPr>
+          <a:xfrm>
+            <a:off x="0" y="50614"/>
+            <a:ext cx="1627690" cy="646331"/>
+          </a:xfrm>
+          <a:prstGeom prst="rect">
+            <a:avLst/>
+          </a:prstGeom>
+          <a:noFill/>
+        </p:spPr>
+        <p:txBody>
+          <a:bodyPr wrap="none" rtlCol="0">
+            <a:spAutoFit/>
+          </a:bodyPr>
+          <a:lstStyle/>
+          <a:p>
+            <a:r>
+              <a:rPr kumimoji="1" lang="en-US" altLang="ja-JP" sz="3600" dirty="0" err="1"/>
+              <a:t>RStudio</a:t>
+            </a:r>
+            <a:endParaRPr kumimoji="1" lang="ja-JP" altLang="en-US" sz="3600"/>
+          </a:p>
+        </p:txBody>
+      </p:sp>
+      <p:sp>
+        <p:nvSpPr>
+          <p:cNvPr id="7" name="テキスト ボックス 6">
+            <a:extLst>
+              <a:ext uri="{FF2B5EF4-FFF2-40B4-BE49-F238E27FC236}">
+                <a16:creationId xmlns:a16="http://schemas.microsoft.com/office/drawing/2014/main" id="{C0B15D0E-2C8E-D34E-89C9-1DD1BCF152DB}"/>
+              </a:ext>
+            </a:extLst>
+          </p:cNvPr>
+          <p:cNvSpPr txBox="1"/>
+          <p:nvPr/>
+        </p:nvSpPr>
+        <p:spPr>
+          <a:xfrm>
+            <a:off x="2111828" y="112169"/>
+            <a:ext cx="5546583" cy="523220"/>
+          </a:xfrm>
+          <a:prstGeom prst="rect">
+            <a:avLst/>
+          </a:prstGeom>
+          <a:noFill/>
+        </p:spPr>
+        <p:txBody>
+          <a:bodyPr wrap="none" rtlCol="0">
+            <a:spAutoFit/>
+          </a:bodyPr>
+          <a:lstStyle/>
+          <a:p>
+            <a:r>
+              <a:rPr lang="en-US" altLang="ja-JP" sz="2800" dirty="0"/>
+              <a:t>File &gt; New File &gt; R script (</a:t>
+            </a:r>
+            <a:r>
+              <a:rPr lang="en-US" altLang="ja-JP" sz="2800" b="1" dirty="0"/>
+              <a:t>⌘ + </a:t>
+            </a:r>
+            <a:r>
+              <a:rPr lang="ja-JP" altLang="en-US" sz="2800" b="1"/>
+              <a:t>⇧</a:t>
+            </a:r>
+            <a:r>
+              <a:rPr lang="en-US" altLang="ja-JP" sz="2800" b="1" dirty="0"/>
+              <a:t> + N</a:t>
+            </a:r>
+            <a:r>
+              <a:rPr lang="en-US" altLang="ja-JP" sz="2800" dirty="0"/>
+              <a:t>)</a:t>
+            </a:r>
+            <a:endParaRPr kumimoji="1" lang="ja-JP" altLang="en-US" sz="2800"/>
+          </a:p>
+        </p:txBody>
+      </p:sp>
+      <p:sp>
+        <p:nvSpPr>
+          <p:cNvPr id="2" name="テキスト ボックス 1">
+            <a:extLst>
+              <a:ext uri="{FF2B5EF4-FFF2-40B4-BE49-F238E27FC236}">
+                <a16:creationId xmlns:a16="http://schemas.microsoft.com/office/drawing/2014/main" id="{C5858320-4055-CD47-B2D6-4498C89DEE1C}"/>
+              </a:ext>
+            </a:extLst>
+          </p:cNvPr>
+          <p:cNvSpPr txBox="1"/>
+          <p:nvPr/>
+        </p:nvSpPr>
+        <p:spPr>
+          <a:xfrm>
+            <a:off x="5141148" y="1884519"/>
+            <a:ext cx="3247877" cy="830997"/>
+          </a:xfrm>
+          <a:prstGeom prst="rect">
+            <a:avLst/>
+          </a:prstGeom>
+          <a:noFill/>
+        </p:spPr>
+        <p:txBody>
+          <a:bodyPr wrap="none" rtlCol="0">
+            <a:spAutoFit/>
+          </a:bodyPr>
+          <a:lstStyle/>
+          <a:p>
+            <a:r>
+              <a:rPr kumimoji="1" lang="en-US" altLang="ja-JP" sz="4800" dirty="0">
+                <a:solidFill>
+                  <a:schemeClr val="bg1"/>
+                </a:solidFill>
+              </a:rPr>
+              <a:t>Script Editor</a:t>
+            </a:r>
+            <a:endParaRPr kumimoji="1" lang="ja-JP" altLang="en-US" sz="4800">
+              <a:solidFill>
+                <a:schemeClr val="bg1"/>
+              </a:solidFill>
+            </a:endParaRPr>
+          </a:p>
+        </p:txBody>
+      </p:sp>
+      <p:sp>
+        <p:nvSpPr>
+          <p:cNvPr id="8" name="テキスト ボックス 7">
+            <a:extLst>
+              <a:ext uri="{FF2B5EF4-FFF2-40B4-BE49-F238E27FC236}">
+                <a16:creationId xmlns:a16="http://schemas.microsoft.com/office/drawing/2014/main" id="{AB33E3D0-80F0-7543-B70D-CF633D6803B7}"/>
+              </a:ext>
+            </a:extLst>
+          </p:cNvPr>
+          <p:cNvSpPr txBox="1"/>
+          <p:nvPr/>
+        </p:nvSpPr>
+        <p:spPr>
+          <a:xfrm>
+            <a:off x="1260159" y="2240422"/>
+            <a:ext cx="2175596" cy="830997"/>
+          </a:xfrm>
+          <a:prstGeom prst="rect">
+            <a:avLst/>
+          </a:prstGeom>
+          <a:noFill/>
+        </p:spPr>
+        <p:txBody>
+          <a:bodyPr wrap="none" rtlCol="0">
+            <a:spAutoFit/>
+          </a:bodyPr>
+          <a:lstStyle/>
+          <a:p>
+            <a:r>
+              <a:rPr kumimoji="1" lang="en-US" altLang="ja-JP" sz="4800" dirty="0">
+                <a:solidFill>
+                  <a:schemeClr val="bg1"/>
+                </a:solidFill>
+              </a:rPr>
+              <a:t>Console</a:t>
+            </a:r>
+            <a:endParaRPr kumimoji="1" lang="ja-JP" altLang="en-US" sz="4800">
+              <a:solidFill>
+                <a:schemeClr val="bg1"/>
+              </a:solidFill>
+            </a:endParaRPr>
+          </a:p>
+        </p:txBody>
+      </p:sp>
+      <p:sp>
+        <p:nvSpPr>
+          <p:cNvPr id="10" name="テキスト ボックス 9">
+            <a:extLst>
+              <a:ext uri="{FF2B5EF4-FFF2-40B4-BE49-F238E27FC236}">
+                <a16:creationId xmlns:a16="http://schemas.microsoft.com/office/drawing/2014/main" id="{CCCF78FB-DBFA-F747-BA05-FB7B0023B6DE}"/>
+              </a:ext>
+            </a:extLst>
+          </p:cNvPr>
+          <p:cNvSpPr txBox="1"/>
+          <p:nvPr/>
+        </p:nvSpPr>
+        <p:spPr>
+          <a:xfrm>
+            <a:off x="5266119" y="5119692"/>
+            <a:ext cx="2997937" cy="523220"/>
+          </a:xfrm>
+          <a:prstGeom prst="rect">
+            <a:avLst/>
+          </a:prstGeom>
+          <a:noFill/>
+        </p:spPr>
+        <p:txBody>
+          <a:bodyPr wrap="none" rtlCol="0">
+            <a:spAutoFit/>
+          </a:bodyPr>
+          <a:lstStyle/>
+          <a:p>
+            <a:r>
+              <a:rPr kumimoji="1" lang="en-US" altLang="ja-JP" sz="2800" dirty="0">
+                <a:solidFill>
+                  <a:schemeClr val="bg1"/>
+                </a:solidFill>
+              </a:rPr>
+              <a:t>Files, Plots, </a:t>
+            </a:r>
+            <a:r>
+              <a:rPr kumimoji="1" lang="en-US" altLang="ja-JP" sz="2800" dirty="0" err="1">
+                <a:solidFill>
+                  <a:schemeClr val="bg1"/>
+                </a:solidFill>
+              </a:rPr>
+              <a:t>Pkgs</a:t>
+            </a:r>
+            <a:r>
+              <a:rPr kumimoji="1" lang="en-US" altLang="ja-JP" sz="2800" dirty="0">
+                <a:solidFill>
+                  <a:schemeClr val="bg1"/>
+                </a:solidFill>
+              </a:rPr>
+              <a:t>, ...</a:t>
+            </a:r>
+            <a:endParaRPr kumimoji="1" lang="ja-JP" altLang="en-US" sz="2800">
+              <a:solidFill>
+                <a:schemeClr val="bg1"/>
+              </a:solidFill>
+            </a:endParaRPr>
+          </a:p>
+        </p:txBody>
+      </p:sp>
+      <p:sp>
+        <p:nvSpPr>
+          <p:cNvPr id="11" name="テキスト ボックス 10">
+            <a:extLst>
+              <a:ext uri="{FF2B5EF4-FFF2-40B4-BE49-F238E27FC236}">
+                <a16:creationId xmlns:a16="http://schemas.microsoft.com/office/drawing/2014/main" id="{D8539BBD-0A6C-A24D-8795-2F7484238404}"/>
+              </a:ext>
+            </a:extLst>
+          </p:cNvPr>
+          <p:cNvSpPr txBox="1"/>
+          <p:nvPr/>
+        </p:nvSpPr>
+        <p:spPr>
+          <a:xfrm>
+            <a:off x="933605" y="5359178"/>
+            <a:ext cx="2958246" cy="523220"/>
+          </a:xfrm>
+          <a:prstGeom prst="rect">
+            <a:avLst/>
+          </a:prstGeom>
+          <a:noFill/>
+        </p:spPr>
+        <p:txBody>
+          <a:bodyPr wrap="none" rtlCol="0">
+            <a:spAutoFit/>
+          </a:bodyPr>
+          <a:lstStyle/>
+          <a:p>
+            <a:r>
+              <a:rPr lang="en-US" altLang="ja-JP" sz="2800" dirty="0" err="1">
+                <a:solidFill>
+                  <a:schemeClr val="bg1"/>
+                </a:solidFill>
+              </a:rPr>
+              <a:t>Env</a:t>
+            </a:r>
+            <a:r>
+              <a:rPr lang="en-US" altLang="ja-JP" sz="2800" dirty="0">
+                <a:solidFill>
+                  <a:schemeClr val="bg1"/>
+                </a:solidFill>
+              </a:rPr>
+              <a:t>., </a:t>
+            </a:r>
+            <a:r>
+              <a:rPr lang="en-US" altLang="ja-JP" sz="2800" dirty="0" err="1">
+                <a:solidFill>
+                  <a:schemeClr val="bg1"/>
+                </a:solidFill>
+              </a:rPr>
+              <a:t>HIstoly</a:t>
+            </a:r>
+            <a:r>
+              <a:rPr lang="en-US" altLang="ja-JP" sz="2800" dirty="0">
+                <a:solidFill>
+                  <a:schemeClr val="bg1"/>
+                </a:solidFill>
+              </a:rPr>
+              <a:t>, Git, ...</a:t>
+            </a:r>
+            <a:endParaRPr kumimoji="1" lang="ja-JP" altLang="en-US" sz="2800">
+              <a:solidFill>
+                <a:schemeClr val="bg1"/>
+              </a:solidFill>
+            </a:endParaRPr>
+          </a:p>
+        </p:txBody>
+      </p:sp>
+    </p:spTree>
+    <p:extLst>
+      <p:ext uri="{BB962C8B-B14F-4D97-AF65-F5344CB8AC3E}">
+        <p14:creationId xmlns:p14="http://schemas.microsoft.com/office/powerpoint/2010/main" val="3296926995"/>
+      </p:ext>
+    </p:extLst>
+  </p:cSld>
+  <p:clrMapOvr>
+    <a:masterClrMapping/>
+  </p:clrMapOvr>
+</p:sld>
+</file>
+
+<file path=ppt/slides/slide3.xml><?xml version="1.0" encoding="utf-8"?>
+<p:sld xmlns:a="http://schemas.openxmlformats.org/drawingml/2006/main" xmlns:r="http://schemas.openxmlformats.org/officeDocument/2006/relationships" xmlns:p="http://schemas.openxmlformats.org/presentationml/2006/main">
+  <p:cSld>
+    <p:spTree>
+      <p:nvGrpSpPr>
+        <p:cNvPr id="1" name=""/>
+        <p:cNvGrpSpPr/>
+        <p:nvPr/>
+      </p:nvGrpSpPr>
+      <p:grpSpPr>
+        <a:xfrm>
+          <a:off x="0" y="0"/>
+          <a:ext cx="0" cy="0"/>
+          <a:chOff x="0" y="0"/>
+          <a:chExt cx="0" cy="0"/>
+        </a:xfrm>
+      </p:grpSpPr>
+      <p:pic>
+        <p:nvPicPr>
+          <p:cNvPr id="12" name="図 11">
+            <a:extLst>
+              <a:ext uri="{FF2B5EF4-FFF2-40B4-BE49-F238E27FC236}">
+                <a16:creationId xmlns:a16="http://schemas.microsoft.com/office/drawing/2014/main" id="{5023F9BC-6F25-3340-9D92-9CF45744CD0D}"/>
+              </a:ext>
+            </a:extLst>
+          </p:cNvPr>
+          <p:cNvPicPr>
+            <a:picLocks noChangeAspect="1"/>
+          </p:cNvPicPr>
+          <p:nvPr/>
+        </p:nvPicPr>
+        <p:blipFill>
+          <a:blip r:embed="rId2"/>
+          <a:stretch>
+            <a:fillRect/>
+          </a:stretch>
+        </p:blipFill>
+        <p:spPr>
+          <a:xfrm>
+            <a:off x="367529" y="789691"/>
+            <a:ext cx="8330155" cy="5560630"/>
+          </a:xfrm>
+          <a:prstGeom prst="rect">
+            <a:avLst/>
+          </a:prstGeom>
+        </p:spPr>
+      </p:pic>
+      <p:sp>
+        <p:nvSpPr>
+          <p:cNvPr id="6" name="テキスト ボックス 5">
+            <a:extLst>
+              <a:ext uri="{FF2B5EF4-FFF2-40B4-BE49-F238E27FC236}">
+                <a16:creationId xmlns:a16="http://schemas.microsoft.com/office/drawing/2014/main" id="{AEA0528C-A9CE-6149-88C5-CFD247F8D821}"/>
+              </a:ext>
+            </a:extLst>
+          </p:cNvPr>
+          <p:cNvSpPr txBox="1"/>
+          <p:nvPr/>
+        </p:nvSpPr>
+        <p:spPr>
+          <a:xfrm>
+            <a:off x="0" y="50614"/>
+            <a:ext cx="1627690" cy="646331"/>
+          </a:xfrm>
+          <a:prstGeom prst="rect">
+            <a:avLst/>
+          </a:prstGeom>
+          <a:noFill/>
+        </p:spPr>
+        <p:txBody>
+          <a:bodyPr wrap="none" rtlCol="0">
+            <a:spAutoFit/>
+          </a:bodyPr>
+          <a:lstStyle/>
+          <a:p>
+            <a:r>
+              <a:rPr kumimoji="1" lang="en-US" altLang="ja-JP" sz="3600" dirty="0" err="1"/>
+              <a:t>RStudio</a:t>
+            </a:r>
+            <a:endParaRPr kumimoji="1" lang="ja-JP" altLang="en-US" sz="3600"/>
+          </a:p>
+        </p:txBody>
+      </p:sp>
+      <p:sp>
+        <p:nvSpPr>
+          <p:cNvPr id="7" name="テキスト ボックス 6">
+            <a:extLst>
+              <a:ext uri="{FF2B5EF4-FFF2-40B4-BE49-F238E27FC236}">
+                <a16:creationId xmlns:a16="http://schemas.microsoft.com/office/drawing/2014/main" id="{C0B15D0E-2C8E-D34E-89C9-1DD1BCF152DB}"/>
+              </a:ext>
+            </a:extLst>
+          </p:cNvPr>
+          <p:cNvSpPr txBox="1"/>
+          <p:nvPr/>
+        </p:nvSpPr>
+        <p:spPr>
+          <a:xfrm>
+            <a:off x="2111828" y="112169"/>
+            <a:ext cx="5546583" cy="523220"/>
+          </a:xfrm>
+          <a:prstGeom prst="rect">
+            <a:avLst/>
+          </a:prstGeom>
+          <a:noFill/>
+        </p:spPr>
+        <p:txBody>
+          <a:bodyPr wrap="none" rtlCol="0">
+            <a:spAutoFit/>
+          </a:bodyPr>
+          <a:lstStyle/>
+          <a:p>
+            <a:r>
+              <a:rPr lang="en-US" altLang="ja-JP" sz="2800" dirty="0"/>
+              <a:t>File &gt; New File &gt; R script (</a:t>
+            </a:r>
+            <a:r>
+              <a:rPr lang="en-US" altLang="ja-JP" sz="2800" b="1" dirty="0"/>
+              <a:t>⌘ + ⇧ + N</a:t>
+            </a:r>
+            <a:r>
+              <a:rPr lang="en-US" altLang="ja-JP" sz="2800" dirty="0"/>
+              <a:t>)</a:t>
+            </a:r>
+            <a:endParaRPr kumimoji="1" lang="ja-JP" altLang="en-US" sz="2800"/>
+          </a:p>
+        </p:txBody>
+      </p:sp>
+      <p:sp>
+        <p:nvSpPr>
+          <p:cNvPr id="2" name="テキスト ボックス 1">
+            <a:extLst>
+              <a:ext uri="{FF2B5EF4-FFF2-40B4-BE49-F238E27FC236}">
+                <a16:creationId xmlns:a16="http://schemas.microsoft.com/office/drawing/2014/main" id="{C5858320-4055-CD47-B2D6-4498C89DEE1C}"/>
+              </a:ext>
+            </a:extLst>
+          </p:cNvPr>
+          <p:cNvSpPr txBox="1"/>
+          <p:nvPr/>
+        </p:nvSpPr>
+        <p:spPr>
+          <a:xfrm>
+            <a:off x="5141148" y="1884519"/>
+            <a:ext cx="3247877" cy="830997"/>
+          </a:xfrm>
+          <a:prstGeom prst="rect">
+            <a:avLst/>
+          </a:prstGeom>
+          <a:noFill/>
+        </p:spPr>
+        <p:txBody>
+          <a:bodyPr wrap="none" rtlCol="0">
+            <a:spAutoFit/>
+          </a:bodyPr>
+          <a:lstStyle/>
+          <a:p>
+            <a:r>
+              <a:rPr kumimoji="1" lang="en-US" altLang="ja-JP" sz="4800" dirty="0">
+                <a:solidFill>
+                  <a:schemeClr val="bg1"/>
+                </a:solidFill>
+              </a:rPr>
+              <a:t>Script Editor</a:t>
+            </a:r>
+            <a:endParaRPr kumimoji="1" lang="ja-JP" altLang="en-US" sz="4800">
+              <a:solidFill>
+                <a:schemeClr val="bg1"/>
+              </a:solidFill>
+            </a:endParaRPr>
+          </a:p>
+        </p:txBody>
+      </p:sp>
+      <p:sp>
+        <p:nvSpPr>
+          <p:cNvPr id="8" name="テキスト ボックス 7">
+            <a:extLst>
+              <a:ext uri="{FF2B5EF4-FFF2-40B4-BE49-F238E27FC236}">
+                <a16:creationId xmlns:a16="http://schemas.microsoft.com/office/drawing/2014/main" id="{AB33E3D0-80F0-7543-B70D-CF633D6803B7}"/>
+              </a:ext>
+            </a:extLst>
+          </p:cNvPr>
+          <p:cNvSpPr txBox="1"/>
+          <p:nvPr/>
+        </p:nvSpPr>
+        <p:spPr>
+          <a:xfrm>
+            <a:off x="1260159" y="2240422"/>
+            <a:ext cx="2175596" cy="830997"/>
+          </a:xfrm>
+          <a:prstGeom prst="rect">
+            <a:avLst/>
+          </a:prstGeom>
+          <a:noFill/>
+        </p:spPr>
+        <p:txBody>
+          <a:bodyPr wrap="none" rtlCol="0">
+            <a:spAutoFit/>
+          </a:bodyPr>
+          <a:lstStyle/>
+          <a:p>
+            <a:r>
+              <a:rPr kumimoji="1" lang="en-US" altLang="ja-JP" sz="4800" dirty="0">
+                <a:solidFill>
+                  <a:schemeClr val="bg1"/>
+                </a:solidFill>
+              </a:rPr>
+              <a:t>Console</a:t>
+            </a:r>
+            <a:endParaRPr kumimoji="1" lang="ja-JP" altLang="en-US" sz="4800">
+              <a:solidFill>
+                <a:schemeClr val="bg1"/>
+              </a:solidFill>
+            </a:endParaRPr>
+          </a:p>
+        </p:txBody>
+      </p:sp>
+      <p:sp>
+        <p:nvSpPr>
+          <p:cNvPr id="10" name="テキスト ボックス 9">
+            <a:extLst>
+              <a:ext uri="{FF2B5EF4-FFF2-40B4-BE49-F238E27FC236}">
+                <a16:creationId xmlns:a16="http://schemas.microsoft.com/office/drawing/2014/main" id="{CCCF78FB-DBFA-F747-BA05-FB7B0023B6DE}"/>
+              </a:ext>
+            </a:extLst>
+          </p:cNvPr>
+          <p:cNvSpPr txBox="1"/>
+          <p:nvPr/>
+        </p:nvSpPr>
+        <p:spPr>
+          <a:xfrm>
+            <a:off x="5266119" y="5119692"/>
+            <a:ext cx="2997937" cy="523220"/>
+          </a:xfrm>
+          <a:prstGeom prst="rect">
+            <a:avLst/>
+          </a:prstGeom>
+          <a:noFill/>
+        </p:spPr>
+        <p:txBody>
+          <a:bodyPr wrap="none" rtlCol="0">
+            <a:spAutoFit/>
+          </a:bodyPr>
+          <a:lstStyle/>
+          <a:p>
+            <a:r>
+              <a:rPr kumimoji="1" lang="en-US" altLang="ja-JP" sz="2800" dirty="0">
+                <a:solidFill>
+                  <a:schemeClr val="bg1"/>
+                </a:solidFill>
+              </a:rPr>
+              <a:t>Files, Plots, </a:t>
+            </a:r>
+            <a:r>
+              <a:rPr kumimoji="1" lang="en-US" altLang="ja-JP" sz="2800" dirty="0" err="1">
+                <a:solidFill>
+                  <a:schemeClr val="bg1"/>
+                </a:solidFill>
+              </a:rPr>
+              <a:t>Pkgs</a:t>
+            </a:r>
+            <a:r>
+              <a:rPr kumimoji="1" lang="en-US" altLang="ja-JP" sz="2800" dirty="0">
+                <a:solidFill>
+                  <a:schemeClr val="bg1"/>
+                </a:solidFill>
+              </a:rPr>
+              <a:t>, ...</a:t>
+            </a:r>
+            <a:endParaRPr kumimoji="1" lang="ja-JP" altLang="en-US" sz="2800">
+              <a:solidFill>
+                <a:schemeClr val="bg1"/>
+              </a:solidFill>
+            </a:endParaRPr>
+          </a:p>
+        </p:txBody>
+      </p:sp>
+      <p:sp>
+        <p:nvSpPr>
+          <p:cNvPr id="11" name="テキスト ボックス 10">
+            <a:extLst>
+              <a:ext uri="{FF2B5EF4-FFF2-40B4-BE49-F238E27FC236}">
+                <a16:creationId xmlns:a16="http://schemas.microsoft.com/office/drawing/2014/main" id="{D8539BBD-0A6C-A24D-8795-2F7484238404}"/>
+              </a:ext>
+            </a:extLst>
+          </p:cNvPr>
+          <p:cNvSpPr txBox="1"/>
+          <p:nvPr/>
+        </p:nvSpPr>
+        <p:spPr>
+          <a:xfrm>
+            <a:off x="933605" y="5359178"/>
+            <a:ext cx="2958246" cy="523220"/>
+          </a:xfrm>
+          <a:prstGeom prst="rect">
+            <a:avLst/>
+          </a:prstGeom>
+          <a:noFill/>
+        </p:spPr>
+        <p:txBody>
+          <a:bodyPr wrap="none" rtlCol="0">
+            <a:spAutoFit/>
+          </a:bodyPr>
+          <a:lstStyle/>
+          <a:p>
+            <a:r>
+              <a:rPr lang="en-US" altLang="ja-JP" sz="2800" dirty="0" err="1">
+                <a:solidFill>
+                  <a:schemeClr val="bg1"/>
+                </a:solidFill>
+              </a:rPr>
+              <a:t>Env</a:t>
+            </a:r>
+            <a:r>
+              <a:rPr lang="en-US" altLang="ja-JP" sz="2800" dirty="0">
+                <a:solidFill>
+                  <a:schemeClr val="bg1"/>
+                </a:solidFill>
+              </a:rPr>
+              <a:t>., </a:t>
+            </a:r>
+            <a:r>
+              <a:rPr lang="en-US" altLang="ja-JP" sz="2800" dirty="0" err="1">
+                <a:solidFill>
+                  <a:schemeClr val="bg1"/>
+                </a:solidFill>
+              </a:rPr>
+              <a:t>HIstoly</a:t>
+            </a:r>
+            <a:r>
+              <a:rPr lang="en-US" altLang="ja-JP" sz="2800" dirty="0">
+                <a:solidFill>
+                  <a:schemeClr val="bg1"/>
+                </a:solidFill>
+              </a:rPr>
+              <a:t>, Git, ...</a:t>
+            </a:r>
+            <a:endParaRPr kumimoji="1" lang="ja-JP" altLang="en-US" sz="2800">
+              <a:solidFill>
+                <a:schemeClr val="bg1"/>
+              </a:solidFill>
+            </a:endParaRPr>
+          </a:p>
+        </p:txBody>
+      </p:sp>
+      <p:sp>
+        <p:nvSpPr>
+          <p:cNvPr id="3" name="円弧 2">
+            <a:extLst>
+              <a:ext uri="{FF2B5EF4-FFF2-40B4-BE49-F238E27FC236}">
+                <a16:creationId xmlns:a16="http://schemas.microsoft.com/office/drawing/2014/main" id="{F631FABE-DE34-0743-A7E6-12025088851C}"/>
+              </a:ext>
+            </a:extLst>
+          </p:cNvPr>
+          <p:cNvSpPr/>
+          <p:nvPr/>
+        </p:nvSpPr>
+        <p:spPr>
+          <a:xfrm>
+            <a:off x="2275114" y="1240973"/>
+            <a:ext cx="3603173" cy="2775857"/>
+          </a:xfrm>
+          <a:prstGeom prst="arc">
+            <a:avLst>
+              <a:gd name="adj1" fmla="val 11276963"/>
+              <a:gd name="adj2" fmla="val 20202137"/>
+            </a:avLst>
+          </a:prstGeom>
+          <a:ln w="117475">
+            <a:solidFill>
+              <a:schemeClr val="bg1"/>
+            </a:solidFill>
+            <a:headEnd type="triangle" w="lg" len="lg"/>
+            <a:tailEnd type="none" w="lg" len="lg"/>
+          </a:ln>
+        </p:spPr>
+        <p:style>
+          <a:lnRef idx="1">
+            <a:schemeClr val="accent1"/>
+          </a:lnRef>
+          <a:fillRef idx="0">
+            <a:schemeClr val="accent1"/>
+          </a:fillRef>
+          <a:effectRef idx="0">
+            <a:schemeClr val="accent1"/>
+          </a:effectRef>
+          <a:fontRef idx="minor">
+            <a:schemeClr val="tx1"/>
+          </a:fontRef>
+        </p:style>
+        <p:txBody>
+          <a:bodyPr rtlCol="0" anchor="ctr"/>
+          <a:lstStyle/>
+          <a:p>
+            <a:pPr algn="ctr"/>
+            <a:r>
+              <a:rPr kumimoji="1" lang="en-US" altLang="ja-JP" dirty="0"/>
+              <a:t>≈</a:t>
+            </a:r>
+            <a:endParaRPr kumimoji="1" lang="ja-JP" altLang="en-US"/>
+          </a:p>
+        </p:txBody>
+      </p:sp>
+      <p:sp>
+        <p:nvSpPr>
+          <p:cNvPr id="4" name="テキスト ボックス 3">
+            <a:extLst>
+              <a:ext uri="{FF2B5EF4-FFF2-40B4-BE49-F238E27FC236}">
+                <a16:creationId xmlns:a16="http://schemas.microsoft.com/office/drawing/2014/main" id="{5795BA72-7405-C641-B8BE-9E92CBCE75AA}"/>
+              </a:ext>
+            </a:extLst>
+          </p:cNvPr>
+          <p:cNvSpPr txBox="1"/>
+          <p:nvPr/>
+        </p:nvSpPr>
+        <p:spPr>
+          <a:xfrm>
+            <a:off x="3435755" y="1234355"/>
+            <a:ext cx="1289135" cy="923330"/>
+          </a:xfrm>
+          <a:prstGeom prst="rect">
+            <a:avLst/>
+          </a:prstGeom>
+          <a:noFill/>
+        </p:spPr>
+        <p:txBody>
+          <a:bodyPr wrap="none" rtlCol="0">
+            <a:spAutoFit/>
+          </a:bodyPr>
+          <a:lstStyle/>
+          <a:p>
+            <a:r>
+              <a:rPr kumimoji="1" lang="en-US" altLang="ja-JP" sz="5400" dirty="0">
+                <a:solidFill>
+                  <a:schemeClr val="bg1"/>
+                </a:solidFill>
+              </a:rPr>
+              <a:t>Run</a:t>
+            </a:r>
+            <a:endParaRPr kumimoji="1" lang="ja-JP" altLang="en-US" sz="5400">
+              <a:solidFill>
+                <a:schemeClr val="bg1"/>
+              </a:solidFill>
+            </a:endParaRPr>
+          </a:p>
+        </p:txBody>
+      </p:sp>
+    </p:spTree>
+    <p:extLst>
+      <p:ext uri="{BB962C8B-B14F-4D97-AF65-F5344CB8AC3E}">
+        <p14:creationId xmlns:p14="http://schemas.microsoft.com/office/powerpoint/2010/main" val="2703785234"/>
+      </p:ext>
+    </p:extLst>
+  </p:cSld>
+  <p:clrMapOvr>
+    <a:masterClrMapping/>
+  </p:clrMapOvr>
+</p:sld>
+</file>
+
+<file path=ppt/slides/slide4.xml><?xml version="1.0" encoding="utf-8"?>
+<p:sld xmlns:a="http://schemas.openxmlformats.org/drawingml/2006/main" xmlns:r="http://schemas.openxmlformats.org/officeDocument/2006/relationships" xmlns:p="http://schemas.openxmlformats.org/presentationml/2006/main">
+  <p:cSld>
+    <p:spTree>
+      <p:nvGrpSpPr>
+        <p:cNvPr id="1" name=""/>
+        <p:cNvGrpSpPr/>
+        <p:nvPr/>
+      </p:nvGrpSpPr>
+      <p:grpSpPr>
+        <a:xfrm>
+          <a:off x="0" y="0"/>
+          <a:ext cx="0" cy="0"/>
+          <a:chOff x="0" y="0"/>
+          <a:chExt cx="0" cy="0"/>
+        </a:xfrm>
+      </p:grpSpPr>
+      <p:pic>
+        <p:nvPicPr>
+          <p:cNvPr id="2" name="図 1">
+            <a:extLst>
+              <a:ext uri="{FF2B5EF4-FFF2-40B4-BE49-F238E27FC236}">
+                <a16:creationId xmlns:a16="http://schemas.microsoft.com/office/drawing/2014/main" id="{42CC57FB-004B-0446-BAAF-F1398C37B730}"/>
+              </a:ext>
+            </a:extLst>
+          </p:cNvPr>
+          <p:cNvPicPr>
+            <a:picLocks noChangeAspect="1"/>
+          </p:cNvPicPr>
+          <p:nvPr/>
+        </p:nvPicPr>
+        <p:blipFill>
+          <a:blip r:embed="rId2"/>
+          <a:stretch>
+            <a:fillRect/>
+          </a:stretch>
+        </p:blipFill>
+        <p:spPr>
+          <a:xfrm>
+            <a:off x="367530" y="824432"/>
+            <a:ext cx="8278112" cy="5525889"/>
+          </a:xfrm>
+          <a:prstGeom prst="rect">
+            <a:avLst/>
+          </a:prstGeom>
+        </p:spPr>
+      </p:pic>
+      <p:sp>
+        <p:nvSpPr>
+          <p:cNvPr id="3" name="テキスト ボックス 2">
+            <a:extLst>
+              <a:ext uri="{FF2B5EF4-FFF2-40B4-BE49-F238E27FC236}">
+                <a16:creationId xmlns:a16="http://schemas.microsoft.com/office/drawing/2014/main" id="{9F2D15FA-A6D8-814F-BF56-2C40CCE27B39}"/>
+              </a:ext>
+            </a:extLst>
+          </p:cNvPr>
+          <p:cNvSpPr txBox="1"/>
+          <p:nvPr/>
+        </p:nvSpPr>
+        <p:spPr>
+          <a:xfrm>
+            <a:off x="0" y="50614"/>
+            <a:ext cx="1627690" cy="646331"/>
+          </a:xfrm>
+          <a:prstGeom prst="rect">
+            <a:avLst/>
+          </a:prstGeom>
+          <a:noFill/>
+        </p:spPr>
+        <p:txBody>
+          <a:bodyPr wrap="none" rtlCol="0">
+            <a:spAutoFit/>
+          </a:bodyPr>
+          <a:lstStyle/>
+          <a:p>
+            <a:r>
+              <a:rPr kumimoji="1" lang="en-US" altLang="ja-JP" sz="3600" dirty="0" err="1"/>
+              <a:t>RStudio</a:t>
+            </a:r>
+            <a:endParaRPr kumimoji="1" lang="ja-JP" altLang="en-US" sz="3600"/>
+          </a:p>
+        </p:txBody>
+      </p:sp>
+      <p:sp>
+        <p:nvSpPr>
+          <p:cNvPr id="4" name="テキスト ボックス 3">
+            <a:extLst>
+              <a:ext uri="{FF2B5EF4-FFF2-40B4-BE49-F238E27FC236}">
+                <a16:creationId xmlns:a16="http://schemas.microsoft.com/office/drawing/2014/main" id="{648A7CC7-3A2A-744D-B00A-9E742B863874}"/>
+              </a:ext>
+            </a:extLst>
+          </p:cNvPr>
+          <p:cNvSpPr txBox="1"/>
+          <p:nvPr/>
+        </p:nvSpPr>
+        <p:spPr>
+          <a:xfrm>
+            <a:off x="5113867" y="2777066"/>
+            <a:ext cx="1898277" cy="646331"/>
+          </a:xfrm>
+          <a:prstGeom prst="rect">
+            <a:avLst/>
+          </a:prstGeom>
+          <a:noFill/>
+        </p:spPr>
+        <p:txBody>
+          <a:bodyPr wrap="none" rtlCol="0">
+            <a:spAutoFit/>
+          </a:bodyPr>
+          <a:lstStyle/>
+          <a:p>
+            <a:r>
+              <a:rPr lang="en-US" altLang="ja-JP" sz="3600" dirty="0">
+                <a:solidFill>
+                  <a:schemeClr val="bg1"/>
+                </a:solidFill>
+              </a:rPr>
+              <a:t>Select  ↩︎</a:t>
+            </a:r>
+            <a:endParaRPr kumimoji="1" lang="ja-JP" altLang="en-US" sz="3600">
+              <a:solidFill>
+                <a:schemeClr val="bg1"/>
+              </a:solidFill>
+            </a:endParaRPr>
+          </a:p>
+        </p:txBody>
+      </p:sp>
+      <p:sp>
+        <p:nvSpPr>
+          <p:cNvPr id="6" name="円弧 5">
+            <a:extLst>
+              <a:ext uri="{FF2B5EF4-FFF2-40B4-BE49-F238E27FC236}">
+                <a16:creationId xmlns:a16="http://schemas.microsoft.com/office/drawing/2014/main" id="{D4B83F7E-FEB6-7142-BD43-B5910D52866A}"/>
+              </a:ext>
+            </a:extLst>
+          </p:cNvPr>
+          <p:cNvSpPr/>
+          <p:nvPr/>
+        </p:nvSpPr>
+        <p:spPr>
+          <a:xfrm>
+            <a:off x="2275114" y="1240973"/>
+            <a:ext cx="3603173" cy="2775857"/>
+          </a:xfrm>
+          <a:prstGeom prst="arc">
+            <a:avLst>
+              <a:gd name="adj1" fmla="val 11276963"/>
+              <a:gd name="adj2" fmla="val 20202137"/>
+            </a:avLst>
+          </a:prstGeom>
+          <a:ln w="117475">
+            <a:solidFill>
+              <a:schemeClr val="bg1"/>
+            </a:solidFill>
+            <a:headEnd type="triangle" w="lg" len="lg"/>
+            <a:tailEnd type="none" w="lg" len="lg"/>
+          </a:ln>
+        </p:spPr>
+        <p:style>
+          <a:lnRef idx="1">
+            <a:schemeClr val="accent1"/>
+          </a:lnRef>
+          <a:fillRef idx="0">
+            <a:schemeClr val="accent1"/>
+          </a:fillRef>
+          <a:effectRef idx="0">
+            <a:schemeClr val="accent1"/>
+          </a:effectRef>
+          <a:fontRef idx="minor">
+            <a:schemeClr val="tx1"/>
+          </a:fontRef>
+        </p:style>
+        <p:txBody>
+          <a:bodyPr rtlCol="0" anchor="ctr"/>
+          <a:lstStyle/>
+          <a:p>
+            <a:pPr algn="ctr"/>
+            <a:r>
+              <a:rPr kumimoji="1" lang="en-US" altLang="ja-JP" dirty="0"/>
+              <a:t>≈</a:t>
+            </a:r>
+            <a:endParaRPr kumimoji="1" lang="ja-JP" altLang="en-US"/>
+          </a:p>
+        </p:txBody>
+      </p:sp>
+      <p:sp>
+        <p:nvSpPr>
+          <p:cNvPr id="7" name="正方形/長方形 6">
+            <a:extLst>
+              <a:ext uri="{FF2B5EF4-FFF2-40B4-BE49-F238E27FC236}">
+                <a16:creationId xmlns:a16="http://schemas.microsoft.com/office/drawing/2014/main" id="{30279A5B-8246-4F4A-939F-7F9E994DA852}"/>
+              </a:ext>
+            </a:extLst>
+          </p:cNvPr>
+          <p:cNvSpPr/>
+          <p:nvPr/>
+        </p:nvSpPr>
+        <p:spPr>
+          <a:xfrm>
+            <a:off x="4927600" y="2184400"/>
+            <a:ext cx="1405467" cy="592666"/>
+          </a:xfrm>
+          <a:prstGeom prst="rect">
+            <a:avLst/>
+          </a:prstGeom>
+          <a:noFill/>
+          <a:ln w="63500">
+            <a:solidFill>
+              <a:schemeClr val="bg1"/>
+            </a:solidFill>
+          </a:ln>
+        </p:spPr>
+        <p:style>
+          <a:lnRef idx="2">
+            <a:schemeClr val="accent1">
+              <a:shade val="50000"/>
+            </a:schemeClr>
+          </a:lnRef>
+          <a:fillRef idx="1">
+            <a:schemeClr val="accent1"/>
+          </a:fillRef>
+          <a:effectRef idx="0">
+            <a:schemeClr val="accent1"/>
+          </a:effectRef>
+          <a:fontRef idx="minor">
+            <a:schemeClr val="lt1"/>
+          </a:fontRef>
+        </p:style>
+        <p:txBody>
+          <a:bodyPr rtlCol="0" anchor="ctr"/>
+          <a:lstStyle/>
+          <a:p>
+            <a:pPr algn="ctr"/>
+            <a:endParaRPr kumimoji="1" lang="ja-JP" altLang="en-US"/>
+          </a:p>
+        </p:txBody>
+      </p:sp>
+      <p:sp>
+        <p:nvSpPr>
+          <p:cNvPr id="8" name="正方形/長方形 7">
+            <a:extLst>
+              <a:ext uri="{FF2B5EF4-FFF2-40B4-BE49-F238E27FC236}">
+                <a16:creationId xmlns:a16="http://schemas.microsoft.com/office/drawing/2014/main" id="{980B042B-86A8-7D48-BC44-F737B5CE7C9A}"/>
+              </a:ext>
+            </a:extLst>
+          </p:cNvPr>
+          <p:cNvSpPr/>
+          <p:nvPr/>
+        </p:nvSpPr>
+        <p:spPr>
+          <a:xfrm>
+            <a:off x="367530" y="1888067"/>
+            <a:ext cx="1405467" cy="592666"/>
+          </a:xfrm>
+          <a:prstGeom prst="rect">
+            <a:avLst/>
+          </a:prstGeom>
+          <a:noFill/>
+          <a:ln w="63500">
+            <a:solidFill>
+              <a:schemeClr val="bg1"/>
+            </a:solidFill>
+          </a:ln>
+        </p:spPr>
+        <p:style>
+          <a:lnRef idx="2">
+            <a:schemeClr val="accent1">
+              <a:shade val="50000"/>
+            </a:schemeClr>
+          </a:lnRef>
+          <a:fillRef idx="1">
+            <a:schemeClr val="accent1"/>
+          </a:fillRef>
+          <a:effectRef idx="0">
+            <a:schemeClr val="accent1"/>
+          </a:effectRef>
+          <a:fontRef idx="minor">
+            <a:schemeClr val="lt1"/>
+          </a:fontRef>
+        </p:style>
+        <p:txBody>
+          <a:bodyPr rtlCol="0" anchor="ctr"/>
+          <a:lstStyle/>
+          <a:p>
+            <a:pPr algn="ctr"/>
+            <a:endParaRPr kumimoji="1" lang="ja-JP" altLang="en-US"/>
+          </a:p>
+        </p:txBody>
+      </p:sp>
+      <p:sp>
+        <p:nvSpPr>
+          <p:cNvPr id="9" name="正方形/長方形 8">
+            <a:extLst>
+              <a:ext uri="{FF2B5EF4-FFF2-40B4-BE49-F238E27FC236}">
+                <a16:creationId xmlns:a16="http://schemas.microsoft.com/office/drawing/2014/main" id="{DC91BE49-8B7F-984C-B4EE-E6CEE4AE3F6C}"/>
+              </a:ext>
+            </a:extLst>
+          </p:cNvPr>
+          <p:cNvSpPr/>
+          <p:nvPr/>
+        </p:nvSpPr>
+        <p:spPr>
+          <a:xfrm>
+            <a:off x="452195" y="4952999"/>
+            <a:ext cx="1749137" cy="770467"/>
+          </a:xfrm>
+          <a:prstGeom prst="rect">
+            <a:avLst/>
+          </a:prstGeom>
+          <a:noFill/>
+          <a:ln w="63500">
+            <a:solidFill>
+              <a:schemeClr val="bg1"/>
+            </a:solidFill>
+          </a:ln>
+        </p:spPr>
+        <p:style>
+          <a:lnRef idx="2">
+            <a:schemeClr val="accent1">
+              <a:shade val="50000"/>
+            </a:schemeClr>
+          </a:lnRef>
+          <a:fillRef idx="1">
+            <a:schemeClr val="accent1"/>
+          </a:fillRef>
+          <a:effectRef idx="0">
+            <a:schemeClr val="accent1"/>
+          </a:effectRef>
+          <a:fontRef idx="minor">
+            <a:schemeClr val="lt1"/>
+          </a:fontRef>
+        </p:style>
+        <p:txBody>
+          <a:bodyPr rtlCol="0" anchor="ctr"/>
+          <a:lstStyle/>
+          <a:p>
+            <a:pPr algn="ctr"/>
+            <a:endParaRPr kumimoji="1" lang="ja-JP" altLang="en-US"/>
+          </a:p>
+        </p:txBody>
+      </p:sp>
+    </p:spTree>
+    <p:extLst>
+      <p:ext uri="{BB962C8B-B14F-4D97-AF65-F5344CB8AC3E}">
+        <p14:creationId xmlns:p14="http://schemas.microsoft.com/office/powerpoint/2010/main" val="1553780953"/>
+      </p:ext>
+    </p:extLst>
+  </p:cSld>
+  <p:clrMapOvr>
+    <a:masterClrMapping/>
+  </p:clrMapOvr>
+</p:sld>
+</file>
+
+<file path=ppt/slides/slide5.xml><?xml version="1.0" encoding="utf-8"?>
+<p:sld xmlns:a="http://schemas.openxmlformats.org/drawingml/2006/main" xmlns:r="http://schemas.openxmlformats.org/officeDocument/2006/relationships" xmlns:p="http://schemas.openxmlformats.org/presentationml/2006/main">
+  <p:cSld>
+    <p:spTree>
+      <p:nvGrpSpPr>
+        <p:cNvPr id="1" name=""/>
+        <p:cNvGrpSpPr/>
+        <p:nvPr/>
+      </p:nvGrpSpPr>
+      <p:grpSpPr>
+        <a:xfrm>
+          <a:off x="0" y="0"/>
+          <a:ext cx="0" cy="0"/>
+          <a:chOff x="0" y="0"/>
+          <a:chExt cx="0" cy="0"/>
+        </a:xfrm>
+      </p:grpSpPr>
+      <p:sp>
+        <p:nvSpPr>
           <p:cNvPr id="2" name="テキスト ボックス 1">
             <a:extLst>
               <a:ext uri="{FF2B5EF4-FFF2-40B4-BE49-F238E27FC236}">
@@ -3306,7 +4641,7 @@
         <p:spPr>
           <a:xfrm>
             <a:off x="0" y="50614"/>
-            <a:ext cx="3798476" cy="646331"/>
+            <a:ext cx="4027706" cy="646331"/>
           </a:xfrm>
           <a:prstGeom prst="rect">
             <a:avLst/>
@@ -3321,7 +4656,7 @@
           <a:p>
             <a:r>
               <a:rPr kumimoji="1" lang="en-US" altLang="ja-JP" sz="3600" dirty="0"/>
-              <a:t>Create New Project</a:t>
+              <a:t>Create New Project≈</a:t>
             </a:r>
             <a:endParaRPr kumimoji="1" lang="ja-JP" altLang="en-US" sz="3600"/>
           </a:p>
@@ -3330,7 +4665,7 @@
     </p:spTree>
     <p:extLst>
       <p:ext uri="{BB962C8B-B14F-4D97-AF65-F5344CB8AC3E}">
-        <p14:creationId xmlns:p14="http://schemas.microsoft.com/office/powerpoint/2010/main" val="2423770660"/>
+        <p14:creationId xmlns:p14="http://schemas.microsoft.com/office/powerpoint/2010/main" val="3321169966"/>
       </p:ext>
     </p:extLst>
   </p:cSld>
@@ -3340,7 +4675,7 @@
 </p:sld>
 </file>
 
-<file path=ppt/slides/slide2.xml><?xml version="1.0" encoding="utf-8"?>
+<file path=ppt/slides/slide6.xml><?xml version="1.0" encoding="utf-8"?>
 <p:sld xmlns:a="http://schemas.openxmlformats.org/drawingml/2006/main" xmlns:r="http://schemas.openxmlformats.org/officeDocument/2006/relationships" xmlns:p="http://schemas.openxmlformats.org/presentationml/2006/main">
   <p:cSld>
     <p:spTree>
@@ -4395,7 +5730,7 @@
     </p:spTree>
     <p:extLst>
       <p:ext uri="{BB962C8B-B14F-4D97-AF65-F5344CB8AC3E}">
-        <p14:creationId xmlns:p14="http://schemas.microsoft.com/office/powerpoint/2010/main" val="15779489"/>
+        <p14:creationId xmlns:p14="http://schemas.microsoft.com/office/powerpoint/2010/main" val="240639225"/>
       </p:ext>
     </p:extLst>
   </p:cSld>
@@ -4405,7 +5740,7 @@
 </p:sld>
 </file>
 
-<file path=ppt/slides/slide3.xml><?xml version="1.0" encoding="utf-8"?>
+<file path=ppt/slides/slide7.xml><?xml version="1.0" encoding="utf-8"?>
 <p:sld xmlns:a="http://schemas.openxmlformats.org/drawingml/2006/main" xmlns:r="http://schemas.openxmlformats.org/officeDocument/2006/relationships" xmlns:p="http://schemas.openxmlformats.org/presentationml/2006/main">
   <p:cSld>
     <p:spTree>
@@ -4422,10 +5757,5824 @@
           <a:chExt cx="0" cy="0"/>
         </a:xfrm>
       </p:grpSpPr>
+      <p:cxnSp>
+        <p:nvCxnSpPr>
+          <p:cNvPr id="22" name="直線コネクタ 21">
+            <a:extLst>
+              <a:ext uri="{FF2B5EF4-FFF2-40B4-BE49-F238E27FC236}">
+                <a16:creationId xmlns:a16="http://schemas.microsoft.com/office/drawing/2014/main" id="{0DE2FDCD-6F38-FE45-A605-044BFB241D7F}"/>
+              </a:ext>
+            </a:extLst>
+          </p:cNvPr>
+          <p:cNvCxnSpPr>
+            <a:cxnSpLocks/>
+          </p:cNvCxnSpPr>
+          <p:nvPr/>
+        </p:nvCxnSpPr>
+        <p:spPr>
+          <a:xfrm flipH="1">
+            <a:off x="1560484" y="3070742"/>
+            <a:ext cx="984067" cy="0"/>
+          </a:xfrm>
+          <a:prstGeom prst="line">
+            <a:avLst/>
+          </a:prstGeom>
+          <a:ln w="31750">
+            <a:solidFill>
+              <a:schemeClr val="tx1"/>
+            </a:solidFill>
+          </a:ln>
+        </p:spPr>
+        <p:style>
+          <a:lnRef idx="1">
+            <a:schemeClr val="accent1"/>
+          </a:lnRef>
+          <a:fillRef idx="0">
+            <a:schemeClr val="accent1"/>
+          </a:fillRef>
+          <a:effectRef idx="0">
+            <a:schemeClr val="accent1"/>
+          </a:effectRef>
+          <a:fontRef idx="minor">
+            <a:schemeClr val="tx1"/>
+          </a:fontRef>
+        </p:style>
+      </p:cxnSp>
+      <p:cxnSp>
+        <p:nvCxnSpPr>
+          <p:cNvPr id="11" name="直線コネクタ 10">
+            <a:extLst>
+              <a:ext uri="{FF2B5EF4-FFF2-40B4-BE49-F238E27FC236}">
+                <a16:creationId xmlns:a16="http://schemas.microsoft.com/office/drawing/2014/main" id="{FD9AB195-5328-2346-B9CC-45CDB2C6E823}"/>
+              </a:ext>
+            </a:extLst>
+          </p:cNvPr>
+          <p:cNvCxnSpPr>
+            <a:cxnSpLocks/>
+          </p:cNvCxnSpPr>
+          <p:nvPr/>
+        </p:nvCxnSpPr>
+        <p:spPr>
+          <a:xfrm>
+            <a:off x="820255" y="1244356"/>
+            <a:ext cx="0" cy="1944915"/>
+          </a:xfrm>
+          <a:prstGeom prst="line">
+            <a:avLst/>
+          </a:prstGeom>
+          <a:ln w="31750">
+            <a:solidFill>
+              <a:schemeClr val="tx1"/>
+            </a:solidFill>
+          </a:ln>
+        </p:spPr>
+        <p:style>
+          <a:lnRef idx="1">
+            <a:schemeClr val="accent1"/>
+          </a:lnRef>
+          <a:fillRef idx="0">
+            <a:schemeClr val="accent1"/>
+          </a:fillRef>
+          <a:effectRef idx="0">
+            <a:schemeClr val="accent1"/>
+          </a:effectRef>
+          <a:fontRef idx="minor">
+            <a:schemeClr val="tx1"/>
+          </a:fontRef>
+        </p:style>
+      </p:cxnSp>
+      <p:sp>
+        <p:nvSpPr>
+          <p:cNvPr id="19" name="フリーフォーム 18">
+            <a:extLst>
+              <a:ext uri="{FF2B5EF4-FFF2-40B4-BE49-F238E27FC236}">
+                <a16:creationId xmlns:a16="http://schemas.microsoft.com/office/drawing/2014/main" id="{18BD87EF-045C-F147-B854-D4954D7A7376}"/>
+              </a:ext>
+            </a:extLst>
+          </p:cNvPr>
+          <p:cNvSpPr/>
+          <p:nvPr/>
+        </p:nvSpPr>
+        <p:spPr>
+          <a:xfrm>
+            <a:off x="820255" y="2115214"/>
+            <a:ext cx="740229" cy="4505719"/>
+          </a:xfrm>
+          <a:custGeom>
+            <a:avLst/>
+            <a:gdLst>
+              <a:gd name="connsiteX0" fmla="*/ 0 w 522514"/>
+              <a:gd name="connsiteY0" fmla="*/ 0 h 5233851"/>
+              <a:gd name="connsiteX1" fmla="*/ 522514 w 522514"/>
+              <a:gd name="connsiteY1" fmla="*/ 0 h 5233851"/>
+              <a:gd name="connsiteX2" fmla="*/ 522514 w 522514"/>
+              <a:gd name="connsiteY2" fmla="*/ 5233851 h 5233851"/>
+            </a:gdLst>
+            <a:ahLst/>
+            <a:cxnLst>
+              <a:cxn ang="0">
+                <a:pos x="connsiteX0" y="connsiteY0"/>
+              </a:cxn>
+              <a:cxn ang="0">
+                <a:pos x="connsiteX1" y="connsiteY1"/>
+              </a:cxn>
+              <a:cxn ang="0">
+                <a:pos x="connsiteX2" y="connsiteY2"/>
+              </a:cxn>
+            </a:cxnLst>
+            <a:rect l="l" t="t" r="r" b="b"/>
+            <a:pathLst>
+              <a:path w="522514" h="5233851">
+                <a:moveTo>
+                  <a:pt x="0" y="0"/>
+                </a:moveTo>
+                <a:lnTo>
+                  <a:pt x="522514" y="0"/>
+                </a:lnTo>
+                <a:lnTo>
+                  <a:pt x="522514" y="5233851"/>
+                </a:lnTo>
+              </a:path>
+            </a:pathLst>
+          </a:custGeom>
+          <a:noFill/>
+          <a:ln w="31750">
+            <a:solidFill>
+              <a:schemeClr val="tx1"/>
+            </a:solidFill>
+          </a:ln>
+        </p:spPr>
+        <p:style>
+          <a:lnRef idx="2">
+            <a:schemeClr val="accent1">
+              <a:shade val="50000"/>
+            </a:schemeClr>
+          </a:lnRef>
+          <a:fillRef idx="1">
+            <a:schemeClr val="accent1"/>
+          </a:fillRef>
+          <a:effectRef idx="0">
+            <a:schemeClr val="accent1"/>
+          </a:effectRef>
+          <a:fontRef idx="minor">
+            <a:schemeClr val="lt1"/>
+          </a:fontRef>
+        </p:style>
+        <p:txBody>
+          <a:bodyPr rtlCol="0" anchor="ctr"/>
+          <a:lstStyle/>
+          <a:p>
+            <a:pPr algn="ctr"/>
+            <a:endParaRPr kumimoji="1" lang="ja-JP" altLang="en-US"/>
+          </a:p>
+        </p:txBody>
+      </p:sp>
+      <p:sp>
+        <p:nvSpPr>
+          <p:cNvPr id="28" name="テキスト ボックス 27">
+            <a:extLst>
+              <a:ext uri="{FF2B5EF4-FFF2-40B4-BE49-F238E27FC236}">
+                <a16:creationId xmlns:a16="http://schemas.microsoft.com/office/drawing/2014/main" id="{5CE74403-7317-1A45-ABF5-20A60382CA0C}"/>
+              </a:ext>
+            </a:extLst>
+          </p:cNvPr>
+          <p:cNvSpPr txBox="1"/>
+          <p:nvPr/>
+        </p:nvSpPr>
+        <p:spPr>
+          <a:xfrm>
+            <a:off x="2022297" y="1838106"/>
+            <a:ext cx="2078005" cy="584775"/>
+          </a:xfrm>
+          <a:prstGeom prst="rect">
+            <a:avLst/>
+          </a:prstGeom>
+          <a:noFill/>
+        </p:spPr>
+        <p:txBody>
+          <a:bodyPr wrap="none" rtlCol="0">
+            <a:spAutoFit/>
+          </a:bodyPr>
+          <a:lstStyle/>
+          <a:p>
+            <a:r>
+              <a:rPr lang="en-US" altLang="ja-JP" sz="3200" dirty="0" err="1"/>
+              <a:t>m</a:t>
+            </a:r>
+            <a:r>
+              <a:rPr kumimoji="1" lang="en-US" altLang="ja-JP" sz="3200" dirty="0" err="1"/>
+              <a:t>y_project</a:t>
+            </a:r>
+            <a:endParaRPr kumimoji="1" lang="ja-JP" altLang="en-US" sz="3200"/>
+          </a:p>
+        </p:txBody>
+      </p:sp>
+      <p:pic>
+        <p:nvPicPr>
+          <p:cNvPr id="1028" name="Picture 4" descr="フォルダのアイコン ふぉるだのあいこん - ico,png,icns,無料の ...">
+            <a:extLst>
+              <a:ext uri="{FF2B5EF4-FFF2-40B4-BE49-F238E27FC236}">
+                <a16:creationId xmlns:a16="http://schemas.microsoft.com/office/drawing/2014/main" id="{5CA8B2EC-7F26-7E4F-913A-DEF4FE4CF1E5}"/>
+              </a:ext>
+            </a:extLst>
+          </p:cNvPr>
+          <p:cNvPicPr>
+            <a:picLocks noChangeAspect="1" noChangeArrowheads="1"/>
+          </p:cNvPicPr>
+          <p:nvPr/>
+        </p:nvPicPr>
+        <p:blipFill>
+          <a:blip r:embed="rId2">
+            <a:extLst>
+              <a:ext uri="{28A0092B-C50C-407E-A947-70E740481C1C}">
+                <a14:useLocalDpi xmlns:a14="http://schemas.microsoft.com/office/drawing/2010/main" val="0"/>
+              </a:ext>
+            </a:extLst>
+          </a:blip>
+          <a:srcRect/>
+          <a:stretch>
+            <a:fillRect/>
+          </a:stretch>
+        </p:blipFill>
+        <p:spPr bwMode="auto">
+          <a:xfrm>
+            <a:off x="1185653" y="1696892"/>
+            <a:ext cx="836644" cy="836644"/>
+          </a:xfrm>
+          <a:prstGeom prst="rect">
+            <a:avLst/>
+          </a:prstGeom>
+          <a:noFill/>
+          <a:extLst>
+            <a:ext uri="{909E8E84-426E-40DD-AFC4-6F175D3DCCD1}">
+              <a14:hiddenFill xmlns:a14="http://schemas.microsoft.com/office/drawing/2010/main">
+                <a:solidFill>
+                  <a:srgbClr val="FFFFFF"/>
+                </a:solidFill>
+              </a14:hiddenFill>
+            </a:ext>
+          </a:extLst>
+        </p:spPr>
+      </p:pic>
+      <p:pic>
+        <p:nvPicPr>
+          <p:cNvPr id="30" name="図 29">
+            <a:extLst>
+              <a:ext uri="{FF2B5EF4-FFF2-40B4-BE49-F238E27FC236}">
+                <a16:creationId xmlns:a16="http://schemas.microsoft.com/office/drawing/2014/main" id="{59A54A4F-4E43-2743-9F80-04966465213E}"/>
+              </a:ext>
+            </a:extLst>
+          </p:cNvPr>
+          <p:cNvPicPr>
+            <a:picLocks noChangeAspect="1"/>
+          </p:cNvPicPr>
+          <p:nvPr/>
+        </p:nvPicPr>
+        <p:blipFill>
+          <a:blip r:embed="rId3"/>
+          <a:stretch>
+            <a:fillRect/>
+          </a:stretch>
+        </p:blipFill>
+        <p:spPr>
+          <a:xfrm>
+            <a:off x="2022297" y="2596259"/>
+            <a:ext cx="995945" cy="948966"/>
+          </a:xfrm>
+          <a:prstGeom prst="rect">
+            <a:avLst/>
+          </a:prstGeom>
+        </p:spPr>
+      </p:pic>
+      <p:sp>
+        <p:nvSpPr>
+          <p:cNvPr id="33" name="テキスト ボックス 32">
+            <a:extLst>
+              <a:ext uri="{FF2B5EF4-FFF2-40B4-BE49-F238E27FC236}">
+                <a16:creationId xmlns:a16="http://schemas.microsoft.com/office/drawing/2014/main" id="{A9F66952-4500-2A47-85D5-BC4F6B39D5BD}"/>
+              </a:ext>
+            </a:extLst>
+          </p:cNvPr>
+          <p:cNvSpPr txBox="1"/>
+          <p:nvPr/>
+        </p:nvSpPr>
+        <p:spPr>
+          <a:xfrm>
+            <a:off x="3105931" y="2793634"/>
+            <a:ext cx="3071675" cy="584775"/>
+          </a:xfrm>
+          <a:prstGeom prst="rect">
+            <a:avLst/>
+          </a:prstGeom>
+          <a:noFill/>
+        </p:spPr>
+        <p:txBody>
+          <a:bodyPr wrap="none" rtlCol="0">
+            <a:spAutoFit/>
+          </a:bodyPr>
+          <a:lstStyle/>
+          <a:p>
+            <a:r>
+              <a:rPr lang="en-US" altLang="ja-JP" sz="3200" dirty="0" err="1"/>
+              <a:t>m</a:t>
+            </a:r>
+            <a:r>
+              <a:rPr kumimoji="1" lang="en-US" altLang="ja-JP" sz="3200" dirty="0" err="1"/>
+              <a:t>y_project.Rproj</a:t>
+            </a:r>
+            <a:endParaRPr kumimoji="1" lang="ja-JP" altLang="en-US" sz="3200"/>
+          </a:p>
+        </p:txBody>
+      </p:sp>
+      <p:cxnSp>
+        <p:nvCxnSpPr>
+          <p:cNvPr id="35" name="直線コネクタ 34">
+            <a:extLst>
+              <a:ext uri="{FF2B5EF4-FFF2-40B4-BE49-F238E27FC236}">
+                <a16:creationId xmlns:a16="http://schemas.microsoft.com/office/drawing/2014/main" id="{ABC44702-3C32-A54E-A594-0D09E0DADCB7}"/>
+              </a:ext>
+            </a:extLst>
+          </p:cNvPr>
+          <p:cNvCxnSpPr>
+            <a:cxnSpLocks/>
+          </p:cNvCxnSpPr>
+          <p:nvPr/>
+        </p:nvCxnSpPr>
+        <p:spPr>
+          <a:xfrm flipH="1">
+            <a:off x="1560483" y="4121674"/>
+            <a:ext cx="984067" cy="0"/>
+          </a:xfrm>
+          <a:prstGeom prst="line">
+            <a:avLst/>
+          </a:prstGeom>
+          <a:ln w="31750">
+            <a:solidFill>
+              <a:schemeClr val="tx1"/>
+            </a:solidFill>
+          </a:ln>
+        </p:spPr>
+        <p:style>
+          <a:lnRef idx="1">
+            <a:schemeClr val="accent1"/>
+          </a:lnRef>
+          <a:fillRef idx="0">
+            <a:schemeClr val="accent1"/>
+          </a:fillRef>
+          <a:effectRef idx="0">
+            <a:schemeClr val="accent1"/>
+          </a:effectRef>
+          <a:fontRef idx="minor">
+            <a:schemeClr val="tx1"/>
+          </a:fontRef>
+        </p:style>
+      </p:cxnSp>
+      <p:sp>
+        <p:nvSpPr>
+          <p:cNvPr id="37" name="テキスト ボックス 36">
+            <a:extLst>
+              <a:ext uri="{FF2B5EF4-FFF2-40B4-BE49-F238E27FC236}">
+                <a16:creationId xmlns:a16="http://schemas.microsoft.com/office/drawing/2014/main" id="{77A63653-392C-A24A-88B5-AE2A866143B4}"/>
+              </a:ext>
+            </a:extLst>
+          </p:cNvPr>
+          <p:cNvSpPr txBox="1"/>
+          <p:nvPr/>
+        </p:nvSpPr>
+        <p:spPr>
+          <a:xfrm>
+            <a:off x="1244099" y="1009041"/>
+            <a:ext cx="2832250" cy="584775"/>
+          </a:xfrm>
+          <a:prstGeom prst="rect">
+            <a:avLst/>
+          </a:prstGeom>
+          <a:noFill/>
+        </p:spPr>
+        <p:txBody>
+          <a:bodyPr wrap="none" rtlCol="0">
+            <a:spAutoFit/>
+          </a:bodyPr>
+          <a:lstStyle/>
+          <a:p>
+            <a:r>
+              <a:rPr lang="en-US" altLang="ja-JP" sz="3200" dirty="0"/>
+              <a:t>~/Documents/R</a:t>
+            </a:r>
+            <a:endParaRPr kumimoji="1" lang="ja-JP" altLang="en-US" sz="3200"/>
+          </a:p>
+        </p:txBody>
+      </p:sp>
+      <p:pic>
+        <p:nvPicPr>
+          <p:cNvPr id="38" name="Picture 4" descr="フォルダのアイコン ふぉるだのあいこん - ico,png,icns,無料の ...">
+            <a:extLst>
+              <a:ext uri="{FF2B5EF4-FFF2-40B4-BE49-F238E27FC236}">
+                <a16:creationId xmlns:a16="http://schemas.microsoft.com/office/drawing/2014/main" id="{793D99AD-0EAD-5E4F-8138-B3FADCA21FD8}"/>
+              </a:ext>
+            </a:extLst>
+          </p:cNvPr>
+          <p:cNvPicPr>
+            <a:picLocks noChangeAspect="1" noChangeArrowheads="1"/>
+          </p:cNvPicPr>
+          <p:nvPr/>
+        </p:nvPicPr>
+        <p:blipFill>
+          <a:blip r:embed="rId2">
+            <a:extLst>
+              <a:ext uri="{28A0092B-C50C-407E-A947-70E740481C1C}">
+                <a14:useLocalDpi xmlns:a14="http://schemas.microsoft.com/office/drawing/2010/main" val="0"/>
+              </a:ext>
+            </a:extLst>
+          </a:blip>
+          <a:srcRect/>
+          <a:stretch>
+            <a:fillRect/>
+          </a:stretch>
+        </p:blipFill>
+        <p:spPr bwMode="auto">
+          <a:xfrm>
+            <a:off x="407455" y="867827"/>
+            <a:ext cx="836644" cy="836644"/>
+          </a:xfrm>
+          <a:prstGeom prst="rect">
+            <a:avLst/>
+          </a:prstGeom>
+          <a:noFill/>
+          <a:extLst>
+            <a:ext uri="{909E8E84-426E-40DD-AFC4-6F175D3DCCD1}">
+              <a14:hiddenFill xmlns:a14="http://schemas.microsoft.com/office/drawing/2010/main">
+                <a:solidFill>
+                  <a:srgbClr val="FFFFFF"/>
+                </a:solidFill>
+              </a14:hiddenFill>
+            </a:ext>
+          </a:extLst>
+        </p:spPr>
+      </p:pic>
+      <p:sp>
+        <p:nvSpPr>
+          <p:cNvPr id="48" name="テキスト ボックス 47">
+            <a:extLst>
+              <a:ext uri="{FF2B5EF4-FFF2-40B4-BE49-F238E27FC236}">
+                <a16:creationId xmlns:a16="http://schemas.microsoft.com/office/drawing/2014/main" id="{88EE8B8D-15E3-7E41-89AA-B8C067BAB80C}"/>
+              </a:ext>
+            </a:extLst>
+          </p:cNvPr>
+          <p:cNvSpPr txBox="1"/>
+          <p:nvPr/>
+        </p:nvSpPr>
+        <p:spPr>
+          <a:xfrm>
+            <a:off x="0" y="50614"/>
+            <a:ext cx="2799869" cy="646331"/>
+          </a:xfrm>
+          <a:prstGeom prst="rect">
+            <a:avLst/>
+          </a:prstGeom>
+          <a:noFill/>
+        </p:spPr>
+        <p:txBody>
+          <a:bodyPr wrap="none" rtlCol="0">
+            <a:spAutoFit/>
+          </a:bodyPr>
+          <a:lstStyle/>
+          <a:p>
+            <a:r>
+              <a:rPr kumimoji="1" lang="en-US" altLang="ja-JP" sz="3600" dirty="0"/>
+              <a:t>Project Folder</a:t>
+            </a:r>
+            <a:endParaRPr kumimoji="1" lang="ja-JP" altLang="en-US" sz="3600"/>
+          </a:p>
+        </p:txBody>
+      </p:sp>
+      <p:sp>
+        <p:nvSpPr>
+          <p:cNvPr id="23" name="テキスト ボックス 22">
+            <a:extLst>
+              <a:ext uri="{FF2B5EF4-FFF2-40B4-BE49-F238E27FC236}">
+                <a16:creationId xmlns:a16="http://schemas.microsoft.com/office/drawing/2014/main" id="{37EFDF3A-7E50-D34A-92D7-F95D3E1DBE29}"/>
+              </a:ext>
+            </a:extLst>
+          </p:cNvPr>
+          <p:cNvSpPr txBox="1"/>
+          <p:nvPr/>
+        </p:nvSpPr>
+        <p:spPr>
+          <a:xfrm>
+            <a:off x="2858941" y="3805323"/>
+            <a:ext cx="924484" cy="584775"/>
+          </a:xfrm>
+          <a:prstGeom prst="rect">
+            <a:avLst/>
+          </a:prstGeom>
+          <a:noFill/>
+        </p:spPr>
+        <p:txBody>
+          <a:bodyPr wrap="none" rtlCol="0">
+            <a:spAutoFit/>
+          </a:bodyPr>
+          <a:lstStyle/>
+          <a:p>
+            <a:r>
+              <a:rPr lang="en-US" altLang="ja-JP" sz="3200" dirty="0"/>
+              <a:t>data</a:t>
+            </a:r>
+            <a:endParaRPr kumimoji="1" lang="ja-JP" altLang="en-US" sz="3200"/>
+          </a:p>
+        </p:txBody>
+      </p:sp>
+      <p:pic>
+        <p:nvPicPr>
+          <p:cNvPr id="24" name="Picture 4" descr="フォルダのアイコン ふぉるだのあいこん - ico,png,icns,無料の ...">
+            <a:extLst>
+              <a:ext uri="{FF2B5EF4-FFF2-40B4-BE49-F238E27FC236}">
+                <a16:creationId xmlns:a16="http://schemas.microsoft.com/office/drawing/2014/main" id="{AF9F1B6B-BAAF-E64B-BE96-58C42D66BD15}"/>
+              </a:ext>
+            </a:extLst>
+          </p:cNvPr>
+          <p:cNvPicPr>
+            <a:picLocks noChangeAspect="1" noChangeArrowheads="1"/>
+          </p:cNvPicPr>
+          <p:nvPr/>
+        </p:nvPicPr>
+        <p:blipFill>
+          <a:blip r:embed="rId2">
+            <a:extLst>
+              <a:ext uri="{28A0092B-C50C-407E-A947-70E740481C1C}">
+                <a14:useLocalDpi xmlns:a14="http://schemas.microsoft.com/office/drawing/2010/main" val="0"/>
+              </a:ext>
+            </a:extLst>
+          </a:blip>
+          <a:srcRect/>
+          <a:stretch>
+            <a:fillRect/>
+          </a:stretch>
+        </p:blipFill>
+        <p:spPr bwMode="auto">
+          <a:xfrm>
+            <a:off x="2022297" y="3664109"/>
+            <a:ext cx="836644" cy="836644"/>
+          </a:xfrm>
+          <a:prstGeom prst="rect">
+            <a:avLst/>
+          </a:prstGeom>
+          <a:noFill/>
+          <a:extLst>
+            <a:ext uri="{909E8E84-426E-40DD-AFC4-6F175D3DCCD1}">
+              <a14:hiddenFill xmlns:a14="http://schemas.microsoft.com/office/drawing/2010/main">
+                <a:solidFill>
+                  <a:srgbClr val="FFFFFF"/>
+                </a:solidFill>
+              </a14:hiddenFill>
+            </a:ext>
+          </a:extLst>
+        </p:spPr>
+      </p:pic>
+      <p:cxnSp>
+        <p:nvCxnSpPr>
+          <p:cNvPr id="25" name="直線コネクタ 24">
+            <a:extLst>
+              <a:ext uri="{FF2B5EF4-FFF2-40B4-BE49-F238E27FC236}">
+                <a16:creationId xmlns:a16="http://schemas.microsoft.com/office/drawing/2014/main" id="{21A90489-D1CE-B046-AFDD-486940081F5E}"/>
+              </a:ext>
+            </a:extLst>
+          </p:cNvPr>
+          <p:cNvCxnSpPr>
+            <a:cxnSpLocks/>
+          </p:cNvCxnSpPr>
+          <p:nvPr/>
+        </p:nvCxnSpPr>
+        <p:spPr>
+          <a:xfrm flipH="1">
+            <a:off x="1560483" y="5101165"/>
+            <a:ext cx="984067" cy="0"/>
+          </a:xfrm>
+          <a:prstGeom prst="line">
+            <a:avLst/>
+          </a:prstGeom>
+          <a:ln w="31750">
+            <a:solidFill>
+              <a:schemeClr val="tx1"/>
+            </a:solidFill>
+          </a:ln>
+        </p:spPr>
+        <p:style>
+          <a:lnRef idx="1">
+            <a:schemeClr val="accent1"/>
+          </a:lnRef>
+          <a:fillRef idx="0">
+            <a:schemeClr val="accent1"/>
+          </a:fillRef>
+          <a:effectRef idx="0">
+            <a:schemeClr val="accent1"/>
+          </a:effectRef>
+          <a:fontRef idx="minor">
+            <a:schemeClr val="tx1"/>
+          </a:fontRef>
+        </p:style>
+      </p:cxnSp>
+      <p:sp>
+        <p:nvSpPr>
+          <p:cNvPr id="26" name="テキスト ボックス 25">
+            <a:extLst>
+              <a:ext uri="{FF2B5EF4-FFF2-40B4-BE49-F238E27FC236}">
+                <a16:creationId xmlns:a16="http://schemas.microsoft.com/office/drawing/2014/main" id="{28BF553F-B425-744E-B33E-5D94C848BB1E}"/>
+              </a:ext>
+            </a:extLst>
+          </p:cNvPr>
+          <p:cNvSpPr txBox="1"/>
+          <p:nvPr/>
+        </p:nvSpPr>
+        <p:spPr>
+          <a:xfrm>
+            <a:off x="2858941" y="4784814"/>
+            <a:ext cx="598241" cy="584775"/>
+          </a:xfrm>
+          <a:prstGeom prst="rect">
+            <a:avLst/>
+          </a:prstGeom>
+          <a:noFill/>
+        </p:spPr>
+        <p:txBody>
+          <a:bodyPr wrap="none" rtlCol="0">
+            <a:spAutoFit/>
+          </a:bodyPr>
+          <a:lstStyle/>
+          <a:p>
+            <a:r>
+              <a:rPr lang="en-US" altLang="ja-JP" sz="3200" dirty="0"/>
+              <a:t>fig</a:t>
+            </a:r>
+            <a:endParaRPr kumimoji="1" lang="ja-JP" altLang="en-US" sz="3200"/>
+          </a:p>
+        </p:txBody>
+      </p:sp>
+      <p:pic>
+        <p:nvPicPr>
+          <p:cNvPr id="27" name="Picture 4" descr="フォルダのアイコン ふぉるだのあいこん - ico,png,icns,無料の ...">
+            <a:extLst>
+              <a:ext uri="{FF2B5EF4-FFF2-40B4-BE49-F238E27FC236}">
+                <a16:creationId xmlns:a16="http://schemas.microsoft.com/office/drawing/2014/main" id="{D4612088-634A-F44B-A311-3180D5EB0A8C}"/>
+              </a:ext>
+            </a:extLst>
+          </p:cNvPr>
+          <p:cNvPicPr>
+            <a:picLocks noChangeAspect="1" noChangeArrowheads="1"/>
+          </p:cNvPicPr>
+          <p:nvPr/>
+        </p:nvPicPr>
+        <p:blipFill>
+          <a:blip r:embed="rId2">
+            <a:extLst>
+              <a:ext uri="{28A0092B-C50C-407E-A947-70E740481C1C}">
+                <a14:useLocalDpi xmlns:a14="http://schemas.microsoft.com/office/drawing/2010/main" val="0"/>
+              </a:ext>
+            </a:extLst>
+          </a:blip>
+          <a:srcRect/>
+          <a:stretch>
+            <a:fillRect/>
+          </a:stretch>
+        </p:blipFill>
+        <p:spPr bwMode="auto">
+          <a:xfrm>
+            <a:off x="2022297" y="4643600"/>
+            <a:ext cx="836644" cy="836644"/>
+          </a:xfrm>
+          <a:prstGeom prst="rect">
+            <a:avLst/>
+          </a:prstGeom>
+          <a:noFill/>
+          <a:extLst>
+            <a:ext uri="{909E8E84-426E-40DD-AFC4-6F175D3DCCD1}">
+              <a14:hiddenFill xmlns:a14="http://schemas.microsoft.com/office/drawing/2010/main">
+                <a:solidFill>
+                  <a:srgbClr val="FFFFFF"/>
+                </a:solidFill>
+              </a14:hiddenFill>
+            </a:ext>
+          </a:extLst>
+        </p:spPr>
+      </p:pic>
+      <p:cxnSp>
+        <p:nvCxnSpPr>
+          <p:cNvPr id="42" name="直線コネクタ 41">
+            <a:extLst>
+              <a:ext uri="{FF2B5EF4-FFF2-40B4-BE49-F238E27FC236}">
+                <a16:creationId xmlns:a16="http://schemas.microsoft.com/office/drawing/2014/main" id="{BD6B5107-B77C-7844-84C3-5536F8BE575E}"/>
+              </a:ext>
+            </a:extLst>
+          </p:cNvPr>
+          <p:cNvCxnSpPr>
+            <a:cxnSpLocks/>
+          </p:cNvCxnSpPr>
+          <p:nvPr/>
+        </p:nvCxnSpPr>
+        <p:spPr>
+          <a:xfrm flipH="1">
+            <a:off x="1560484" y="6083296"/>
+            <a:ext cx="461813" cy="0"/>
+          </a:xfrm>
+          <a:prstGeom prst="line">
+            <a:avLst/>
+          </a:prstGeom>
+          <a:ln w="31750">
+            <a:solidFill>
+              <a:schemeClr val="tx1"/>
+            </a:solidFill>
+          </a:ln>
+        </p:spPr>
+        <p:style>
+          <a:lnRef idx="1">
+            <a:schemeClr val="accent1"/>
+          </a:lnRef>
+          <a:fillRef idx="0">
+            <a:schemeClr val="accent1"/>
+          </a:fillRef>
+          <a:effectRef idx="0">
+            <a:schemeClr val="accent1"/>
+          </a:effectRef>
+          <a:fontRef idx="minor">
+            <a:schemeClr val="tx1"/>
+          </a:fontRef>
+        </p:style>
+      </p:cxnSp>
+      <p:sp>
+        <p:nvSpPr>
+          <p:cNvPr id="54" name="テキスト ボックス 53">
+            <a:extLst>
+              <a:ext uri="{FF2B5EF4-FFF2-40B4-BE49-F238E27FC236}">
+                <a16:creationId xmlns:a16="http://schemas.microsoft.com/office/drawing/2014/main" id="{590D370F-3F1B-8D4F-9D9D-2CDBA094A332}"/>
+              </a:ext>
+            </a:extLst>
+          </p:cNvPr>
+          <p:cNvSpPr txBox="1"/>
+          <p:nvPr/>
+        </p:nvSpPr>
+        <p:spPr>
+          <a:xfrm>
+            <a:off x="2748089" y="5721059"/>
+            <a:ext cx="1434816" cy="584775"/>
+          </a:xfrm>
+          <a:prstGeom prst="rect">
+            <a:avLst/>
+          </a:prstGeom>
+          <a:noFill/>
+        </p:spPr>
+        <p:txBody>
+          <a:bodyPr wrap="none" rtlCol="0">
+            <a:spAutoFit/>
+          </a:bodyPr>
+          <a:lstStyle/>
+          <a:p>
+            <a:r>
+              <a:rPr lang="en-US" altLang="ja-JP" sz="3200" dirty="0" err="1"/>
+              <a:t>script.R</a:t>
+            </a:r>
+            <a:endParaRPr kumimoji="1" lang="ja-JP" altLang="en-US" sz="3200"/>
+          </a:p>
+        </p:txBody>
+      </p:sp>
+      <p:grpSp>
+        <p:nvGrpSpPr>
+          <p:cNvPr id="57" name="グループ化 56">
+            <a:extLst>
+              <a:ext uri="{FF2B5EF4-FFF2-40B4-BE49-F238E27FC236}">
+                <a16:creationId xmlns:a16="http://schemas.microsoft.com/office/drawing/2014/main" id="{256A6869-3053-7549-A6D5-C7719D1561E7}"/>
+              </a:ext>
+            </a:extLst>
+          </p:cNvPr>
+          <p:cNvGrpSpPr/>
+          <p:nvPr/>
+        </p:nvGrpSpPr>
+        <p:grpSpPr>
+          <a:xfrm>
+            <a:off x="2121529" y="5761572"/>
+            <a:ext cx="501780" cy="596021"/>
+            <a:chOff x="1141269" y="1781052"/>
+            <a:chExt cx="836644" cy="836644"/>
+          </a:xfrm>
+        </p:grpSpPr>
+        <p:sp>
+          <p:nvSpPr>
+            <p:cNvPr id="58" name="メモ 57">
+              <a:extLst>
+                <a:ext uri="{FF2B5EF4-FFF2-40B4-BE49-F238E27FC236}">
+                  <a16:creationId xmlns:a16="http://schemas.microsoft.com/office/drawing/2014/main" id="{551E2F0D-735C-524E-BEF8-6130F277CEDA}"/>
+                </a:ext>
+              </a:extLst>
+            </p:cNvPr>
+            <p:cNvSpPr/>
+            <p:nvPr/>
+          </p:nvSpPr>
+          <p:spPr>
+            <a:xfrm>
+              <a:off x="1141269" y="1781052"/>
+              <a:ext cx="836644" cy="836644"/>
+            </a:xfrm>
+            <a:prstGeom prst="foldedCorner">
+              <a:avLst>
+                <a:gd name="adj" fmla="val 20715"/>
+              </a:avLst>
+            </a:prstGeom>
+            <a:solidFill>
+              <a:schemeClr val="bg1"/>
+            </a:solidFill>
+            <a:ln>
+              <a:solidFill>
+                <a:schemeClr val="tx1"/>
+              </a:solidFill>
+            </a:ln>
+          </p:spPr>
+          <p:style>
+            <a:lnRef idx="2">
+              <a:schemeClr val="accent1">
+                <a:shade val="50000"/>
+              </a:schemeClr>
+            </a:lnRef>
+            <a:fillRef idx="1">
+              <a:schemeClr val="accent1"/>
+            </a:fillRef>
+            <a:effectRef idx="0">
+              <a:schemeClr val="accent1"/>
+            </a:effectRef>
+            <a:fontRef idx="minor">
+              <a:schemeClr val="lt1"/>
+            </a:fontRef>
+          </p:style>
+          <p:txBody>
+            <a:bodyPr rtlCol="0" anchor="ctr"/>
+            <a:lstStyle/>
+            <a:p>
+              <a:pPr algn="ctr"/>
+              <a:endParaRPr kumimoji="1" lang="ja-JP" altLang="en-US"/>
+            </a:p>
+          </p:txBody>
+        </p:sp>
+        <p:cxnSp>
+          <p:nvCxnSpPr>
+            <p:cNvPr id="59" name="直線コネクタ 58">
+              <a:extLst>
+                <a:ext uri="{FF2B5EF4-FFF2-40B4-BE49-F238E27FC236}">
+                  <a16:creationId xmlns:a16="http://schemas.microsoft.com/office/drawing/2014/main" id="{5597A454-E424-1B4F-BE52-DCACEA5B7411}"/>
+                </a:ext>
+              </a:extLst>
+            </p:cNvPr>
+            <p:cNvCxnSpPr/>
+            <p:nvPr/>
+          </p:nvCxnSpPr>
+          <p:spPr>
+            <a:xfrm>
+              <a:off x="1310770" y="2000250"/>
+              <a:ext cx="497973" cy="0"/>
+            </a:xfrm>
+            <a:prstGeom prst="line">
+              <a:avLst/>
+            </a:prstGeom>
+            <a:ln w="12700">
+              <a:solidFill>
+                <a:schemeClr val="tx1"/>
+              </a:solidFill>
+            </a:ln>
+          </p:spPr>
+          <p:style>
+            <a:lnRef idx="1">
+              <a:schemeClr val="accent1"/>
+            </a:lnRef>
+            <a:fillRef idx="0">
+              <a:schemeClr val="accent1"/>
+            </a:fillRef>
+            <a:effectRef idx="0">
+              <a:schemeClr val="accent1"/>
+            </a:effectRef>
+            <a:fontRef idx="minor">
+              <a:schemeClr val="tx1"/>
+            </a:fontRef>
+          </p:style>
+        </p:cxnSp>
+        <p:cxnSp>
+          <p:nvCxnSpPr>
+            <p:cNvPr id="60" name="直線コネクタ 59">
+              <a:extLst>
+                <a:ext uri="{FF2B5EF4-FFF2-40B4-BE49-F238E27FC236}">
+                  <a16:creationId xmlns:a16="http://schemas.microsoft.com/office/drawing/2014/main" id="{D6E79818-AAA0-C148-AD05-D49A8BBEB93D}"/>
+                </a:ext>
+              </a:extLst>
+            </p:cNvPr>
+            <p:cNvCxnSpPr/>
+            <p:nvPr/>
+          </p:nvCxnSpPr>
+          <p:spPr>
+            <a:xfrm>
+              <a:off x="1310770" y="2162175"/>
+              <a:ext cx="497973" cy="0"/>
+            </a:xfrm>
+            <a:prstGeom prst="line">
+              <a:avLst/>
+            </a:prstGeom>
+            <a:ln w="12700">
+              <a:solidFill>
+                <a:schemeClr val="tx1"/>
+              </a:solidFill>
+            </a:ln>
+          </p:spPr>
+          <p:style>
+            <a:lnRef idx="1">
+              <a:schemeClr val="accent1"/>
+            </a:lnRef>
+            <a:fillRef idx="0">
+              <a:schemeClr val="accent1"/>
+            </a:fillRef>
+            <a:effectRef idx="0">
+              <a:schemeClr val="accent1"/>
+            </a:effectRef>
+            <a:fontRef idx="minor">
+              <a:schemeClr val="tx1"/>
+            </a:fontRef>
+          </p:style>
+        </p:cxnSp>
+        <p:cxnSp>
+          <p:nvCxnSpPr>
+            <p:cNvPr id="61" name="直線コネクタ 60">
+              <a:extLst>
+                <a:ext uri="{FF2B5EF4-FFF2-40B4-BE49-F238E27FC236}">
+                  <a16:creationId xmlns:a16="http://schemas.microsoft.com/office/drawing/2014/main" id="{DFA74937-6409-624D-92D9-566533FFCFEE}"/>
+                </a:ext>
+              </a:extLst>
+            </p:cNvPr>
+            <p:cNvCxnSpPr/>
+            <p:nvPr/>
+          </p:nvCxnSpPr>
+          <p:spPr>
+            <a:xfrm>
+              <a:off x="1310604" y="2327275"/>
+              <a:ext cx="497973" cy="0"/>
+            </a:xfrm>
+            <a:prstGeom prst="line">
+              <a:avLst/>
+            </a:prstGeom>
+            <a:ln w="12700">
+              <a:solidFill>
+                <a:schemeClr val="tx1"/>
+              </a:solidFill>
+            </a:ln>
+          </p:spPr>
+          <p:style>
+            <a:lnRef idx="1">
+              <a:schemeClr val="accent1"/>
+            </a:lnRef>
+            <a:fillRef idx="0">
+              <a:schemeClr val="accent1"/>
+            </a:fillRef>
+            <a:effectRef idx="0">
+              <a:schemeClr val="accent1"/>
+            </a:effectRef>
+            <a:fontRef idx="minor">
+              <a:schemeClr val="tx1"/>
+            </a:fontRef>
+          </p:style>
+        </p:cxnSp>
+      </p:grpSp>
     </p:spTree>
     <p:extLst>
       <p:ext uri="{BB962C8B-B14F-4D97-AF65-F5344CB8AC3E}">
-        <p14:creationId xmlns:p14="http://schemas.microsoft.com/office/powerpoint/2010/main" val="2352174016"/>
+        <p14:creationId xmlns:p14="http://schemas.microsoft.com/office/powerpoint/2010/main" val="4165713058"/>
+      </p:ext>
+    </p:extLst>
+  </p:cSld>
+  <p:clrMapOvr>
+    <a:masterClrMapping/>
+  </p:clrMapOvr>
+</p:sld>
+</file>
+
+<file path=ppt/slides/slide8.xml><?xml version="1.0" encoding="utf-8"?>
+<p:sld xmlns:a="http://schemas.openxmlformats.org/drawingml/2006/main" xmlns:r="http://schemas.openxmlformats.org/officeDocument/2006/relationships" xmlns:p="http://schemas.openxmlformats.org/presentationml/2006/main">
+  <p:cSld>
+    <p:spTree>
+      <p:nvGrpSpPr>
+        <p:cNvPr id="1" name=""/>
+        <p:cNvGrpSpPr/>
+        <p:nvPr/>
+      </p:nvGrpSpPr>
+      <p:grpSpPr>
+        <a:xfrm>
+          <a:off x="0" y="0"/>
+          <a:ext cx="0" cy="0"/>
+          <a:chOff x="0" y="0"/>
+          <a:chExt cx="0" cy="0"/>
+        </a:xfrm>
+      </p:grpSpPr>
+      <p:cxnSp>
+        <p:nvCxnSpPr>
+          <p:cNvPr id="22" name="直線コネクタ 21">
+            <a:extLst>
+              <a:ext uri="{FF2B5EF4-FFF2-40B4-BE49-F238E27FC236}">
+                <a16:creationId xmlns:a16="http://schemas.microsoft.com/office/drawing/2014/main" id="{0DE2FDCD-6F38-FE45-A605-044BFB241D7F}"/>
+              </a:ext>
+            </a:extLst>
+          </p:cNvPr>
+          <p:cNvCxnSpPr>
+            <a:cxnSpLocks/>
+          </p:cNvCxnSpPr>
+          <p:nvPr/>
+        </p:nvCxnSpPr>
+        <p:spPr>
+          <a:xfrm flipH="1">
+            <a:off x="1560484" y="3070742"/>
+            <a:ext cx="984067" cy="0"/>
+          </a:xfrm>
+          <a:prstGeom prst="line">
+            <a:avLst/>
+          </a:prstGeom>
+          <a:ln w="31750">
+            <a:solidFill>
+              <a:schemeClr val="tx1"/>
+            </a:solidFill>
+          </a:ln>
+        </p:spPr>
+        <p:style>
+          <a:lnRef idx="1">
+            <a:schemeClr val="accent1"/>
+          </a:lnRef>
+          <a:fillRef idx="0">
+            <a:schemeClr val="accent1"/>
+          </a:fillRef>
+          <a:effectRef idx="0">
+            <a:schemeClr val="accent1"/>
+          </a:effectRef>
+          <a:fontRef idx="minor">
+            <a:schemeClr val="tx1"/>
+          </a:fontRef>
+        </p:style>
+      </p:cxnSp>
+      <p:cxnSp>
+        <p:nvCxnSpPr>
+          <p:cNvPr id="11" name="直線コネクタ 10">
+            <a:extLst>
+              <a:ext uri="{FF2B5EF4-FFF2-40B4-BE49-F238E27FC236}">
+                <a16:creationId xmlns:a16="http://schemas.microsoft.com/office/drawing/2014/main" id="{FD9AB195-5328-2346-B9CC-45CDB2C6E823}"/>
+              </a:ext>
+            </a:extLst>
+          </p:cNvPr>
+          <p:cNvCxnSpPr>
+            <a:cxnSpLocks/>
+          </p:cNvCxnSpPr>
+          <p:nvPr/>
+        </p:nvCxnSpPr>
+        <p:spPr>
+          <a:xfrm>
+            <a:off x="820255" y="1244356"/>
+            <a:ext cx="0" cy="1944915"/>
+          </a:xfrm>
+          <a:prstGeom prst="line">
+            <a:avLst/>
+          </a:prstGeom>
+          <a:ln w="31750">
+            <a:solidFill>
+              <a:schemeClr val="tx1"/>
+            </a:solidFill>
+          </a:ln>
+        </p:spPr>
+        <p:style>
+          <a:lnRef idx="1">
+            <a:schemeClr val="accent1"/>
+          </a:lnRef>
+          <a:fillRef idx="0">
+            <a:schemeClr val="accent1"/>
+          </a:fillRef>
+          <a:effectRef idx="0">
+            <a:schemeClr val="accent1"/>
+          </a:effectRef>
+          <a:fontRef idx="minor">
+            <a:schemeClr val="tx1"/>
+          </a:fontRef>
+        </p:style>
+      </p:cxnSp>
+      <p:sp>
+        <p:nvSpPr>
+          <p:cNvPr id="19" name="フリーフォーム 18">
+            <a:extLst>
+              <a:ext uri="{FF2B5EF4-FFF2-40B4-BE49-F238E27FC236}">
+                <a16:creationId xmlns:a16="http://schemas.microsoft.com/office/drawing/2014/main" id="{18BD87EF-045C-F147-B854-D4954D7A7376}"/>
+              </a:ext>
+            </a:extLst>
+          </p:cNvPr>
+          <p:cNvSpPr/>
+          <p:nvPr/>
+        </p:nvSpPr>
+        <p:spPr>
+          <a:xfrm>
+            <a:off x="820255" y="2115214"/>
+            <a:ext cx="740229" cy="4505719"/>
+          </a:xfrm>
+          <a:custGeom>
+            <a:avLst/>
+            <a:gdLst>
+              <a:gd name="connsiteX0" fmla="*/ 0 w 522514"/>
+              <a:gd name="connsiteY0" fmla="*/ 0 h 5233851"/>
+              <a:gd name="connsiteX1" fmla="*/ 522514 w 522514"/>
+              <a:gd name="connsiteY1" fmla="*/ 0 h 5233851"/>
+              <a:gd name="connsiteX2" fmla="*/ 522514 w 522514"/>
+              <a:gd name="connsiteY2" fmla="*/ 5233851 h 5233851"/>
+            </a:gdLst>
+            <a:ahLst/>
+            <a:cxnLst>
+              <a:cxn ang="0">
+                <a:pos x="connsiteX0" y="connsiteY0"/>
+              </a:cxn>
+              <a:cxn ang="0">
+                <a:pos x="connsiteX1" y="connsiteY1"/>
+              </a:cxn>
+              <a:cxn ang="0">
+                <a:pos x="connsiteX2" y="connsiteY2"/>
+              </a:cxn>
+            </a:cxnLst>
+            <a:rect l="l" t="t" r="r" b="b"/>
+            <a:pathLst>
+              <a:path w="522514" h="5233851">
+                <a:moveTo>
+                  <a:pt x="0" y="0"/>
+                </a:moveTo>
+                <a:lnTo>
+                  <a:pt x="522514" y="0"/>
+                </a:lnTo>
+                <a:lnTo>
+                  <a:pt x="522514" y="5233851"/>
+                </a:lnTo>
+              </a:path>
+            </a:pathLst>
+          </a:custGeom>
+          <a:noFill/>
+          <a:ln w="31750">
+            <a:solidFill>
+              <a:schemeClr val="tx1"/>
+            </a:solidFill>
+          </a:ln>
+        </p:spPr>
+        <p:style>
+          <a:lnRef idx="2">
+            <a:schemeClr val="accent1">
+              <a:shade val="50000"/>
+            </a:schemeClr>
+          </a:lnRef>
+          <a:fillRef idx="1">
+            <a:schemeClr val="accent1"/>
+          </a:fillRef>
+          <a:effectRef idx="0">
+            <a:schemeClr val="accent1"/>
+          </a:effectRef>
+          <a:fontRef idx="minor">
+            <a:schemeClr val="lt1"/>
+          </a:fontRef>
+        </p:style>
+        <p:txBody>
+          <a:bodyPr rtlCol="0" anchor="ctr"/>
+          <a:lstStyle/>
+          <a:p>
+            <a:pPr algn="ctr"/>
+            <a:endParaRPr kumimoji="1" lang="ja-JP" altLang="en-US"/>
+          </a:p>
+        </p:txBody>
+      </p:sp>
+      <p:sp>
+        <p:nvSpPr>
+          <p:cNvPr id="28" name="テキスト ボックス 27">
+            <a:extLst>
+              <a:ext uri="{FF2B5EF4-FFF2-40B4-BE49-F238E27FC236}">
+                <a16:creationId xmlns:a16="http://schemas.microsoft.com/office/drawing/2014/main" id="{5CE74403-7317-1A45-ABF5-20A60382CA0C}"/>
+              </a:ext>
+            </a:extLst>
+          </p:cNvPr>
+          <p:cNvSpPr txBox="1"/>
+          <p:nvPr/>
+        </p:nvSpPr>
+        <p:spPr>
+          <a:xfrm>
+            <a:off x="2022297" y="1838106"/>
+            <a:ext cx="2078005" cy="584775"/>
+          </a:xfrm>
+          <a:prstGeom prst="rect">
+            <a:avLst/>
+          </a:prstGeom>
+          <a:noFill/>
+        </p:spPr>
+        <p:txBody>
+          <a:bodyPr wrap="none" rtlCol="0">
+            <a:spAutoFit/>
+          </a:bodyPr>
+          <a:lstStyle/>
+          <a:p>
+            <a:r>
+              <a:rPr lang="en-US" altLang="ja-JP" sz="3200" dirty="0" err="1"/>
+              <a:t>m</a:t>
+            </a:r>
+            <a:r>
+              <a:rPr kumimoji="1" lang="en-US" altLang="ja-JP" sz="3200" dirty="0" err="1"/>
+              <a:t>y_project</a:t>
+            </a:r>
+            <a:endParaRPr kumimoji="1" lang="ja-JP" altLang="en-US" sz="3200"/>
+          </a:p>
+        </p:txBody>
+      </p:sp>
+      <p:pic>
+        <p:nvPicPr>
+          <p:cNvPr id="1028" name="Picture 4" descr="フォルダのアイコン ふぉるだのあいこん - ico,png,icns,無料の ...">
+            <a:extLst>
+              <a:ext uri="{FF2B5EF4-FFF2-40B4-BE49-F238E27FC236}">
+                <a16:creationId xmlns:a16="http://schemas.microsoft.com/office/drawing/2014/main" id="{5CA8B2EC-7F26-7E4F-913A-DEF4FE4CF1E5}"/>
+              </a:ext>
+            </a:extLst>
+          </p:cNvPr>
+          <p:cNvPicPr>
+            <a:picLocks noChangeAspect="1" noChangeArrowheads="1"/>
+          </p:cNvPicPr>
+          <p:nvPr/>
+        </p:nvPicPr>
+        <p:blipFill>
+          <a:blip r:embed="rId2">
+            <a:extLst>
+              <a:ext uri="{28A0092B-C50C-407E-A947-70E740481C1C}">
+                <a14:useLocalDpi xmlns:a14="http://schemas.microsoft.com/office/drawing/2010/main" val="0"/>
+              </a:ext>
+            </a:extLst>
+          </a:blip>
+          <a:srcRect/>
+          <a:stretch>
+            <a:fillRect/>
+          </a:stretch>
+        </p:blipFill>
+        <p:spPr bwMode="auto">
+          <a:xfrm>
+            <a:off x="1185653" y="1696892"/>
+            <a:ext cx="836644" cy="836644"/>
+          </a:xfrm>
+          <a:prstGeom prst="rect">
+            <a:avLst/>
+          </a:prstGeom>
+          <a:noFill/>
+          <a:extLst>
+            <a:ext uri="{909E8E84-426E-40DD-AFC4-6F175D3DCCD1}">
+              <a14:hiddenFill xmlns:a14="http://schemas.microsoft.com/office/drawing/2010/main">
+                <a:solidFill>
+                  <a:srgbClr val="FFFFFF"/>
+                </a:solidFill>
+              </a14:hiddenFill>
+            </a:ext>
+          </a:extLst>
+        </p:spPr>
+      </p:pic>
+      <p:pic>
+        <p:nvPicPr>
+          <p:cNvPr id="30" name="図 29">
+            <a:extLst>
+              <a:ext uri="{FF2B5EF4-FFF2-40B4-BE49-F238E27FC236}">
+                <a16:creationId xmlns:a16="http://schemas.microsoft.com/office/drawing/2014/main" id="{59A54A4F-4E43-2743-9F80-04966465213E}"/>
+              </a:ext>
+            </a:extLst>
+          </p:cNvPr>
+          <p:cNvPicPr>
+            <a:picLocks noChangeAspect="1"/>
+          </p:cNvPicPr>
+          <p:nvPr/>
+        </p:nvPicPr>
+        <p:blipFill>
+          <a:blip r:embed="rId3"/>
+          <a:stretch>
+            <a:fillRect/>
+          </a:stretch>
+        </p:blipFill>
+        <p:spPr>
+          <a:xfrm>
+            <a:off x="2022297" y="2596259"/>
+            <a:ext cx="995945" cy="948966"/>
+          </a:xfrm>
+          <a:prstGeom prst="rect">
+            <a:avLst/>
+          </a:prstGeom>
+        </p:spPr>
+      </p:pic>
+      <p:sp>
+        <p:nvSpPr>
+          <p:cNvPr id="33" name="テキスト ボックス 32">
+            <a:extLst>
+              <a:ext uri="{FF2B5EF4-FFF2-40B4-BE49-F238E27FC236}">
+                <a16:creationId xmlns:a16="http://schemas.microsoft.com/office/drawing/2014/main" id="{A9F66952-4500-2A47-85D5-BC4F6B39D5BD}"/>
+              </a:ext>
+            </a:extLst>
+          </p:cNvPr>
+          <p:cNvSpPr txBox="1"/>
+          <p:nvPr/>
+        </p:nvSpPr>
+        <p:spPr>
+          <a:xfrm>
+            <a:off x="3105931" y="2793634"/>
+            <a:ext cx="3071675" cy="584775"/>
+          </a:xfrm>
+          <a:prstGeom prst="rect">
+            <a:avLst/>
+          </a:prstGeom>
+          <a:noFill/>
+        </p:spPr>
+        <p:txBody>
+          <a:bodyPr wrap="none" rtlCol="0">
+            <a:spAutoFit/>
+          </a:bodyPr>
+          <a:lstStyle/>
+          <a:p>
+            <a:r>
+              <a:rPr lang="en-US" altLang="ja-JP" sz="3200" dirty="0" err="1"/>
+              <a:t>m</a:t>
+            </a:r>
+            <a:r>
+              <a:rPr kumimoji="1" lang="en-US" altLang="ja-JP" sz="3200" dirty="0" err="1"/>
+              <a:t>y_project.Rproj</a:t>
+            </a:r>
+            <a:endParaRPr kumimoji="1" lang="ja-JP" altLang="en-US" sz="3200"/>
+          </a:p>
+        </p:txBody>
+      </p:sp>
+      <p:cxnSp>
+        <p:nvCxnSpPr>
+          <p:cNvPr id="35" name="直線コネクタ 34">
+            <a:extLst>
+              <a:ext uri="{FF2B5EF4-FFF2-40B4-BE49-F238E27FC236}">
+                <a16:creationId xmlns:a16="http://schemas.microsoft.com/office/drawing/2014/main" id="{ABC44702-3C32-A54E-A594-0D09E0DADCB7}"/>
+              </a:ext>
+            </a:extLst>
+          </p:cNvPr>
+          <p:cNvCxnSpPr>
+            <a:cxnSpLocks/>
+          </p:cNvCxnSpPr>
+          <p:nvPr/>
+        </p:nvCxnSpPr>
+        <p:spPr>
+          <a:xfrm flipH="1">
+            <a:off x="1560483" y="4121674"/>
+            <a:ext cx="984067" cy="0"/>
+          </a:xfrm>
+          <a:prstGeom prst="line">
+            <a:avLst/>
+          </a:prstGeom>
+          <a:ln w="31750">
+            <a:solidFill>
+              <a:schemeClr val="tx1"/>
+            </a:solidFill>
+          </a:ln>
+        </p:spPr>
+        <p:style>
+          <a:lnRef idx="1">
+            <a:schemeClr val="accent1"/>
+          </a:lnRef>
+          <a:fillRef idx="0">
+            <a:schemeClr val="accent1"/>
+          </a:fillRef>
+          <a:effectRef idx="0">
+            <a:schemeClr val="accent1"/>
+          </a:effectRef>
+          <a:fontRef idx="minor">
+            <a:schemeClr val="tx1"/>
+          </a:fontRef>
+        </p:style>
+      </p:cxnSp>
+      <p:sp>
+        <p:nvSpPr>
+          <p:cNvPr id="37" name="テキスト ボックス 36">
+            <a:extLst>
+              <a:ext uri="{FF2B5EF4-FFF2-40B4-BE49-F238E27FC236}">
+                <a16:creationId xmlns:a16="http://schemas.microsoft.com/office/drawing/2014/main" id="{77A63653-392C-A24A-88B5-AE2A866143B4}"/>
+              </a:ext>
+            </a:extLst>
+          </p:cNvPr>
+          <p:cNvSpPr txBox="1"/>
+          <p:nvPr/>
+        </p:nvSpPr>
+        <p:spPr>
+          <a:xfrm>
+            <a:off x="1244099" y="1009041"/>
+            <a:ext cx="2832250" cy="584775"/>
+          </a:xfrm>
+          <a:prstGeom prst="rect">
+            <a:avLst/>
+          </a:prstGeom>
+          <a:noFill/>
+        </p:spPr>
+        <p:txBody>
+          <a:bodyPr wrap="none" rtlCol="0">
+            <a:spAutoFit/>
+          </a:bodyPr>
+          <a:lstStyle/>
+          <a:p>
+            <a:r>
+              <a:rPr lang="en-US" altLang="ja-JP" sz="3200" dirty="0"/>
+              <a:t>~/Documents/R</a:t>
+            </a:r>
+            <a:endParaRPr kumimoji="1" lang="ja-JP" altLang="en-US" sz="3200"/>
+          </a:p>
+        </p:txBody>
+      </p:sp>
+      <p:pic>
+        <p:nvPicPr>
+          <p:cNvPr id="38" name="Picture 4" descr="フォルダのアイコン ふぉるだのあいこん - ico,png,icns,無料の ...">
+            <a:extLst>
+              <a:ext uri="{FF2B5EF4-FFF2-40B4-BE49-F238E27FC236}">
+                <a16:creationId xmlns:a16="http://schemas.microsoft.com/office/drawing/2014/main" id="{793D99AD-0EAD-5E4F-8138-B3FADCA21FD8}"/>
+              </a:ext>
+            </a:extLst>
+          </p:cNvPr>
+          <p:cNvPicPr>
+            <a:picLocks noChangeAspect="1" noChangeArrowheads="1"/>
+          </p:cNvPicPr>
+          <p:nvPr/>
+        </p:nvPicPr>
+        <p:blipFill>
+          <a:blip r:embed="rId2">
+            <a:extLst>
+              <a:ext uri="{28A0092B-C50C-407E-A947-70E740481C1C}">
+                <a14:useLocalDpi xmlns:a14="http://schemas.microsoft.com/office/drawing/2010/main" val="0"/>
+              </a:ext>
+            </a:extLst>
+          </a:blip>
+          <a:srcRect/>
+          <a:stretch>
+            <a:fillRect/>
+          </a:stretch>
+        </p:blipFill>
+        <p:spPr bwMode="auto">
+          <a:xfrm>
+            <a:off x="407455" y="867827"/>
+            <a:ext cx="836644" cy="836644"/>
+          </a:xfrm>
+          <a:prstGeom prst="rect">
+            <a:avLst/>
+          </a:prstGeom>
+          <a:noFill/>
+          <a:extLst>
+            <a:ext uri="{909E8E84-426E-40DD-AFC4-6F175D3DCCD1}">
+              <a14:hiddenFill xmlns:a14="http://schemas.microsoft.com/office/drawing/2010/main">
+                <a:solidFill>
+                  <a:srgbClr val="FFFFFF"/>
+                </a:solidFill>
+              </a14:hiddenFill>
+            </a:ext>
+          </a:extLst>
+        </p:spPr>
+      </p:pic>
+      <p:sp>
+        <p:nvSpPr>
+          <p:cNvPr id="48" name="テキスト ボックス 47">
+            <a:extLst>
+              <a:ext uri="{FF2B5EF4-FFF2-40B4-BE49-F238E27FC236}">
+                <a16:creationId xmlns:a16="http://schemas.microsoft.com/office/drawing/2014/main" id="{88EE8B8D-15E3-7E41-89AA-B8C067BAB80C}"/>
+              </a:ext>
+            </a:extLst>
+          </p:cNvPr>
+          <p:cNvSpPr txBox="1"/>
+          <p:nvPr/>
+        </p:nvSpPr>
+        <p:spPr>
+          <a:xfrm>
+            <a:off x="0" y="50614"/>
+            <a:ext cx="2799869" cy="646331"/>
+          </a:xfrm>
+          <a:prstGeom prst="rect">
+            <a:avLst/>
+          </a:prstGeom>
+          <a:noFill/>
+        </p:spPr>
+        <p:txBody>
+          <a:bodyPr wrap="none" rtlCol="0">
+            <a:spAutoFit/>
+          </a:bodyPr>
+          <a:lstStyle/>
+          <a:p>
+            <a:r>
+              <a:rPr kumimoji="1" lang="en-US" altLang="ja-JP" sz="3600" dirty="0"/>
+              <a:t>Project Folder</a:t>
+            </a:r>
+            <a:endParaRPr kumimoji="1" lang="ja-JP" altLang="en-US" sz="3600"/>
+          </a:p>
+        </p:txBody>
+      </p:sp>
+      <p:sp>
+        <p:nvSpPr>
+          <p:cNvPr id="23" name="テキスト ボックス 22">
+            <a:extLst>
+              <a:ext uri="{FF2B5EF4-FFF2-40B4-BE49-F238E27FC236}">
+                <a16:creationId xmlns:a16="http://schemas.microsoft.com/office/drawing/2014/main" id="{37EFDF3A-7E50-D34A-92D7-F95D3E1DBE29}"/>
+              </a:ext>
+            </a:extLst>
+          </p:cNvPr>
+          <p:cNvSpPr txBox="1"/>
+          <p:nvPr/>
+        </p:nvSpPr>
+        <p:spPr>
+          <a:xfrm>
+            <a:off x="2858941" y="3805323"/>
+            <a:ext cx="924484" cy="584775"/>
+          </a:xfrm>
+          <a:prstGeom prst="rect">
+            <a:avLst/>
+          </a:prstGeom>
+          <a:noFill/>
+        </p:spPr>
+        <p:txBody>
+          <a:bodyPr wrap="none" rtlCol="0">
+            <a:spAutoFit/>
+          </a:bodyPr>
+          <a:lstStyle/>
+          <a:p>
+            <a:r>
+              <a:rPr lang="en-US" altLang="ja-JP" sz="3200" dirty="0"/>
+              <a:t>data</a:t>
+            </a:r>
+            <a:endParaRPr kumimoji="1" lang="ja-JP" altLang="en-US" sz="3200"/>
+          </a:p>
+        </p:txBody>
+      </p:sp>
+      <p:pic>
+        <p:nvPicPr>
+          <p:cNvPr id="24" name="Picture 4" descr="フォルダのアイコン ふぉるだのあいこん - ico,png,icns,無料の ...">
+            <a:extLst>
+              <a:ext uri="{FF2B5EF4-FFF2-40B4-BE49-F238E27FC236}">
+                <a16:creationId xmlns:a16="http://schemas.microsoft.com/office/drawing/2014/main" id="{AF9F1B6B-BAAF-E64B-BE96-58C42D66BD15}"/>
+              </a:ext>
+            </a:extLst>
+          </p:cNvPr>
+          <p:cNvPicPr>
+            <a:picLocks noChangeAspect="1" noChangeArrowheads="1"/>
+          </p:cNvPicPr>
+          <p:nvPr/>
+        </p:nvPicPr>
+        <p:blipFill>
+          <a:blip r:embed="rId2">
+            <a:extLst>
+              <a:ext uri="{28A0092B-C50C-407E-A947-70E740481C1C}">
+                <a14:useLocalDpi xmlns:a14="http://schemas.microsoft.com/office/drawing/2010/main" val="0"/>
+              </a:ext>
+            </a:extLst>
+          </a:blip>
+          <a:srcRect/>
+          <a:stretch>
+            <a:fillRect/>
+          </a:stretch>
+        </p:blipFill>
+        <p:spPr bwMode="auto">
+          <a:xfrm>
+            <a:off x="2022297" y="3664109"/>
+            <a:ext cx="836644" cy="836644"/>
+          </a:xfrm>
+          <a:prstGeom prst="rect">
+            <a:avLst/>
+          </a:prstGeom>
+          <a:noFill/>
+          <a:extLst>
+            <a:ext uri="{909E8E84-426E-40DD-AFC4-6F175D3DCCD1}">
+              <a14:hiddenFill xmlns:a14="http://schemas.microsoft.com/office/drawing/2010/main">
+                <a:solidFill>
+                  <a:srgbClr val="FFFFFF"/>
+                </a:solidFill>
+              </a14:hiddenFill>
+            </a:ext>
+          </a:extLst>
+        </p:spPr>
+      </p:pic>
+      <p:cxnSp>
+        <p:nvCxnSpPr>
+          <p:cNvPr id="25" name="直線コネクタ 24">
+            <a:extLst>
+              <a:ext uri="{FF2B5EF4-FFF2-40B4-BE49-F238E27FC236}">
+                <a16:creationId xmlns:a16="http://schemas.microsoft.com/office/drawing/2014/main" id="{21A90489-D1CE-B046-AFDD-486940081F5E}"/>
+              </a:ext>
+            </a:extLst>
+          </p:cNvPr>
+          <p:cNvCxnSpPr>
+            <a:cxnSpLocks/>
+          </p:cNvCxnSpPr>
+          <p:nvPr/>
+        </p:nvCxnSpPr>
+        <p:spPr>
+          <a:xfrm flipH="1">
+            <a:off x="1560483" y="5101165"/>
+            <a:ext cx="984067" cy="0"/>
+          </a:xfrm>
+          <a:prstGeom prst="line">
+            <a:avLst/>
+          </a:prstGeom>
+          <a:ln w="31750">
+            <a:solidFill>
+              <a:schemeClr val="tx1"/>
+            </a:solidFill>
+          </a:ln>
+        </p:spPr>
+        <p:style>
+          <a:lnRef idx="1">
+            <a:schemeClr val="accent1"/>
+          </a:lnRef>
+          <a:fillRef idx="0">
+            <a:schemeClr val="accent1"/>
+          </a:fillRef>
+          <a:effectRef idx="0">
+            <a:schemeClr val="accent1"/>
+          </a:effectRef>
+          <a:fontRef idx="minor">
+            <a:schemeClr val="tx1"/>
+          </a:fontRef>
+        </p:style>
+      </p:cxnSp>
+      <p:sp>
+        <p:nvSpPr>
+          <p:cNvPr id="26" name="テキスト ボックス 25">
+            <a:extLst>
+              <a:ext uri="{FF2B5EF4-FFF2-40B4-BE49-F238E27FC236}">
+                <a16:creationId xmlns:a16="http://schemas.microsoft.com/office/drawing/2014/main" id="{28BF553F-B425-744E-B33E-5D94C848BB1E}"/>
+              </a:ext>
+            </a:extLst>
+          </p:cNvPr>
+          <p:cNvSpPr txBox="1"/>
+          <p:nvPr/>
+        </p:nvSpPr>
+        <p:spPr>
+          <a:xfrm>
+            <a:off x="2858941" y="4784814"/>
+            <a:ext cx="598241" cy="584775"/>
+          </a:xfrm>
+          <a:prstGeom prst="rect">
+            <a:avLst/>
+          </a:prstGeom>
+          <a:noFill/>
+        </p:spPr>
+        <p:txBody>
+          <a:bodyPr wrap="none" rtlCol="0">
+            <a:spAutoFit/>
+          </a:bodyPr>
+          <a:lstStyle/>
+          <a:p>
+            <a:r>
+              <a:rPr lang="en-US" altLang="ja-JP" sz="3200" dirty="0"/>
+              <a:t>fig</a:t>
+            </a:r>
+            <a:endParaRPr kumimoji="1" lang="ja-JP" altLang="en-US" sz="3200"/>
+          </a:p>
+        </p:txBody>
+      </p:sp>
+      <p:pic>
+        <p:nvPicPr>
+          <p:cNvPr id="27" name="Picture 4" descr="フォルダのアイコン ふぉるだのあいこん - ico,png,icns,無料の ...">
+            <a:extLst>
+              <a:ext uri="{FF2B5EF4-FFF2-40B4-BE49-F238E27FC236}">
+                <a16:creationId xmlns:a16="http://schemas.microsoft.com/office/drawing/2014/main" id="{D4612088-634A-F44B-A311-3180D5EB0A8C}"/>
+              </a:ext>
+            </a:extLst>
+          </p:cNvPr>
+          <p:cNvPicPr>
+            <a:picLocks noChangeAspect="1" noChangeArrowheads="1"/>
+          </p:cNvPicPr>
+          <p:nvPr/>
+        </p:nvPicPr>
+        <p:blipFill>
+          <a:blip r:embed="rId2">
+            <a:extLst>
+              <a:ext uri="{28A0092B-C50C-407E-A947-70E740481C1C}">
+                <a14:useLocalDpi xmlns:a14="http://schemas.microsoft.com/office/drawing/2010/main" val="0"/>
+              </a:ext>
+            </a:extLst>
+          </a:blip>
+          <a:srcRect/>
+          <a:stretch>
+            <a:fillRect/>
+          </a:stretch>
+        </p:blipFill>
+        <p:spPr bwMode="auto">
+          <a:xfrm>
+            <a:off x="2022297" y="4643600"/>
+            <a:ext cx="836644" cy="836644"/>
+          </a:xfrm>
+          <a:prstGeom prst="rect">
+            <a:avLst/>
+          </a:prstGeom>
+          <a:noFill/>
+          <a:extLst>
+            <a:ext uri="{909E8E84-426E-40DD-AFC4-6F175D3DCCD1}">
+              <a14:hiddenFill xmlns:a14="http://schemas.microsoft.com/office/drawing/2010/main">
+                <a:solidFill>
+                  <a:srgbClr val="FFFFFF"/>
+                </a:solidFill>
+              </a14:hiddenFill>
+            </a:ext>
+          </a:extLst>
+        </p:spPr>
+      </p:pic>
+      <p:cxnSp>
+        <p:nvCxnSpPr>
+          <p:cNvPr id="42" name="直線コネクタ 41">
+            <a:extLst>
+              <a:ext uri="{FF2B5EF4-FFF2-40B4-BE49-F238E27FC236}">
+                <a16:creationId xmlns:a16="http://schemas.microsoft.com/office/drawing/2014/main" id="{BD6B5107-B77C-7844-84C3-5536F8BE575E}"/>
+              </a:ext>
+            </a:extLst>
+          </p:cNvPr>
+          <p:cNvCxnSpPr>
+            <a:cxnSpLocks/>
+          </p:cNvCxnSpPr>
+          <p:nvPr/>
+        </p:nvCxnSpPr>
+        <p:spPr>
+          <a:xfrm flipH="1">
+            <a:off x="1560484" y="6083296"/>
+            <a:ext cx="461813" cy="0"/>
+          </a:xfrm>
+          <a:prstGeom prst="line">
+            <a:avLst/>
+          </a:prstGeom>
+          <a:ln w="31750">
+            <a:solidFill>
+              <a:schemeClr val="tx1"/>
+            </a:solidFill>
+          </a:ln>
+        </p:spPr>
+        <p:style>
+          <a:lnRef idx="1">
+            <a:schemeClr val="accent1"/>
+          </a:lnRef>
+          <a:fillRef idx="0">
+            <a:schemeClr val="accent1"/>
+          </a:fillRef>
+          <a:effectRef idx="0">
+            <a:schemeClr val="accent1"/>
+          </a:effectRef>
+          <a:fontRef idx="minor">
+            <a:schemeClr val="tx1"/>
+          </a:fontRef>
+        </p:style>
+      </p:cxnSp>
+      <p:sp>
+        <p:nvSpPr>
+          <p:cNvPr id="43" name="テキスト ボックス 42">
+            <a:extLst>
+              <a:ext uri="{FF2B5EF4-FFF2-40B4-BE49-F238E27FC236}">
+                <a16:creationId xmlns:a16="http://schemas.microsoft.com/office/drawing/2014/main" id="{FFFB0CD9-4DE7-264D-9659-FEF276371EBC}"/>
+              </a:ext>
+            </a:extLst>
+          </p:cNvPr>
+          <p:cNvSpPr txBox="1"/>
+          <p:nvPr/>
+        </p:nvSpPr>
+        <p:spPr>
+          <a:xfrm>
+            <a:off x="2748089" y="5721059"/>
+            <a:ext cx="1434816" cy="584775"/>
+          </a:xfrm>
+          <a:prstGeom prst="rect">
+            <a:avLst/>
+          </a:prstGeom>
+          <a:noFill/>
+        </p:spPr>
+        <p:txBody>
+          <a:bodyPr wrap="none" rtlCol="0">
+            <a:spAutoFit/>
+          </a:bodyPr>
+          <a:lstStyle/>
+          <a:p>
+            <a:r>
+              <a:rPr lang="en-US" altLang="ja-JP" sz="3200" dirty="0" err="1"/>
+              <a:t>script.R</a:t>
+            </a:r>
+            <a:endParaRPr kumimoji="1" lang="ja-JP" altLang="en-US" sz="3200"/>
+          </a:p>
+        </p:txBody>
+      </p:sp>
+      <p:cxnSp>
+        <p:nvCxnSpPr>
+          <p:cNvPr id="45" name="直線コネクタ 44">
+            <a:extLst>
+              <a:ext uri="{FF2B5EF4-FFF2-40B4-BE49-F238E27FC236}">
+                <a16:creationId xmlns:a16="http://schemas.microsoft.com/office/drawing/2014/main" id="{F4F22A7F-C05A-4E4D-A8DA-910EF0706908}"/>
+              </a:ext>
+            </a:extLst>
+          </p:cNvPr>
+          <p:cNvCxnSpPr>
+            <a:cxnSpLocks/>
+          </p:cNvCxnSpPr>
+          <p:nvPr/>
+        </p:nvCxnSpPr>
+        <p:spPr>
+          <a:xfrm flipH="1">
+            <a:off x="3783425" y="4121674"/>
+            <a:ext cx="984067" cy="0"/>
+          </a:xfrm>
+          <a:prstGeom prst="line">
+            <a:avLst/>
+          </a:prstGeom>
+          <a:ln w="31750">
+            <a:solidFill>
+              <a:schemeClr val="tx1"/>
+            </a:solidFill>
+          </a:ln>
+        </p:spPr>
+        <p:style>
+          <a:lnRef idx="1">
+            <a:schemeClr val="accent1"/>
+          </a:lnRef>
+          <a:fillRef idx="0">
+            <a:schemeClr val="accent1"/>
+          </a:fillRef>
+          <a:effectRef idx="0">
+            <a:schemeClr val="accent1"/>
+          </a:effectRef>
+          <a:fontRef idx="minor">
+            <a:schemeClr val="tx1"/>
+          </a:fontRef>
+        </p:style>
+      </p:cxnSp>
+      <p:cxnSp>
+        <p:nvCxnSpPr>
+          <p:cNvPr id="47" name="直線コネクタ 46">
+            <a:extLst>
+              <a:ext uri="{FF2B5EF4-FFF2-40B4-BE49-F238E27FC236}">
+                <a16:creationId xmlns:a16="http://schemas.microsoft.com/office/drawing/2014/main" id="{28B0B629-82B3-2E4C-965E-BEC6A152FF36}"/>
+              </a:ext>
+            </a:extLst>
+          </p:cNvPr>
+          <p:cNvCxnSpPr>
+            <a:cxnSpLocks/>
+          </p:cNvCxnSpPr>
+          <p:nvPr/>
+        </p:nvCxnSpPr>
+        <p:spPr>
+          <a:xfrm flipV="1">
+            <a:off x="4275459" y="4107641"/>
+            <a:ext cx="0" cy="1613418"/>
+          </a:xfrm>
+          <a:prstGeom prst="line">
+            <a:avLst/>
+          </a:prstGeom>
+          <a:ln w="31750">
+            <a:solidFill>
+              <a:schemeClr val="tx1"/>
+            </a:solidFill>
+          </a:ln>
+        </p:spPr>
+        <p:style>
+          <a:lnRef idx="1">
+            <a:schemeClr val="accent1"/>
+          </a:lnRef>
+          <a:fillRef idx="0">
+            <a:schemeClr val="accent1"/>
+          </a:fillRef>
+          <a:effectRef idx="0">
+            <a:schemeClr val="accent1"/>
+          </a:effectRef>
+          <a:fontRef idx="minor">
+            <a:schemeClr val="tx1"/>
+          </a:fontRef>
+        </p:style>
+      </p:cxnSp>
+      <p:cxnSp>
+        <p:nvCxnSpPr>
+          <p:cNvPr id="49" name="直線コネクタ 48">
+            <a:extLst>
+              <a:ext uri="{FF2B5EF4-FFF2-40B4-BE49-F238E27FC236}">
+                <a16:creationId xmlns:a16="http://schemas.microsoft.com/office/drawing/2014/main" id="{91ED8B42-0BC4-2247-AC4C-5AA4A80D0688}"/>
+              </a:ext>
+            </a:extLst>
+          </p:cNvPr>
+          <p:cNvCxnSpPr>
+            <a:cxnSpLocks/>
+          </p:cNvCxnSpPr>
+          <p:nvPr/>
+        </p:nvCxnSpPr>
+        <p:spPr>
+          <a:xfrm flipH="1">
+            <a:off x="4275458" y="5101165"/>
+            <a:ext cx="492034" cy="0"/>
+          </a:xfrm>
+          <a:prstGeom prst="line">
+            <a:avLst/>
+          </a:prstGeom>
+          <a:ln w="31750">
+            <a:solidFill>
+              <a:schemeClr val="tx1"/>
+            </a:solidFill>
+          </a:ln>
+        </p:spPr>
+        <p:style>
+          <a:lnRef idx="1">
+            <a:schemeClr val="accent1"/>
+          </a:lnRef>
+          <a:fillRef idx="0">
+            <a:schemeClr val="accent1"/>
+          </a:fillRef>
+          <a:effectRef idx="0">
+            <a:schemeClr val="accent1"/>
+          </a:effectRef>
+          <a:fontRef idx="minor">
+            <a:schemeClr val="tx1"/>
+          </a:fontRef>
+        </p:style>
+      </p:cxnSp>
+      <p:sp>
+        <p:nvSpPr>
+          <p:cNvPr id="50" name="テキスト ボックス 49">
+            <a:extLst>
+              <a:ext uri="{FF2B5EF4-FFF2-40B4-BE49-F238E27FC236}">
+                <a16:creationId xmlns:a16="http://schemas.microsoft.com/office/drawing/2014/main" id="{50335E07-9C67-F746-840A-4521821466F7}"/>
+              </a:ext>
+            </a:extLst>
+          </p:cNvPr>
+          <p:cNvSpPr txBox="1"/>
+          <p:nvPr/>
+        </p:nvSpPr>
+        <p:spPr>
+          <a:xfrm>
+            <a:off x="5585769" y="3805323"/>
+            <a:ext cx="1747594" cy="584775"/>
+          </a:xfrm>
+          <a:prstGeom prst="rect">
+            <a:avLst/>
+          </a:prstGeom>
+          <a:noFill/>
+        </p:spPr>
+        <p:txBody>
+          <a:bodyPr wrap="none" rtlCol="0">
+            <a:spAutoFit/>
+          </a:bodyPr>
+          <a:lstStyle/>
+          <a:p>
+            <a:r>
+              <a:rPr lang="en-US" altLang="ja-JP" sz="3200" dirty="0" err="1"/>
+              <a:t>data_raw</a:t>
+            </a:r>
+            <a:endParaRPr kumimoji="1" lang="ja-JP" altLang="en-US" sz="3200"/>
+          </a:p>
+        </p:txBody>
+      </p:sp>
+      <p:pic>
+        <p:nvPicPr>
+          <p:cNvPr id="51" name="Picture 4" descr="フォルダのアイコン ふぉるだのあいこん - ico,png,icns,無料の ...">
+            <a:extLst>
+              <a:ext uri="{FF2B5EF4-FFF2-40B4-BE49-F238E27FC236}">
+                <a16:creationId xmlns:a16="http://schemas.microsoft.com/office/drawing/2014/main" id="{72A0568A-BD3B-FB47-87CB-13FB8CC7345F}"/>
+              </a:ext>
+            </a:extLst>
+          </p:cNvPr>
+          <p:cNvPicPr>
+            <a:picLocks noChangeAspect="1" noChangeArrowheads="1"/>
+          </p:cNvPicPr>
+          <p:nvPr/>
+        </p:nvPicPr>
+        <p:blipFill>
+          <a:blip r:embed="rId2">
+            <a:extLst>
+              <a:ext uri="{28A0092B-C50C-407E-A947-70E740481C1C}">
+                <a14:useLocalDpi xmlns:a14="http://schemas.microsoft.com/office/drawing/2010/main" val="0"/>
+              </a:ext>
+            </a:extLst>
+          </a:blip>
+          <a:srcRect/>
+          <a:stretch>
+            <a:fillRect/>
+          </a:stretch>
+        </p:blipFill>
+        <p:spPr bwMode="auto">
+          <a:xfrm>
+            <a:off x="4749125" y="3664109"/>
+            <a:ext cx="836644" cy="836644"/>
+          </a:xfrm>
+          <a:prstGeom prst="rect">
+            <a:avLst/>
+          </a:prstGeom>
+          <a:noFill/>
+          <a:extLst>
+            <a:ext uri="{909E8E84-426E-40DD-AFC4-6F175D3DCCD1}">
+              <a14:hiddenFill xmlns:a14="http://schemas.microsoft.com/office/drawing/2010/main">
+                <a:solidFill>
+                  <a:srgbClr val="FFFFFF"/>
+                </a:solidFill>
+              </a14:hiddenFill>
+            </a:ext>
+          </a:extLst>
+        </p:spPr>
+      </p:pic>
+      <p:sp>
+        <p:nvSpPr>
+          <p:cNvPr id="53" name="テキスト ボックス 52">
+            <a:extLst>
+              <a:ext uri="{FF2B5EF4-FFF2-40B4-BE49-F238E27FC236}">
+                <a16:creationId xmlns:a16="http://schemas.microsoft.com/office/drawing/2014/main" id="{C6E61EF9-DE99-4C4B-85A5-55C552FB4461}"/>
+              </a:ext>
+            </a:extLst>
+          </p:cNvPr>
+          <p:cNvSpPr txBox="1"/>
+          <p:nvPr/>
+        </p:nvSpPr>
+        <p:spPr>
+          <a:xfrm>
+            <a:off x="4769403" y="4808777"/>
+            <a:ext cx="2133341" cy="584775"/>
+          </a:xfrm>
+          <a:prstGeom prst="rect">
+            <a:avLst/>
+          </a:prstGeom>
+          <a:noFill/>
+        </p:spPr>
+        <p:txBody>
+          <a:bodyPr wrap="none" rtlCol="0">
+            <a:spAutoFit/>
+          </a:bodyPr>
+          <a:lstStyle/>
+          <a:p>
+            <a:r>
+              <a:rPr lang="en-US" altLang="ja-JP" sz="3200" dirty="0" err="1"/>
+              <a:t>data_all.csv</a:t>
+            </a:r>
+            <a:endParaRPr kumimoji="1" lang="ja-JP" altLang="en-US" sz="3200"/>
+          </a:p>
+        </p:txBody>
+      </p:sp>
+      <p:grpSp>
+        <p:nvGrpSpPr>
+          <p:cNvPr id="29" name="グループ化 28">
+            <a:extLst>
+              <a:ext uri="{FF2B5EF4-FFF2-40B4-BE49-F238E27FC236}">
+                <a16:creationId xmlns:a16="http://schemas.microsoft.com/office/drawing/2014/main" id="{72952C40-7D78-604B-9C27-732395E1555E}"/>
+              </a:ext>
+            </a:extLst>
+          </p:cNvPr>
+          <p:cNvGrpSpPr/>
+          <p:nvPr/>
+        </p:nvGrpSpPr>
+        <p:grpSpPr>
+          <a:xfrm>
+            <a:off x="2121529" y="5761572"/>
+            <a:ext cx="501780" cy="596021"/>
+            <a:chOff x="1141269" y="1781052"/>
+            <a:chExt cx="836644" cy="836644"/>
+          </a:xfrm>
+        </p:grpSpPr>
+        <p:sp>
+          <p:nvSpPr>
+            <p:cNvPr id="31" name="メモ 30">
+              <a:extLst>
+                <a:ext uri="{FF2B5EF4-FFF2-40B4-BE49-F238E27FC236}">
+                  <a16:creationId xmlns:a16="http://schemas.microsoft.com/office/drawing/2014/main" id="{DD203323-6F51-7444-84B9-96BB13485521}"/>
+                </a:ext>
+              </a:extLst>
+            </p:cNvPr>
+            <p:cNvSpPr/>
+            <p:nvPr/>
+          </p:nvSpPr>
+          <p:spPr>
+            <a:xfrm>
+              <a:off x="1141269" y="1781052"/>
+              <a:ext cx="836644" cy="836644"/>
+            </a:xfrm>
+            <a:prstGeom prst="foldedCorner">
+              <a:avLst>
+                <a:gd name="adj" fmla="val 20715"/>
+              </a:avLst>
+            </a:prstGeom>
+            <a:solidFill>
+              <a:schemeClr val="bg1"/>
+            </a:solidFill>
+            <a:ln>
+              <a:solidFill>
+                <a:schemeClr val="tx1"/>
+              </a:solidFill>
+            </a:ln>
+          </p:spPr>
+          <p:style>
+            <a:lnRef idx="2">
+              <a:schemeClr val="accent1">
+                <a:shade val="50000"/>
+              </a:schemeClr>
+            </a:lnRef>
+            <a:fillRef idx="1">
+              <a:schemeClr val="accent1"/>
+            </a:fillRef>
+            <a:effectRef idx="0">
+              <a:schemeClr val="accent1"/>
+            </a:effectRef>
+            <a:fontRef idx="minor">
+              <a:schemeClr val="lt1"/>
+            </a:fontRef>
+          </p:style>
+          <p:txBody>
+            <a:bodyPr rtlCol="0" anchor="ctr"/>
+            <a:lstStyle/>
+            <a:p>
+              <a:pPr algn="ctr"/>
+              <a:endParaRPr kumimoji="1" lang="ja-JP" altLang="en-US"/>
+            </a:p>
+          </p:txBody>
+        </p:sp>
+        <p:cxnSp>
+          <p:nvCxnSpPr>
+            <p:cNvPr id="32" name="直線コネクタ 31">
+              <a:extLst>
+                <a:ext uri="{FF2B5EF4-FFF2-40B4-BE49-F238E27FC236}">
+                  <a16:creationId xmlns:a16="http://schemas.microsoft.com/office/drawing/2014/main" id="{DE29E241-CCAF-6B42-8B14-871C81E5AF47}"/>
+                </a:ext>
+              </a:extLst>
+            </p:cNvPr>
+            <p:cNvCxnSpPr/>
+            <p:nvPr/>
+          </p:nvCxnSpPr>
+          <p:spPr>
+            <a:xfrm>
+              <a:off x="1310770" y="2000250"/>
+              <a:ext cx="497973" cy="0"/>
+            </a:xfrm>
+            <a:prstGeom prst="line">
+              <a:avLst/>
+            </a:prstGeom>
+            <a:ln w="12700">
+              <a:solidFill>
+                <a:schemeClr val="tx1"/>
+              </a:solidFill>
+            </a:ln>
+          </p:spPr>
+          <p:style>
+            <a:lnRef idx="1">
+              <a:schemeClr val="accent1"/>
+            </a:lnRef>
+            <a:fillRef idx="0">
+              <a:schemeClr val="accent1"/>
+            </a:fillRef>
+            <a:effectRef idx="0">
+              <a:schemeClr val="accent1"/>
+            </a:effectRef>
+            <a:fontRef idx="minor">
+              <a:schemeClr val="tx1"/>
+            </a:fontRef>
+          </p:style>
+        </p:cxnSp>
+        <p:cxnSp>
+          <p:nvCxnSpPr>
+            <p:cNvPr id="34" name="直線コネクタ 33">
+              <a:extLst>
+                <a:ext uri="{FF2B5EF4-FFF2-40B4-BE49-F238E27FC236}">
+                  <a16:creationId xmlns:a16="http://schemas.microsoft.com/office/drawing/2014/main" id="{92100A39-73DD-3B47-942A-BF701708DAB4}"/>
+                </a:ext>
+              </a:extLst>
+            </p:cNvPr>
+            <p:cNvCxnSpPr/>
+            <p:nvPr/>
+          </p:nvCxnSpPr>
+          <p:spPr>
+            <a:xfrm>
+              <a:off x="1310770" y="2162175"/>
+              <a:ext cx="497973" cy="0"/>
+            </a:xfrm>
+            <a:prstGeom prst="line">
+              <a:avLst/>
+            </a:prstGeom>
+            <a:ln w="12700">
+              <a:solidFill>
+                <a:schemeClr val="tx1"/>
+              </a:solidFill>
+            </a:ln>
+          </p:spPr>
+          <p:style>
+            <a:lnRef idx="1">
+              <a:schemeClr val="accent1"/>
+            </a:lnRef>
+            <a:fillRef idx="0">
+              <a:schemeClr val="accent1"/>
+            </a:fillRef>
+            <a:effectRef idx="0">
+              <a:schemeClr val="accent1"/>
+            </a:effectRef>
+            <a:fontRef idx="minor">
+              <a:schemeClr val="tx1"/>
+            </a:fontRef>
+          </p:style>
+        </p:cxnSp>
+        <p:cxnSp>
+          <p:nvCxnSpPr>
+            <p:cNvPr id="36" name="直線コネクタ 35">
+              <a:extLst>
+                <a:ext uri="{FF2B5EF4-FFF2-40B4-BE49-F238E27FC236}">
+                  <a16:creationId xmlns:a16="http://schemas.microsoft.com/office/drawing/2014/main" id="{CCF3AC82-BBE3-AB43-9505-85A1449849C8}"/>
+                </a:ext>
+              </a:extLst>
+            </p:cNvPr>
+            <p:cNvCxnSpPr/>
+            <p:nvPr/>
+          </p:nvCxnSpPr>
+          <p:spPr>
+            <a:xfrm>
+              <a:off x="1310604" y="2327275"/>
+              <a:ext cx="497973" cy="0"/>
+            </a:xfrm>
+            <a:prstGeom prst="line">
+              <a:avLst/>
+            </a:prstGeom>
+            <a:ln w="12700">
+              <a:solidFill>
+                <a:schemeClr val="tx1"/>
+              </a:solidFill>
+            </a:ln>
+          </p:spPr>
+          <p:style>
+            <a:lnRef idx="1">
+              <a:schemeClr val="accent1"/>
+            </a:lnRef>
+            <a:fillRef idx="0">
+              <a:schemeClr val="accent1"/>
+            </a:fillRef>
+            <a:effectRef idx="0">
+              <a:schemeClr val="accent1"/>
+            </a:effectRef>
+            <a:fontRef idx="minor">
+              <a:schemeClr val="tx1"/>
+            </a:fontRef>
+          </p:style>
+        </p:cxnSp>
+      </p:grpSp>
+    </p:spTree>
+    <p:extLst>
+      <p:ext uri="{BB962C8B-B14F-4D97-AF65-F5344CB8AC3E}">
+        <p14:creationId xmlns:p14="http://schemas.microsoft.com/office/powerpoint/2010/main" val="2682208989"/>
+      </p:ext>
+    </p:extLst>
+  </p:cSld>
+  <p:clrMapOvr>
+    <a:masterClrMapping/>
+  </p:clrMapOvr>
+</p:sld>
+</file>
+
+<file path=ppt/slides/slide9.xml><?xml version="1.0" encoding="utf-8"?>
+<p:sld xmlns:a="http://schemas.openxmlformats.org/drawingml/2006/main" xmlns:r="http://schemas.openxmlformats.org/officeDocument/2006/relationships" xmlns:p="http://schemas.openxmlformats.org/presentationml/2006/main">
+  <p:cSld>
+    <p:spTree>
+      <p:nvGrpSpPr>
+        <p:cNvPr id="1" name=""/>
+        <p:cNvGrpSpPr/>
+        <p:nvPr/>
+      </p:nvGrpSpPr>
+      <p:grpSpPr>
+        <a:xfrm>
+          <a:off x="0" y="0"/>
+          <a:ext cx="0" cy="0"/>
+          <a:chOff x="0" y="0"/>
+          <a:chExt cx="0" cy="0"/>
+        </a:xfrm>
+      </p:grpSpPr>
+      <p:sp>
+        <p:nvSpPr>
+          <p:cNvPr id="6" name="円/楕円 5">
+            <a:extLst>
+              <a:ext uri="{FF2B5EF4-FFF2-40B4-BE49-F238E27FC236}">
+                <a16:creationId xmlns:a16="http://schemas.microsoft.com/office/drawing/2014/main" id="{9F03ECFB-4CFE-EB4F-8D88-FF78BE8BE85D}"/>
+              </a:ext>
+            </a:extLst>
+          </p:cNvPr>
+          <p:cNvSpPr/>
+          <p:nvPr/>
+        </p:nvSpPr>
+        <p:spPr>
+          <a:xfrm>
+            <a:off x="148096" y="3171791"/>
+            <a:ext cx="8995904" cy="2565173"/>
+          </a:xfrm>
+          <a:prstGeom prst="ellipse">
+            <a:avLst/>
+          </a:prstGeom>
+          <a:solidFill>
+            <a:schemeClr val="accent1">
+              <a:lumMod val="20000"/>
+              <a:lumOff val="80000"/>
+            </a:schemeClr>
+          </a:solidFill>
+          <a:ln>
+            <a:noFill/>
+          </a:ln>
+        </p:spPr>
+        <p:style>
+          <a:lnRef idx="2">
+            <a:schemeClr val="accent1">
+              <a:shade val="50000"/>
+            </a:schemeClr>
+          </a:lnRef>
+          <a:fillRef idx="1">
+            <a:schemeClr val="accent1"/>
+          </a:fillRef>
+          <a:effectRef idx="0">
+            <a:schemeClr val="accent1"/>
+          </a:effectRef>
+          <a:fontRef idx="minor">
+            <a:schemeClr val="lt1"/>
+          </a:fontRef>
+        </p:style>
+        <p:txBody>
+          <a:bodyPr rtlCol="0" anchor="ctr"/>
+          <a:lstStyle/>
+          <a:p>
+            <a:pPr algn="ctr"/>
+            <a:endParaRPr kumimoji="1" lang="ja-JP" altLang="en-US"/>
+          </a:p>
+        </p:txBody>
+      </p:sp>
+      <p:grpSp>
+        <p:nvGrpSpPr>
+          <p:cNvPr id="20" name="グループ化 19">
+            <a:extLst>
+              <a:ext uri="{FF2B5EF4-FFF2-40B4-BE49-F238E27FC236}">
+                <a16:creationId xmlns:a16="http://schemas.microsoft.com/office/drawing/2014/main" id="{FC9B86F2-B16B-8742-8EB0-CC097CA1EE1A}"/>
+              </a:ext>
+            </a:extLst>
+          </p:cNvPr>
+          <p:cNvGrpSpPr/>
+          <p:nvPr/>
+        </p:nvGrpSpPr>
+        <p:grpSpPr>
+          <a:xfrm>
+            <a:off x="1159135" y="1587556"/>
+            <a:ext cx="2878028" cy="2319866"/>
+            <a:chOff x="1400675" y="1626807"/>
+            <a:chExt cx="2878028" cy="2319866"/>
+          </a:xfrm>
+        </p:grpSpPr>
+        <p:sp>
+          <p:nvSpPr>
+            <p:cNvPr id="3" name="正方形/長方形 2">
+              <a:extLst>
+                <a:ext uri="{FF2B5EF4-FFF2-40B4-BE49-F238E27FC236}">
+                  <a16:creationId xmlns:a16="http://schemas.microsoft.com/office/drawing/2014/main" id="{4DE01C54-F460-EF42-9579-D1614E904A5C}"/>
+                </a:ext>
+              </a:extLst>
+            </p:cNvPr>
+            <p:cNvSpPr/>
+            <p:nvPr/>
+          </p:nvSpPr>
+          <p:spPr>
+            <a:xfrm>
+              <a:off x="1400675" y="1626807"/>
+              <a:ext cx="2878028" cy="2319866"/>
+            </a:xfrm>
+            <a:prstGeom prst="rect">
+              <a:avLst/>
+            </a:prstGeom>
+            <a:solidFill>
+              <a:schemeClr val="bg1"/>
+            </a:solidFill>
+            <a:ln>
+              <a:solidFill>
+                <a:schemeClr val="tx1"/>
+              </a:solidFill>
+            </a:ln>
+          </p:spPr>
+          <p:style>
+            <a:lnRef idx="2">
+              <a:schemeClr val="accent1">
+                <a:shade val="50000"/>
+              </a:schemeClr>
+            </a:lnRef>
+            <a:fillRef idx="1">
+              <a:schemeClr val="accent1"/>
+            </a:fillRef>
+            <a:effectRef idx="0">
+              <a:schemeClr val="accent1"/>
+            </a:effectRef>
+            <a:fontRef idx="minor">
+              <a:schemeClr val="lt1"/>
+            </a:fontRef>
+          </p:style>
+          <p:txBody>
+            <a:bodyPr rtlCol="0" anchor="ctr"/>
+            <a:lstStyle/>
+            <a:p>
+              <a:pPr algn="ctr"/>
+              <a:endParaRPr kumimoji="1" lang="ja-JP" altLang="en-US"/>
+            </a:p>
+          </p:txBody>
+        </p:sp>
+        <p:pic>
+          <p:nvPicPr>
+            <p:cNvPr id="10" name="図 9">
+              <a:extLst>
+                <a:ext uri="{FF2B5EF4-FFF2-40B4-BE49-F238E27FC236}">
+                  <a16:creationId xmlns:a16="http://schemas.microsoft.com/office/drawing/2014/main" id="{D6A871BF-3A2A-EB42-AE65-89AA85BFACC8}"/>
+                </a:ext>
+              </a:extLst>
+            </p:cNvPr>
+            <p:cNvPicPr>
+              <a:picLocks noChangeAspect="1"/>
+            </p:cNvPicPr>
+            <p:nvPr/>
+          </p:nvPicPr>
+          <p:blipFill>
+            <a:blip r:embed="rId2"/>
+            <a:stretch>
+              <a:fillRect/>
+            </a:stretch>
+          </p:blipFill>
+          <p:spPr>
+            <a:xfrm>
+              <a:off x="1468406" y="1711472"/>
+              <a:ext cx="995945" cy="948966"/>
+            </a:xfrm>
+            <a:prstGeom prst="rect">
+              <a:avLst/>
+            </a:prstGeom>
+          </p:spPr>
+        </p:pic>
+        <p:pic>
+          <p:nvPicPr>
+            <p:cNvPr id="12" name="Picture 4" descr="フォルダのアイコン ふぉるだのあいこん - ico,png,icns,無料の ...">
+              <a:extLst>
+                <a:ext uri="{FF2B5EF4-FFF2-40B4-BE49-F238E27FC236}">
+                  <a16:creationId xmlns:a16="http://schemas.microsoft.com/office/drawing/2014/main" id="{44180383-84B3-B14E-BAB9-234C25813489}"/>
+                </a:ext>
+              </a:extLst>
+            </p:cNvPr>
+            <p:cNvPicPr>
+              <a:picLocks noChangeAspect="1" noChangeArrowheads="1"/>
+            </p:cNvPicPr>
+            <p:nvPr/>
+          </p:nvPicPr>
+          <p:blipFill>
+            <a:blip r:embed="rId3">
+              <a:extLst>
+                <a:ext uri="{28A0092B-C50C-407E-A947-70E740481C1C}">
+                  <a14:useLocalDpi xmlns:a14="http://schemas.microsoft.com/office/drawing/2010/main" val="0"/>
+                </a:ext>
+              </a:extLst>
+            </a:blip>
+            <a:srcRect/>
+            <a:stretch>
+              <a:fillRect/>
+            </a:stretch>
+          </p:blipFill>
+          <p:spPr bwMode="auto">
+            <a:xfrm>
+              <a:off x="3029724" y="1823794"/>
+              <a:ext cx="836644" cy="836644"/>
+            </a:xfrm>
+            <a:prstGeom prst="rect">
+              <a:avLst/>
+            </a:prstGeom>
+            <a:noFill/>
+            <a:extLst>
+              <a:ext uri="{909E8E84-426E-40DD-AFC4-6F175D3DCCD1}">
+                <a14:hiddenFill xmlns:a14="http://schemas.microsoft.com/office/drawing/2010/main">
+                  <a:solidFill>
+                    <a:srgbClr val="FFFFFF"/>
+                  </a:solidFill>
+                </a14:hiddenFill>
+              </a:ext>
+            </a:extLst>
+          </p:spPr>
+        </p:pic>
+        <p:pic>
+          <p:nvPicPr>
+            <p:cNvPr id="13" name="Picture 4" descr="フォルダのアイコン ふぉるだのあいこん - ico,png,icns,無料の ...">
+              <a:extLst>
+                <a:ext uri="{FF2B5EF4-FFF2-40B4-BE49-F238E27FC236}">
+                  <a16:creationId xmlns:a16="http://schemas.microsoft.com/office/drawing/2014/main" id="{D5F77C25-0F61-9045-9E88-36B7E5938664}"/>
+                </a:ext>
+              </a:extLst>
+            </p:cNvPr>
+            <p:cNvPicPr>
+              <a:picLocks noChangeAspect="1" noChangeArrowheads="1"/>
+            </p:cNvPicPr>
+            <p:nvPr/>
+          </p:nvPicPr>
+          <p:blipFill>
+            <a:blip r:embed="rId3">
+              <a:extLst>
+                <a:ext uri="{28A0092B-C50C-407E-A947-70E740481C1C}">
+                  <a14:useLocalDpi xmlns:a14="http://schemas.microsoft.com/office/drawing/2010/main" val="0"/>
+                </a:ext>
+              </a:extLst>
+            </a:blip>
+            <a:srcRect/>
+            <a:stretch>
+              <a:fillRect/>
+            </a:stretch>
+          </p:blipFill>
+          <p:spPr bwMode="auto">
+            <a:xfrm>
+              <a:off x="3029724" y="2803285"/>
+              <a:ext cx="836644" cy="836644"/>
+            </a:xfrm>
+            <a:prstGeom prst="rect">
+              <a:avLst/>
+            </a:prstGeom>
+            <a:noFill/>
+            <a:extLst>
+              <a:ext uri="{909E8E84-426E-40DD-AFC4-6F175D3DCCD1}">
+                <a14:hiddenFill xmlns:a14="http://schemas.microsoft.com/office/drawing/2010/main">
+                  <a:solidFill>
+                    <a:srgbClr val="FFFFFF"/>
+                  </a:solidFill>
+                </a14:hiddenFill>
+              </a:ext>
+            </a:extLst>
+          </p:spPr>
+        </p:pic>
+        <p:grpSp>
+          <p:nvGrpSpPr>
+            <p:cNvPr id="22" name="グループ化 21">
+              <a:extLst>
+                <a:ext uri="{FF2B5EF4-FFF2-40B4-BE49-F238E27FC236}">
+                  <a16:creationId xmlns:a16="http://schemas.microsoft.com/office/drawing/2014/main" id="{705CFB4B-E3A0-B240-BD22-59989C4A87CA}"/>
+                </a:ext>
+              </a:extLst>
+            </p:cNvPr>
+            <p:cNvGrpSpPr/>
+            <p:nvPr/>
+          </p:nvGrpSpPr>
+          <p:grpSpPr>
+            <a:xfrm>
+              <a:off x="1622364" y="2843798"/>
+              <a:ext cx="501780" cy="596021"/>
+              <a:chOff x="1141269" y="1781052"/>
+              <a:chExt cx="836644" cy="836644"/>
+            </a:xfrm>
+          </p:grpSpPr>
+          <p:sp>
+            <p:nvSpPr>
+              <p:cNvPr id="23" name="メモ 22">
+                <a:extLst>
+                  <a:ext uri="{FF2B5EF4-FFF2-40B4-BE49-F238E27FC236}">
+                    <a16:creationId xmlns:a16="http://schemas.microsoft.com/office/drawing/2014/main" id="{72613009-7E55-2848-B28A-D09428A913ED}"/>
+                  </a:ext>
+                </a:extLst>
+              </p:cNvPr>
+              <p:cNvSpPr/>
+              <p:nvPr/>
+            </p:nvSpPr>
+            <p:spPr>
+              <a:xfrm>
+                <a:off x="1141269" y="1781052"/>
+                <a:ext cx="836644" cy="836644"/>
+              </a:xfrm>
+              <a:prstGeom prst="foldedCorner">
+                <a:avLst>
+                  <a:gd name="adj" fmla="val 20715"/>
+                </a:avLst>
+              </a:prstGeom>
+              <a:solidFill>
+                <a:schemeClr val="bg1"/>
+              </a:solidFill>
+              <a:ln>
+                <a:solidFill>
+                  <a:schemeClr val="tx1"/>
+                </a:solidFill>
+              </a:ln>
+            </p:spPr>
+            <p:style>
+              <a:lnRef idx="2">
+                <a:schemeClr val="accent1">
+                  <a:shade val="50000"/>
+                </a:schemeClr>
+              </a:lnRef>
+              <a:fillRef idx="1">
+                <a:schemeClr val="accent1"/>
+              </a:fillRef>
+              <a:effectRef idx="0">
+                <a:schemeClr val="accent1"/>
+              </a:effectRef>
+              <a:fontRef idx="minor">
+                <a:schemeClr val="lt1"/>
+              </a:fontRef>
+            </p:style>
+            <p:txBody>
+              <a:bodyPr rtlCol="0" anchor="ctr"/>
+              <a:lstStyle/>
+              <a:p>
+                <a:pPr algn="ctr"/>
+                <a:endParaRPr kumimoji="1" lang="ja-JP" altLang="en-US"/>
+              </a:p>
+            </p:txBody>
+          </p:sp>
+          <p:cxnSp>
+            <p:nvCxnSpPr>
+              <p:cNvPr id="24" name="直線コネクタ 23">
+                <a:extLst>
+                  <a:ext uri="{FF2B5EF4-FFF2-40B4-BE49-F238E27FC236}">
+                    <a16:creationId xmlns:a16="http://schemas.microsoft.com/office/drawing/2014/main" id="{186C0FF1-C393-3849-83AB-BAAED046D8DF}"/>
+                  </a:ext>
+                </a:extLst>
+              </p:cNvPr>
+              <p:cNvCxnSpPr/>
+              <p:nvPr/>
+            </p:nvCxnSpPr>
+            <p:spPr>
+              <a:xfrm>
+                <a:off x="1310770" y="2000250"/>
+                <a:ext cx="497973" cy="0"/>
+              </a:xfrm>
+              <a:prstGeom prst="line">
+                <a:avLst/>
+              </a:prstGeom>
+              <a:ln w="12700">
+                <a:solidFill>
+                  <a:schemeClr val="tx1"/>
+                </a:solidFill>
+              </a:ln>
+            </p:spPr>
+            <p:style>
+              <a:lnRef idx="1">
+                <a:schemeClr val="accent1"/>
+              </a:lnRef>
+              <a:fillRef idx="0">
+                <a:schemeClr val="accent1"/>
+              </a:fillRef>
+              <a:effectRef idx="0">
+                <a:schemeClr val="accent1"/>
+              </a:effectRef>
+              <a:fontRef idx="minor">
+                <a:schemeClr val="tx1"/>
+              </a:fontRef>
+            </p:style>
+          </p:cxnSp>
+          <p:cxnSp>
+            <p:nvCxnSpPr>
+              <p:cNvPr id="25" name="直線コネクタ 24">
+                <a:extLst>
+                  <a:ext uri="{FF2B5EF4-FFF2-40B4-BE49-F238E27FC236}">
+                    <a16:creationId xmlns:a16="http://schemas.microsoft.com/office/drawing/2014/main" id="{381C87DC-FDC7-5042-8D22-2507BCFF3160}"/>
+                  </a:ext>
+                </a:extLst>
+              </p:cNvPr>
+              <p:cNvCxnSpPr/>
+              <p:nvPr/>
+            </p:nvCxnSpPr>
+            <p:spPr>
+              <a:xfrm>
+                <a:off x="1310770" y="2162175"/>
+                <a:ext cx="497973" cy="0"/>
+              </a:xfrm>
+              <a:prstGeom prst="line">
+                <a:avLst/>
+              </a:prstGeom>
+              <a:ln w="12700">
+                <a:solidFill>
+                  <a:schemeClr val="tx1"/>
+                </a:solidFill>
+              </a:ln>
+            </p:spPr>
+            <p:style>
+              <a:lnRef idx="1">
+                <a:schemeClr val="accent1"/>
+              </a:lnRef>
+              <a:fillRef idx="0">
+                <a:schemeClr val="accent1"/>
+              </a:fillRef>
+              <a:effectRef idx="0">
+                <a:schemeClr val="accent1"/>
+              </a:effectRef>
+              <a:fontRef idx="minor">
+                <a:schemeClr val="tx1"/>
+              </a:fontRef>
+            </p:style>
+          </p:cxnSp>
+          <p:cxnSp>
+            <p:nvCxnSpPr>
+              <p:cNvPr id="26" name="直線コネクタ 25">
+                <a:extLst>
+                  <a:ext uri="{FF2B5EF4-FFF2-40B4-BE49-F238E27FC236}">
+                    <a16:creationId xmlns:a16="http://schemas.microsoft.com/office/drawing/2014/main" id="{149D15F8-7FBD-5346-A2C9-ACAC6D234869}"/>
+                  </a:ext>
+                </a:extLst>
+              </p:cNvPr>
+              <p:cNvCxnSpPr/>
+              <p:nvPr/>
+            </p:nvCxnSpPr>
+            <p:spPr>
+              <a:xfrm>
+                <a:off x="1310604" y="2327275"/>
+                <a:ext cx="497973" cy="0"/>
+              </a:xfrm>
+              <a:prstGeom prst="line">
+                <a:avLst/>
+              </a:prstGeom>
+              <a:ln w="12700">
+                <a:solidFill>
+                  <a:schemeClr val="tx1"/>
+                </a:solidFill>
+              </a:ln>
+            </p:spPr>
+            <p:style>
+              <a:lnRef idx="1">
+                <a:schemeClr val="accent1"/>
+              </a:lnRef>
+              <a:fillRef idx="0">
+                <a:schemeClr val="accent1"/>
+              </a:fillRef>
+              <a:effectRef idx="0">
+                <a:schemeClr val="accent1"/>
+              </a:effectRef>
+              <a:fontRef idx="minor">
+                <a:schemeClr val="tx1"/>
+              </a:fontRef>
+            </p:style>
+          </p:cxnSp>
+        </p:grpSp>
+        <p:grpSp>
+          <p:nvGrpSpPr>
+            <p:cNvPr id="33" name="グループ化 32">
+              <a:extLst>
+                <a:ext uri="{FF2B5EF4-FFF2-40B4-BE49-F238E27FC236}">
+                  <a16:creationId xmlns:a16="http://schemas.microsoft.com/office/drawing/2014/main" id="{758DE69D-C324-B640-8114-67A36B2C9673}"/>
+                </a:ext>
+              </a:extLst>
+            </p:cNvPr>
+            <p:cNvGrpSpPr/>
+            <p:nvPr/>
+          </p:nvGrpSpPr>
+          <p:grpSpPr>
+            <a:xfrm>
+              <a:off x="1878282" y="2996198"/>
+              <a:ext cx="501780" cy="596021"/>
+              <a:chOff x="1141269" y="1781052"/>
+              <a:chExt cx="836644" cy="836644"/>
+            </a:xfrm>
+          </p:grpSpPr>
+          <p:sp>
+            <p:nvSpPr>
+              <p:cNvPr id="34" name="メモ 33">
+                <a:extLst>
+                  <a:ext uri="{FF2B5EF4-FFF2-40B4-BE49-F238E27FC236}">
+                    <a16:creationId xmlns:a16="http://schemas.microsoft.com/office/drawing/2014/main" id="{8809E96B-BEAE-D84A-A3B5-2BBAF00D0DF3}"/>
+                  </a:ext>
+                </a:extLst>
+              </p:cNvPr>
+              <p:cNvSpPr/>
+              <p:nvPr/>
+            </p:nvSpPr>
+            <p:spPr>
+              <a:xfrm>
+                <a:off x="1141269" y="1781052"/>
+                <a:ext cx="836644" cy="836644"/>
+              </a:xfrm>
+              <a:prstGeom prst="foldedCorner">
+                <a:avLst>
+                  <a:gd name="adj" fmla="val 20715"/>
+                </a:avLst>
+              </a:prstGeom>
+              <a:solidFill>
+                <a:schemeClr val="bg1"/>
+              </a:solidFill>
+              <a:ln>
+                <a:solidFill>
+                  <a:schemeClr val="tx1"/>
+                </a:solidFill>
+              </a:ln>
+            </p:spPr>
+            <p:style>
+              <a:lnRef idx="2">
+                <a:schemeClr val="accent1">
+                  <a:shade val="50000"/>
+                </a:schemeClr>
+              </a:lnRef>
+              <a:fillRef idx="1">
+                <a:schemeClr val="accent1"/>
+              </a:fillRef>
+              <a:effectRef idx="0">
+                <a:schemeClr val="accent1"/>
+              </a:effectRef>
+              <a:fontRef idx="minor">
+                <a:schemeClr val="lt1"/>
+              </a:fontRef>
+            </p:style>
+            <p:txBody>
+              <a:bodyPr rtlCol="0" anchor="ctr"/>
+              <a:lstStyle/>
+              <a:p>
+                <a:pPr algn="ctr"/>
+                <a:endParaRPr kumimoji="1" lang="ja-JP" altLang="en-US"/>
+              </a:p>
+            </p:txBody>
+          </p:sp>
+          <p:cxnSp>
+            <p:nvCxnSpPr>
+              <p:cNvPr id="35" name="直線コネクタ 34">
+                <a:extLst>
+                  <a:ext uri="{FF2B5EF4-FFF2-40B4-BE49-F238E27FC236}">
+                    <a16:creationId xmlns:a16="http://schemas.microsoft.com/office/drawing/2014/main" id="{E22D3FA7-C156-3040-891A-51889B312B77}"/>
+                  </a:ext>
+                </a:extLst>
+              </p:cNvPr>
+              <p:cNvCxnSpPr/>
+              <p:nvPr/>
+            </p:nvCxnSpPr>
+            <p:spPr>
+              <a:xfrm>
+                <a:off x="1310770" y="2000250"/>
+                <a:ext cx="497973" cy="0"/>
+              </a:xfrm>
+              <a:prstGeom prst="line">
+                <a:avLst/>
+              </a:prstGeom>
+              <a:ln w="12700">
+                <a:solidFill>
+                  <a:schemeClr val="tx1"/>
+                </a:solidFill>
+              </a:ln>
+            </p:spPr>
+            <p:style>
+              <a:lnRef idx="1">
+                <a:schemeClr val="accent1"/>
+              </a:lnRef>
+              <a:fillRef idx="0">
+                <a:schemeClr val="accent1"/>
+              </a:fillRef>
+              <a:effectRef idx="0">
+                <a:schemeClr val="accent1"/>
+              </a:effectRef>
+              <a:fontRef idx="minor">
+                <a:schemeClr val="tx1"/>
+              </a:fontRef>
+            </p:style>
+          </p:cxnSp>
+          <p:cxnSp>
+            <p:nvCxnSpPr>
+              <p:cNvPr id="36" name="直線コネクタ 35">
+                <a:extLst>
+                  <a:ext uri="{FF2B5EF4-FFF2-40B4-BE49-F238E27FC236}">
+                    <a16:creationId xmlns:a16="http://schemas.microsoft.com/office/drawing/2014/main" id="{340EEF16-1409-3B44-A7D1-5415C04DA796}"/>
+                  </a:ext>
+                </a:extLst>
+              </p:cNvPr>
+              <p:cNvCxnSpPr/>
+              <p:nvPr/>
+            </p:nvCxnSpPr>
+            <p:spPr>
+              <a:xfrm>
+                <a:off x="1310770" y="2162175"/>
+                <a:ext cx="497973" cy="0"/>
+              </a:xfrm>
+              <a:prstGeom prst="line">
+                <a:avLst/>
+              </a:prstGeom>
+              <a:ln w="12700">
+                <a:solidFill>
+                  <a:schemeClr val="tx1"/>
+                </a:solidFill>
+              </a:ln>
+            </p:spPr>
+            <p:style>
+              <a:lnRef idx="1">
+                <a:schemeClr val="accent1"/>
+              </a:lnRef>
+              <a:fillRef idx="0">
+                <a:schemeClr val="accent1"/>
+              </a:fillRef>
+              <a:effectRef idx="0">
+                <a:schemeClr val="accent1"/>
+              </a:effectRef>
+              <a:fontRef idx="minor">
+                <a:schemeClr val="tx1"/>
+              </a:fontRef>
+            </p:style>
+          </p:cxnSp>
+          <p:cxnSp>
+            <p:nvCxnSpPr>
+              <p:cNvPr id="37" name="直線コネクタ 36">
+                <a:extLst>
+                  <a:ext uri="{FF2B5EF4-FFF2-40B4-BE49-F238E27FC236}">
+                    <a16:creationId xmlns:a16="http://schemas.microsoft.com/office/drawing/2014/main" id="{FEDB862C-654B-8549-ACAE-150887E5CC20}"/>
+                  </a:ext>
+                </a:extLst>
+              </p:cNvPr>
+              <p:cNvCxnSpPr/>
+              <p:nvPr/>
+            </p:nvCxnSpPr>
+            <p:spPr>
+              <a:xfrm>
+                <a:off x="1310604" y="2327275"/>
+                <a:ext cx="497973" cy="0"/>
+              </a:xfrm>
+              <a:prstGeom prst="line">
+                <a:avLst/>
+              </a:prstGeom>
+              <a:ln w="12700">
+                <a:solidFill>
+                  <a:schemeClr val="tx1"/>
+                </a:solidFill>
+              </a:ln>
+            </p:spPr>
+            <p:style>
+              <a:lnRef idx="1">
+                <a:schemeClr val="accent1"/>
+              </a:lnRef>
+              <a:fillRef idx="0">
+                <a:schemeClr val="accent1"/>
+              </a:fillRef>
+              <a:effectRef idx="0">
+                <a:schemeClr val="accent1"/>
+              </a:effectRef>
+              <a:fontRef idx="minor">
+                <a:schemeClr val="tx1"/>
+              </a:fontRef>
+            </p:style>
+          </p:cxnSp>
+        </p:grpSp>
+        <p:grpSp>
+          <p:nvGrpSpPr>
+            <p:cNvPr id="38" name="グループ化 37">
+              <a:extLst>
+                <a:ext uri="{FF2B5EF4-FFF2-40B4-BE49-F238E27FC236}">
+                  <a16:creationId xmlns:a16="http://schemas.microsoft.com/office/drawing/2014/main" id="{10CA5EB0-ECD6-2243-8178-49C13303979D}"/>
+                </a:ext>
+              </a:extLst>
+            </p:cNvPr>
+            <p:cNvGrpSpPr/>
+            <p:nvPr/>
+          </p:nvGrpSpPr>
+          <p:grpSpPr>
+            <a:xfrm>
+              <a:off x="2134200" y="3148598"/>
+              <a:ext cx="501780" cy="596021"/>
+              <a:chOff x="1141269" y="1781052"/>
+              <a:chExt cx="836644" cy="836644"/>
+            </a:xfrm>
+          </p:grpSpPr>
+          <p:sp>
+            <p:nvSpPr>
+              <p:cNvPr id="39" name="メモ 38">
+                <a:extLst>
+                  <a:ext uri="{FF2B5EF4-FFF2-40B4-BE49-F238E27FC236}">
+                    <a16:creationId xmlns:a16="http://schemas.microsoft.com/office/drawing/2014/main" id="{91E912AD-7155-E14C-AB58-91AEEB3C4342}"/>
+                  </a:ext>
+                </a:extLst>
+              </p:cNvPr>
+              <p:cNvSpPr/>
+              <p:nvPr/>
+            </p:nvSpPr>
+            <p:spPr>
+              <a:xfrm>
+                <a:off x="1141269" y="1781052"/>
+                <a:ext cx="836644" cy="836644"/>
+              </a:xfrm>
+              <a:prstGeom prst="foldedCorner">
+                <a:avLst>
+                  <a:gd name="adj" fmla="val 20715"/>
+                </a:avLst>
+              </a:prstGeom>
+              <a:solidFill>
+                <a:schemeClr val="bg1"/>
+              </a:solidFill>
+              <a:ln>
+                <a:solidFill>
+                  <a:schemeClr val="tx1"/>
+                </a:solidFill>
+              </a:ln>
+            </p:spPr>
+            <p:style>
+              <a:lnRef idx="2">
+                <a:schemeClr val="accent1">
+                  <a:shade val="50000"/>
+                </a:schemeClr>
+              </a:lnRef>
+              <a:fillRef idx="1">
+                <a:schemeClr val="accent1"/>
+              </a:fillRef>
+              <a:effectRef idx="0">
+                <a:schemeClr val="accent1"/>
+              </a:effectRef>
+              <a:fontRef idx="minor">
+                <a:schemeClr val="lt1"/>
+              </a:fontRef>
+            </p:style>
+            <p:txBody>
+              <a:bodyPr rtlCol="0" anchor="ctr"/>
+              <a:lstStyle/>
+              <a:p>
+                <a:pPr algn="ctr"/>
+                <a:endParaRPr kumimoji="1" lang="ja-JP" altLang="en-US"/>
+              </a:p>
+            </p:txBody>
+          </p:sp>
+          <p:cxnSp>
+            <p:nvCxnSpPr>
+              <p:cNvPr id="40" name="直線コネクタ 39">
+                <a:extLst>
+                  <a:ext uri="{FF2B5EF4-FFF2-40B4-BE49-F238E27FC236}">
+                    <a16:creationId xmlns:a16="http://schemas.microsoft.com/office/drawing/2014/main" id="{874E17B1-5CD8-3A45-A5EC-CE484EE2B5C6}"/>
+                  </a:ext>
+                </a:extLst>
+              </p:cNvPr>
+              <p:cNvCxnSpPr/>
+              <p:nvPr/>
+            </p:nvCxnSpPr>
+            <p:spPr>
+              <a:xfrm>
+                <a:off x="1310770" y="2000250"/>
+                <a:ext cx="497973" cy="0"/>
+              </a:xfrm>
+              <a:prstGeom prst="line">
+                <a:avLst/>
+              </a:prstGeom>
+              <a:ln w="12700">
+                <a:solidFill>
+                  <a:schemeClr val="tx1"/>
+                </a:solidFill>
+              </a:ln>
+            </p:spPr>
+            <p:style>
+              <a:lnRef idx="1">
+                <a:schemeClr val="accent1"/>
+              </a:lnRef>
+              <a:fillRef idx="0">
+                <a:schemeClr val="accent1"/>
+              </a:fillRef>
+              <a:effectRef idx="0">
+                <a:schemeClr val="accent1"/>
+              </a:effectRef>
+              <a:fontRef idx="minor">
+                <a:schemeClr val="tx1"/>
+              </a:fontRef>
+            </p:style>
+          </p:cxnSp>
+          <p:cxnSp>
+            <p:nvCxnSpPr>
+              <p:cNvPr id="41" name="直線コネクタ 40">
+                <a:extLst>
+                  <a:ext uri="{FF2B5EF4-FFF2-40B4-BE49-F238E27FC236}">
+                    <a16:creationId xmlns:a16="http://schemas.microsoft.com/office/drawing/2014/main" id="{14CDDA89-B641-CF42-BFDA-B33B052BE31E}"/>
+                  </a:ext>
+                </a:extLst>
+              </p:cNvPr>
+              <p:cNvCxnSpPr/>
+              <p:nvPr/>
+            </p:nvCxnSpPr>
+            <p:spPr>
+              <a:xfrm>
+                <a:off x="1310770" y="2162175"/>
+                <a:ext cx="497973" cy="0"/>
+              </a:xfrm>
+              <a:prstGeom prst="line">
+                <a:avLst/>
+              </a:prstGeom>
+              <a:ln w="12700">
+                <a:solidFill>
+                  <a:schemeClr val="tx1"/>
+                </a:solidFill>
+              </a:ln>
+            </p:spPr>
+            <p:style>
+              <a:lnRef idx="1">
+                <a:schemeClr val="accent1"/>
+              </a:lnRef>
+              <a:fillRef idx="0">
+                <a:schemeClr val="accent1"/>
+              </a:fillRef>
+              <a:effectRef idx="0">
+                <a:schemeClr val="accent1"/>
+              </a:effectRef>
+              <a:fontRef idx="minor">
+                <a:schemeClr val="tx1"/>
+              </a:fontRef>
+            </p:style>
+          </p:cxnSp>
+          <p:cxnSp>
+            <p:nvCxnSpPr>
+              <p:cNvPr id="42" name="直線コネクタ 41">
+                <a:extLst>
+                  <a:ext uri="{FF2B5EF4-FFF2-40B4-BE49-F238E27FC236}">
+                    <a16:creationId xmlns:a16="http://schemas.microsoft.com/office/drawing/2014/main" id="{C43D672D-5790-EB41-85D3-F6099FD67DB7}"/>
+                  </a:ext>
+                </a:extLst>
+              </p:cNvPr>
+              <p:cNvCxnSpPr/>
+              <p:nvPr/>
+            </p:nvCxnSpPr>
+            <p:spPr>
+              <a:xfrm>
+                <a:off x="1310604" y="2327275"/>
+                <a:ext cx="497973" cy="0"/>
+              </a:xfrm>
+              <a:prstGeom prst="line">
+                <a:avLst/>
+              </a:prstGeom>
+              <a:ln w="12700">
+                <a:solidFill>
+                  <a:schemeClr val="tx1"/>
+                </a:solidFill>
+              </a:ln>
+            </p:spPr>
+            <p:style>
+              <a:lnRef idx="1">
+                <a:schemeClr val="accent1"/>
+              </a:lnRef>
+              <a:fillRef idx="0">
+                <a:schemeClr val="accent1"/>
+              </a:fillRef>
+              <a:effectRef idx="0">
+                <a:schemeClr val="accent1"/>
+              </a:effectRef>
+              <a:fontRef idx="minor">
+                <a:schemeClr val="tx1"/>
+              </a:fontRef>
+            </p:style>
+          </p:cxnSp>
+        </p:grpSp>
+      </p:grpSp>
+      <p:grpSp>
+        <p:nvGrpSpPr>
+          <p:cNvPr id="44" name="グループ化 43">
+            <a:extLst>
+              <a:ext uri="{FF2B5EF4-FFF2-40B4-BE49-F238E27FC236}">
+                <a16:creationId xmlns:a16="http://schemas.microsoft.com/office/drawing/2014/main" id="{BEB18237-25B3-8C42-9AC5-71C8E9DD9741}"/>
+              </a:ext>
+            </a:extLst>
+          </p:cNvPr>
+          <p:cNvGrpSpPr/>
+          <p:nvPr/>
+        </p:nvGrpSpPr>
+        <p:grpSpPr>
+          <a:xfrm>
+            <a:off x="2070447" y="2049847"/>
+            <a:ext cx="2878028" cy="2319866"/>
+            <a:chOff x="1400675" y="1626807"/>
+            <a:chExt cx="2878028" cy="2319866"/>
+          </a:xfrm>
+        </p:grpSpPr>
+        <p:sp>
+          <p:nvSpPr>
+            <p:cNvPr id="45" name="正方形/長方形 44">
+              <a:extLst>
+                <a:ext uri="{FF2B5EF4-FFF2-40B4-BE49-F238E27FC236}">
+                  <a16:creationId xmlns:a16="http://schemas.microsoft.com/office/drawing/2014/main" id="{574906AA-7E8D-D74A-B67B-1A9F5F09170A}"/>
+                </a:ext>
+              </a:extLst>
+            </p:cNvPr>
+            <p:cNvSpPr/>
+            <p:nvPr/>
+          </p:nvSpPr>
+          <p:spPr>
+            <a:xfrm>
+              <a:off x="1400675" y="1626807"/>
+              <a:ext cx="2878028" cy="2319866"/>
+            </a:xfrm>
+            <a:prstGeom prst="rect">
+              <a:avLst/>
+            </a:prstGeom>
+            <a:solidFill>
+              <a:schemeClr val="bg1"/>
+            </a:solidFill>
+            <a:ln>
+              <a:solidFill>
+                <a:schemeClr val="tx1"/>
+              </a:solidFill>
+            </a:ln>
+          </p:spPr>
+          <p:style>
+            <a:lnRef idx="2">
+              <a:schemeClr val="accent1">
+                <a:shade val="50000"/>
+              </a:schemeClr>
+            </a:lnRef>
+            <a:fillRef idx="1">
+              <a:schemeClr val="accent1"/>
+            </a:fillRef>
+            <a:effectRef idx="0">
+              <a:schemeClr val="accent1"/>
+            </a:effectRef>
+            <a:fontRef idx="minor">
+              <a:schemeClr val="lt1"/>
+            </a:fontRef>
+          </p:style>
+          <p:txBody>
+            <a:bodyPr rtlCol="0" anchor="ctr"/>
+            <a:lstStyle/>
+            <a:p>
+              <a:pPr algn="ctr"/>
+              <a:endParaRPr kumimoji="1" lang="ja-JP" altLang="en-US"/>
+            </a:p>
+          </p:txBody>
+        </p:sp>
+        <p:pic>
+          <p:nvPicPr>
+            <p:cNvPr id="46" name="図 45">
+              <a:extLst>
+                <a:ext uri="{FF2B5EF4-FFF2-40B4-BE49-F238E27FC236}">
+                  <a16:creationId xmlns:a16="http://schemas.microsoft.com/office/drawing/2014/main" id="{53961077-838D-7843-87EA-8106BBE242C3}"/>
+                </a:ext>
+              </a:extLst>
+            </p:cNvPr>
+            <p:cNvPicPr>
+              <a:picLocks noChangeAspect="1"/>
+            </p:cNvPicPr>
+            <p:nvPr/>
+          </p:nvPicPr>
+          <p:blipFill>
+            <a:blip r:embed="rId2"/>
+            <a:stretch>
+              <a:fillRect/>
+            </a:stretch>
+          </p:blipFill>
+          <p:spPr>
+            <a:xfrm>
+              <a:off x="1468406" y="1711472"/>
+              <a:ext cx="995945" cy="948966"/>
+            </a:xfrm>
+            <a:prstGeom prst="rect">
+              <a:avLst/>
+            </a:prstGeom>
+          </p:spPr>
+        </p:pic>
+        <p:pic>
+          <p:nvPicPr>
+            <p:cNvPr id="47" name="Picture 4" descr="フォルダのアイコン ふぉるだのあいこん - ico,png,icns,無料の ...">
+              <a:extLst>
+                <a:ext uri="{FF2B5EF4-FFF2-40B4-BE49-F238E27FC236}">
+                  <a16:creationId xmlns:a16="http://schemas.microsoft.com/office/drawing/2014/main" id="{11900BD8-1246-8D4E-B3E2-69E48CF78E13}"/>
+                </a:ext>
+              </a:extLst>
+            </p:cNvPr>
+            <p:cNvPicPr>
+              <a:picLocks noChangeAspect="1" noChangeArrowheads="1"/>
+            </p:cNvPicPr>
+            <p:nvPr/>
+          </p:nvPicPr>
+          <p:blipFill>
+            <a:blip r:embed="rId3">
+              <a:extLst>
+                <a:ext uri="{28A0092B-C50C-407E-A947-70E740481C1C}">
+                  <a14:useLocalDpi xmlns:a14="http://schemas.microsoft.com/office/drawing/2010/main" val="0"/>
+                </a:ext>
+              </a:extLst>
+            </a:blip>
+            <a:srcRect/>
+            <a:stretch>
+              <a:fillRect/>
+            </a:stretch>
+          </p:blipFill>
+          <p:spPr bwMode="auto">
+            <a:xfrm>
+              <a:off x="3029724" y="1823794"/>
+              <a:ext cx="836644" cy="836644"/>
+            </a:xfrm>
+            <a:prstGeom prst="rect">
+              <a:avLst/>
+            </a:prstGeom>
+            <a:noFill/>
+            <a:extLst>
+              <a:ext uri="{909E8E84-426E-40DD-AFC4-6F175D3DCCD1}">
+                <a14:hiddenFill xmlns:a14="http://schemas.microsoft.com/office/drawing/2010/main">
+                  <a:solidFill>
+                    <a:srgbClr val="FFFFFF"/>
+                  </a:solidFill>
+                </a14:hiddenFill>
+              </a:ext>
+            </a:extLst>
+          </p:spPr>
+        </p:pic>
+        <p:pic>
+          <p:nvPicPr>
+            <p:cNvPr id="48" name="Picture 4" descr="フォルダのアイコン ふぉるだのあいこん - ico,png,icns,無料の ...">
+              <a:extLst>
+                <a:ext uri="{FF2B5EF4-FFF2-40B4-BE49-F238E27FC236}">
+                  <a16:creationId xmlns:a16="http://schemas.microsoft.com/office/drawing/2014/main" id="{02258F81-58DB-D74A-971B-8BE6735F4010}"/>
+                </a:ext>
+              </a:extLst>
+            </p:cNvPr>
+            <p:cNvPicPr>
+              <a:picLocks noChangeAspect="1" noChangeArrowheads="1"/>
+            </p:cNvPicPr>
+            <p:nvPr/>
+          </p:nvPicPr>
+          <p:blipFill>
+            <a:blip r:embed="rId3">
+              <a:extLst>
+                <a:ext uri="{28A0092B-C50C-407E-A947-70E740481C1C}">
+                  <a14:useLocalDpi xmlns:a14="http://schemas.microsoft.com/office/drawing/2010/main" val="0"/>
+                </a:ext>
+              </a:extLst>
+            </a:blip>
+            <a:srcRect/>
+            <a:stretch>
+              <a:fillRect/>
+            </a:stretch>
+          </p:blipFill>
+          <p:spPr bwMode="auto">
+            <a:xfrm>
+              <a:off x="3029724" y="2803285"/>
+              <a:ext cx="836644" cy="836644"/>
+            </a:xfrm>
+            <a:prstGeom prst="rect">
+              <a:avLst/>
+            </a:prstGeom>
+            <a:noFill/>
+            <a:extLst>
+              <a:ext uri="{909E8E84-426E-40DD-AFC4-6F175D3DCCD1}">
+                <a14:hiddenFill xmlns:a14="http://schemas.microsoft.com/office/drawing/2010/main">
+                  <a:solidFill>
+                    <a:srgbClr val="FFFFFF"/>
+                  </a:solidFill>
+                </a14:hiddenFill>
+              </a:ext>
+            </a:extLst>
+          </p:spPr>
+        </p:pic>
+        <p:grpSp>
+          <p:nvGrpSpPr>
+            <p:cNvPr id="49" name="グループ化 48">
+              <a:extLst>
+                <a:ext uri="{FF2B5EF4-FFF2-40B4-BE49-F238E27FC236}">
+                  <a16:creationId xmlns:a16="http://schemas.microsoft.com/office/drawing/2014/main" id="{3563576A-E861-8444-8523-0B26347E7899}"/>
+                </a:ext>
+              </a:extLst>
+            </p:cNvPr>
+            <p:cNvGrpSpPr/>
+            <p:nvPr/>
+          </p:nvGrpSpPr>
+          <p:grpSpPr>
+            <a:xfrm>
+              <a:off x="1622364" y="2843798"/>
+              <a:ext cx="501780" cy="596021"/>
+              <a:chOff x="1141269" y="1781052"/>
+              <a:chExt cx="836644" cy="836644"/>
+            </a:xfrm>
+          </p:grpSpPr>
+          <p:sp>
+            <p:nvSpPr>
+              <p:cNvPr id="60" name="メモ 59">
+                <a:extLst>
+                  <a:ext uri="{FF2B5EF4-FFF2-40B4-BE49-F238E27FC236}">
+                    <a16:creationId xmlns:a16="http://schemas.microsoft.com/office/drawing/2014/main" id="{E9457E20-C9E4-F841-BD52-214BDE818EB8}"/>
+                  </a:ext>
+                </a:extLst>
+              </p:cNvPr>
+              <p:cNvSpPr/>
+              <p:nvPr/>
+            </p:nvSpPr>
+            <p:spPr>
+              <a:xfrm>
+                <a:off x="1141269" y="1781052"/>
+                <a:ext cx="836644" cy="836644"/>
+              </a:xfrm>
+              <a:prstGeom prst="foldedCorner">
+                <a:avLst>
+                  <a:gd name="adj" fmla="val 20715"/>
+                </a:avLst>
+              </a:prstGeom>
+              <a:solidFill>
+                <a:schemeClr val="bg1"/>
+              </a:solidFill>
+              <a:ln>
+                <a:solidFill>
+                  <a:schemeClr val="tx1"/>
+                </a:solidFill>
+              </a:ln>
+            </p:spPr>
+            <p:style>
+              <a:lnRef idx="2">
+                <a:schemeClr val="accent1">
+                  <a:shade val="50000"/>
+                </a:schemeClr>
+              </a:lnRef>
+              <a:fillRef idx="1">
+                <a:schemeClr val="accent1"/>
+              </a:fillRef>
+              <a:effectRef idx="0">
+                <a:schemeClr val="accent1"/>
+              </a:effectRef>
+              <a:fontRef idx="minor">
+                <a:schemeClr val="lt1"/>
+              </a:fontRef>
+            </p:style>
+            <p:txBody>
+              <a:bodyPr rtlCol="0" anchor="ctr"/>
+              <a:lstStyle/>
+              <a:p>
+                <a:pPr algn="ctr"/>
+                <a:endParaRPr kumimoji="1" lang="ja-JP" altLang="en-US"/>
+              </a:p>
+            </p:txBody>
+          </p:sp>
+          <p:cxnSp>
+            <p:nvCxnSpPr>
+              <p:cNvPr id="61" name="直線コネクタ 60">
+                <a:extLst>
+                  <a:ext uri="{FF2B5EF4-FFF2-40B4-BE49-F238E27FC236}">
+                    <a16:creationId xmlns:a16="http://schemas.microsoft.com/office/drawing/2014/main" id="{99CC52AE-B9A9-6C4D-BD02-2A108A1E25FD}"/>
+                  </a:ext>
+                </a:extLst>
+              </p:cNvPr>
+              <p:cNvCxnSpPr/>
+              <p:nvPr/>
+            </p:nvCxnSpPr>
+            <p:spPr>
+              <a:xfrm>
+                <a:off x="1310770" y="2000250"/>
+                <a:ext cx="497973" cy="0"/>
+              </a:xfrm>
+              <a:prstGeom prst="line">
+                <a:avLst/>
+              </a:prstGeom>
+              <a:ln w="12700">
+                <a:solidFill>
+                  <a:schemeClr val="tx1"/>
+                </a:solidFill>
+              </a:ln>
+            </p:spPr>
+            <p:style>
+              <a:lnRef idx="1">
+                <a:schemeClr val="accent1"/>
+              </a:lnRef>
+              <a:fillRef idx="0">
+                <a:schemeClr val="accent1"/>
+              </a:fillRef>
+              <a:effectRef idx="0">
+                <a:schemeClr val="accent1"/>
+              </a:effectRef>
+              <a:fontRef idx="minor">
+                <a:schemeClr val="tx1"/>
+              </a:fontRef>
+            </p:style>
+          </p:cxnSp>
+          <p:cxnSp>
+            <p:nvCxnSpPr>
+              <p:cNvPr id="62" name="直線コネクタ 61">
+                <a:extLst>
+                  <a:ext uri="{FF2B5EF4-FFF2-40B4-BE49-F238E27FC236}">
+                    <a16:creationId xmlns:a16="http://schemas.microsoft.com/office/drawing/2014/main" id="{22131573-7DBB-6C45-8D03-81818F77C048}"/>
+                  </a:ext>
+                </a:extLst>
+              </p:cNvPr>
+              <p:cNvCxnSpPr/>
+              <p:nvPr/>
+            </p:nvCxnSpPr>
+            <p:spPr>
+              <a:xfrm>
+                <a:off x="1310770" y="2162175"/>
+                <a:ext cx="497973" cy="0"/>
+              </a:xfrm>
+              <a:prstGeom prst="line">
+                <a:avLst/>
+              </a:prstGeom>
+              <a:ln w="12700">
+                <a:solidFill>
+                  <a:schemeClr val="tx1"/>
+                </a:solidFill>
+              </a:ln>
+            </p:spPr>
+            <p:style>
+              <a:lnRef idx="1">
+                <a:schemeClr val="accent1"/>
+              </a:lnRef>
+              <a:fillRef idx="0">
+                <a:schemeClr val="accent1"/>
+              </a:fillRef>
+              <a:effectRef idx="0">
+                <a:schemeClr val="accent1"/>
+              </a:effectRef>
+              <a:fontRef idx="minor">
+                <a:schemeClr val="tx1"/>
+              </a:fontRef>
+            </p:style>
+          </p:cxnSp>
+          <p:cxnSp>
+            <p:nvCxnSpPr>
+              <p:cNvPr id="63" name="直線コネクタ 62">
+                <a:extLst>
+                  <a:ext uri="{FF2B5EF4-FFF2-40B4-BE49-F238E27FC236}">
+                    <a16:creationId xmlns:a16="http://schemas.microsoft.com/office/drawing/2014/main" id="{A44F051D-CAD1-9648-A5E8-23ABD1C6FCAA}"/>
+                  </a:ext>
+                </a:extLst>
+              </p:cNvPr>
+              <p:cNvCxnSpPr/>
+              <p:nvPr/>
+            </p:nvCxnSpPr>
+            <p:spPr>
+              <a:xfrm>
+                <a:off x="1310604" y="2327275"/>
+                <a:ext cx="497973" cy="0"/>
+              </a:xfrm>
+              <a:prstGeom prst="line">
+                <a:avLst/>
+              </a:prstGeom>
+              <a:ln w="12700">
+                <a:solidFill>
+                  <a:schemeClr val="tx1"/>
+                </a:solidFill>
+              </a:ln>
+            </p:spPr>
+            <p:style>
+              <a:lnRef idx="1">
+                <a:schemeClr val="accent1"/>
+              </a:lnRef>
+              <a:fillRef idx="0">
+                <a:schemeClr val="accent1"/>
+              </a:fillRef>
+              <a:effectRef idx="0">
+                <a:schemeClr val="accent1"/>
+              </a:effectRef>
+              <a:fontRef idx="minor">
+                <a:schemeClr val="tx1"/>
+              </a:fontRef>
+            </p:style>
+          </p:cxnSp>
+        </p:grpSp>
+        <p:grpSp>
+          <p:nvGrpSpPr>
+            <p:cNvPr id="50" name="グループ化 49">
+              <a:extLst>
+                <a:ext uri="{FF2B5EF4-FFF2-40B4-BE49-F238E27FC236}">
+                  <a16:creationId xmlns:a16="http://schemas.microsoft.com/office/drawing/2014/main" id="{45A0402E-D804-DC43-A48C-8463FDD2FCA2}"/>
+                </a:ext>
+              </a:extLst>
+            </p:cNvPr>
+            <p:cNvGrpSpPr/>
+            <p:nvPr/>
+          </p:nvGrpSpPr>
+          <p:grpSpPr>
+            <a:xfrm>
+              <a:off x="1878282" y="2996198"/>
+              <a:ext cx="501780" cy="596021"/>
+              <a:chOff x="1141269" y="1781052"/>
+              <a:chExt cx="836644" cy="836644"/>
+            </a:xfrm>
+          </p:grpSpPr>
+          <p:sp>
+            <p:nvSpPr>
+              <p:cNvPr id="56" name="メモ 55">
+                <a:extLst>
+                  <a:ext uri="{FF2B5EF4-FFF2-40B4-BE49-F238E27FC236}">
+                    <a16:creationId xmlns:a16="http://schemas.microsoft.com/office/drawing/2014/main" id="{1E5C08DD-11E6-2B45-9C6F-9401C352CEC9}"/>
+                  </a:ext>
+                </a:extLst>
+              </p:cNvPr>
+              <p:cNvSpPr/>
+              <p:nvPr/>
+            </p:nvSpPr>
+            <p:spPr>
+              <a:xfrm>
+                <a:off x="1141269" y="1781052"/>
+                <a:ext cx="836644" cy="836644"/>
+              </a:xfrm>
+              <a:prstGeom prst="foldedCorner">
+                <a:avLst>
+                  <a:gd name="adj" fmla="val 20715"/>
+                </a:avLst>
+              </a:prstGeom>
+              <a:solidFill>
+                <a:schemeClr val="bg1"/>
+              </a:solidFill>
+              <a:ln>
+                <a:solidFill>
+                  <a:schemeClr val="tx1"/>
+                </a:solidFill>
+              </a:ln>
+            </p:spPr>
+            <p:style>
+              <a:lnRef idx="2">
+                <a:schemeClr val="accent1">
+                  <a:shade val="50000"/>
+                </a:schemeClr>
+              </a:lnRef>
+              <a:fillRef idx="1">
+                <a:schemeClr val="accent1"/>
+              </a:fillRef>
+              <a:effectRef idx="0">
+                <a:schemeClr val="accent1"/>
+              </a:effectRef>
+              <a:fontRef idx="minor">
+                <a:schemeClr val="lt1"/>
+              </a:fontRef>
+            </p:style>
+            <p:txBody>
+              <a:bodyPr rtlCol="0" anchor="ctr"/>
+              <a:lstStyle/>
+              <a:p>
+                <a:pPr algn="ctr"/>
+                <a:endParaRPr kumimoji="1" lang="ja-JP" altLang="en-US"/>
+              </a:p>
+            </p:txBody>
+          </p:sp>
+          <p:cxnSp>
+            <p:nvCxnSpPr>
+              <p:cNvPr id="57" name="直線コネクタ 56">
+                <a:extLst>
+                  <a:ext uri="{FF2B5EF4-FFF2-40B4-BE49-F238E27FC236}">
+                    <a16:creationId xmlns:a16="http://schemas.microsoft.com/office/drawing/2014/main" id="{7DFE2E77-576E-A245-B80B-45D059C8AE99}"/>
+                  </a:ext>
+                </a:extLst>
+              </p:cNvPr>
+              <p:cNvCxnSpPr/>
+              <p:nvPr/>
+            </p:nvCxnSpPr>
+            <p:spPr>
+              <a:xfrm>
+                <a:off x="1310770" y="2000250"/>
+                <a:ext cx="497973" cy="0"/>
+              </a:xfrm>
+              <a:prstGeom prst="line">
+                <a:avLst/>
+              </a:prstGeom>
+              <a:ln w="12700">
+                <a:solidFill>
+                  <a:schemeClr val="tx1"/>
+                </a:solidFill>
+              </a:ln>
+            </p:spPr>
+            <p:style>
+              <a:lnRef idx="1">
+                <a:schemeClr val="accent1"/>
+              </a:lnRef>
+              <a:fillRef idx="0">
+                <a:schemeClr val="accent1"/>
+              </a:fillRef>
+              <a:effectRef idx="0">
+                <a:schemeClr val="accent1"/>
+              </a:effectRef>
+              <a:fontRef idx="minor">
+                <a:schemeClr val="tx1"/>
+              </a:fontRef>
+            </p:style>
+          </p:cxnSp>
+          <p:cxnSp>
+            <p:nvCxnSpPr>
+              <p:cNvPr id="58" name="直線コネクタ 57">
+                <a:extLst>
+                  <a:ext uri="{FF2B5EF4-FFF2-40B4-BE49-F238E27FC236}">
+                    <a16:creationId xmlns:a16="http://schemas.microsoft.com/office/drawing/2014/main" id="{CEEB35FF-6E35-6D41-B730-2FC6BC497403}"/>
+                  </a:ext>
+                </a:extLst>
+              </p:cNvPr>
+              <p:cNvCxnSpPr/>
+              <p:nvPr/>
+            </p:nvCxnSpPr>
+            <p:spPr>
+              <a:xfrm>
+                <a:off x="1310770" y="2162175"/>
+                <a:ext cx="497973" cy="0"/>
+              </a:xfrm>
+              <a:prstGeom prst="line">
+                <a:avLst/>
+              </a:prstGeom>
+              <a:ln w="12700">
+                <a:solidFill>
+                  <a:schemeClr val="tx1"/>
+                </a:solidFill>
+              </a:ln>
+            </p:spPr>
+            <p:style>
+              <a:lnRef idx="1">
+                <a:schemeClr val="accent1"/>
+              </a:lnRef>
+              <a:fillRef idx="0">
+                <a:schemeClr val="accent1"/>
+              </a:fillRef>
+              <a:effectRef idx="0">
+                <a:schemeClr val="accent1"/>
+              </a:effectRef>
+              <a:fontRef idx="minor">
+                <a:schemeClr val="tx1"/>
+              </a:fontRef>
+            </p:style>
+          </p:cxnSp>
+          <p:cxnSp>
+            <p:nvCxnSpPr>
+              <p:cNvPr id="59" name="直線コネクタ 58">
+                <a:extLst>
+                  <a:ext uri="{FF2B5EF4-FFF2-40B4-BE49-F238E27FC236}">
+                    <a16:creationId xmlns:a16="http://schemas.microsoft.com/office/drawing/2014/main" id="{0CD0C561-4B61-A642-86E1-0DACF9EFBCF1}"/>
+                  </a:ext>
+                </a:extLst>
+              </p:cNvPr>
+              <p:cNvCxnSpPr/>
+              <p:nvPr/>
+            </p:nvCxnSpPr>
+            <p:spPr>
+              <a:xfrm>
+                <a:off x="1310604" y="2327275"/>
+                <a:ext cx="497973" cy="0"/>
+              </a:xfrm>
+              <a:prstGeom prst="line">
+                <a:avLst/>
+              </a:prstGeom>
+              <a:ln w="12700">
+                <a:solidFill>
+                  <a:schemeClr val="tx1"/>
+                </a:solidFill>
+              </a:ln>
+            </p:spPr>
+            <p:style>
+              <a:lnRef idx="1">
+                <a:schemeClr val="accent1"/>
+              </a:lnRef>
+              <a:fillRef idx="0">
+                <a:schemeClr val="accent1"/>
+              </a:fillRef>
+              <a:effectRef idx="0">
+                <a:schemeClr val="accent1"/>
+              </a:effectRef>
+              <a:fontRef idx="minor">
+                <a:schemeClr val="tx1"/>
+              </a:fontRef>
+            </p:style>
+          </p:cxnSp>
+        </p:grpSp>
+        <p:grpSp>
+          <p:nvGrpSpPr>
+            <p:cNvPr id="51" name="グループ化 50">
+              <a:extLst>
+                <a:ext uri="{FF2B5EF4-FFF2-40B4-BE49-F238E27FC236}">
+                  <a16:creationId xmlns:a16="http://schemas.microsoft.com/office/drawing/2014/main" id="{FE203224-0EDF-7540-931B-C89BA8056687}"/>
+                </a:ext>
+              </a:extLst>
+            </p:cNvPr>
+            <p:cNvGrpSpPr/>
+            <p:nvPr/>
+          </p:nvGrpSpPr>
+          <p:grpSpPr>
+            <a:xfrm>
+              <a:off x="2134200" y="3148598"/>
+              <a:ext cx="501780" cy="596021"/>
+              <a:chOff x="1141269" y="1781052"/>
+              <a:chExt cx="836644" cy="836644"/>
+            </a:xfrm>
+          </p:grpSpPr>
+          <p:sp>
+            <p:nvSpPr>
+              <p:cNvPr id="52" name="メモ 51">
+                <a:extLst>
+                  <a:ext uri="{FF2B5EF4-FFF2-40B4-BE49-F238E27FC236}">
+                    <a16:creationId xmlns:a16="http://schemas.microsoft.com/office/drawing/2014/main" id="{A70A0FA3-C4F4-7F49-9619-52CDCA666012}"/>
+                  </a:ext>
+                </a:extLst>
+              </p:cNvPr>
+              <p:cNvSpPr/>
+              <p:nvPr/>
+            </p:nvSpPr>
+            <p:spPr>
+              <a:xfrm>
+                <a:off x="1141269" y="1781052"/>
+                <a:ext cx="836644" cy="836644"/>
+              </a:xfrm>
+              <a:prstGeom prst="foldedCorner">
+                <a:avLst>
+                  <a:gd name="adj" fmla="val 20715"/>
+                </a:avLst>
+              </a:prstGeom>
+              <a:solidFill>
+                <a:schemeClr val="bg1"/>
+              </a:solidFill>
+              <a:ln>
+                <a:solidFill>
+                  <a:schemeClr val="tx1"/>
+                </a:solidFill>
+              </a:ln>
+            </p:spPr>
+            <p:style>
+              <a:lnRef idx="2">
+                <a:schemeClr val="accent1">
+                  <a:shade val="50000"/>
+                </a:schemeClr>
+              </a:lnRef>
+              <a:fillRef idx="1">
+                <a:schemeClr val="accent1"/>
+              </a:fillRef>
+              <a:effectRef idx="0">
+                <a:schemeClr val="accent1"/>
+              </a:effectRef>
+              <a:fontRef idx="minor">
+                <a:schemeClr val="lt1"/>
+              </a:fontRef>
+            </p:style>
+            <p:txBody>
+              <a:bodyPr rtlCol="0" anchor="ctr"/>
+              <a:lstStyle/>
+              <a:p>
+                <a:pPr algn="ctr"/>
+                <a:endParaRPr kumimoji="1" lang="ja-JP" altLang="en-US"/>
+              </a:p>
+            </p:txBody>
+          </p:sp>
+          <p:cxnSp>
+            <p:nvCxnSpPr>
+              <p:cNvPr id="53" name="直線コネクタ 52">
+                <a:extLst>
+                  <a:ext uri="{FF2B5EF4-FFF2-40B4-BE49-F238E27FC236}">
+                    <a16:creationId xmlns:a16="http://schemas.microsoft.com/office/drawing/2014/main" id="{07691AE8-F49C-1D43-8EE3-C15EFC0888D9}"/>
+                  </a:ext>
+                </a:extLst>
+              </p:cNvPr>
+              <p:cNvCxnSpPr/>
+              <p:nvPr/>
+            </p:nvCxnSpPr>
+            <p:spPr>
+              <a:xfrm>
+                <a:off x="1310770" y="2000250"/>
+                <a:ext cx="497973" cy="0"/>
+              </a:xfrm>
+              <a:prstGeom prst="line">
+                <a:avLst/>
+              </a:prstGeom>
+              <a:ln w="12700">
+                <a:solidFill>
+                  <a:schemeClr val="tx1"/>
+                </a:solidFill>
+              </a:ln>
+            </p:spPr>
+            <p:style>
+              <a:lnRef idx="1">
+                <a:schemeClr val="accent1"/>
+              </a:lnRef>
+              <a:fillRef idx="0">
+                <a:schemeClr val="accent1"/>
+              </a:fillRef>
+              <a:effectRef idx="0">
+                <a:schemeClr val="accent1"/>
+              </a:effectRef>
+              <a:fontRef idx="minor">
+                <a:schemeClr val="tx1"/>
+              </a:fontRef>
+            </p:style>
+          </p:cxnSp>
+          <p:cxnSp>
+            <p:nvCxnSpPr>
+              <p:cNvPr id="54" name="直線コネクタ 53">
+                <a:extLst>
+                  <a:ext uri="{FF2B5EF4-FFF2-40B4-BE49-F238E27FC236}">
+                    <a16:creationId xmlns:a16="http://schemas.microsoft.com/office/drawing/2014/main" id="{F74757B7-2C56-484A-B459-CF25C08D0A8D}"/>
+                  </a:ext>
+                </a:extLst>
+              </p:cNvPr>
+              <p:cNvCxnSpPr/>
+              <p:nvPr/>
+            </p:nvCxnSpPr>
+            <p:spPr>
+              <a:xfrm>
+                <a:off x="1310770" y="2162175"/>
+                <a:ext cx="497973" cy="0"/>
+              </a:xfrm>
+              <a:prstGeom prst="line">
+                <a:avLst/>
+              </a:prstGeom>
+              <a:ln w="12700">
+                <a:solidFill>
+                  <a:schemeClr val="tx1"/>
+                </a:solidFill>
+              </a:ln>
+            </p:spPr>
+            <p:style>
+              <a:lnRef idx="1">
+                <a:schemeClr val="accent1"/>
+              </a:lnRef>
+              <a:fillRef idx="0">
+                <a:schemeClr val="accent1"/>
+              </a:fillRef>
+              <a:effectRef idx="0">
+                <a:schemeClr val="accent1"/>
+              </a:effectRef>
+              <a:fontRef idx="minor">
+                <a:schemeClr val="tx1"/>
+              </a:fontRef>
+            </p:style>
+          </p:cxnSp>
+          <p:cxnSp>
+            <p:nvCxnSpPr>
+              <p:cNvPr id="55" name="直線コネクタ 54">
+                <a:extLst>
+                  <a:ext uri="{FF2B5EF4-FFF2-40B4-BE49-F238E27FC236}">
+                    <a16:creationId xmlns:a16="http://schemas.microsoft.com/office/drawing/2014/main" id="{BC6E4985-BD1C-184F-97BD-C583DF3F4ECC}"/>
+                  </a:ext>
+                </a:extLst>
+              </p:cNvPr>
+              <p:cNvCxnSpPr/>
+              <p:nvPr/>
+            </p:nvCxnSpPr>
+            <p:spPr>
+              <a:xfrm>
+                <a:off x="1310604" y="2327275"/>
+                <a:ext cx="497973" cy="0"/>
+              </a:xfrm>
+              <a:prstGeom prst="line">
+                <a:avLst/>
+              </a:prstGeom>
+              <a:ln w="12700">
+                <a:solidFill>
+                  <a:schemeClr val="tx1"/>
+                </a:solidFill>
+              </a:ln>
+            </p:spPr>
+            <p:style>
+              <a:lnRef idx="1">
+                <a:schemeClr val="accent1"/>
+              </a:lnRef>
+              <a:fillRef idx="0">
+                <a:schemeClr val="accent1"/>
+              </a:fillRef>
+              <a:effectRef idx="0">
+                <a:schemeClr val="accent1"/>
+              </a:effectRef>
+              <a:fontRef idx="minor">
+                <a:schemeClr val="tx1"/>
+              </a:fontRef>
+            </p:style>
+          </p:cxnSp>
+        </p:grpSp>
+      </p:grpSp>
+      <p:grpSp>
+        <p:nvGrpSpPr>
+          <p:cNvPr id="64" name="グループ化 63">
+            <a:extLst>
+              <a:ext uri="{FF2B5EF4-FFF2-40B4-BE49-F238E27FC236}">
+                <a16:creationId xmlns:a16="http://schemas.microsoft.com/office/drawing/2014/main" id="{0C9B9A2F-025D-524B-8D1C-8CC199616345}"/>
+              </a:ext>
+            </a:extLst>
+          </p:cNvPr>
+          <p:cNvGrpSpPr/>
+          <p:nvPr/>
+        </p:nvGrpSpPr>
+        <p:grpSpPr>
+          <a:xfrm>
+            <a:off x="2981759" y="2512138"/>
+            <a:ext cx="2878028" cy="2319866"/>
+            <a:chOff x="1400675" y="1626807"/>
+            <a:chExt cx="2878028" cy="2319866"/>
+          </a:xfrm>
+        </p:grpSpPr>
+        <p:sp>
+          <p:nvSpPr>
+            <p:cNvPr id="65" name="正方形/長方形 64">
+              <a:extLst>
+                <a:ext uri="{FF2B5EF4-FFF2-40B4-BE49-F238E27FC236}">
+                  <a16:creationId xmlns:a16="http://schemas.microsoft.com/office/drawing/2014/main" id="{F09E2FBE-B799-9541-8217-64F211D74D9D}"/>
+                </a:ext>
+              </a:extLst>
+            </p:cNvPr>
+            <p:cNvSpPr/>
+            <p:nvPr/>
+          </p:nvSpPr>
+          <p:spPr>
+            <a:xfrm>
+              <a:off x="1400675" y="1626807"/>
+              <a:ext cx="2878028" cy="2319866"/>
+            </a:xfrm>
+            <a:prstGeom prst="rect">
+              <a:avLst/>
+            </a:prstGeom>
+            <a:solidFill>
+              <a:schemeClr val="bg1"/>
+            </a:solidFill>
+            <a:ln>
+              <a:solidFill>
+                <a:schemeClr val="tx1"/>
+              </a:solidFill>
+            </a:ln>
+          </p:spPr>
+          <p:style>
+            <a:lnRef idx="2">
+              <a:schemeClr val="accent1">
+                <a:shade val="50000"/>
+              </a:schemeClr>
+            </a:lnRef>
+            <a:fillRef idx="1">
+              <a:schemeClr val="accent1"/>
+            </a:fillRef>
+            <a:effectRef idx="0">
+              <a:schemeClr val="accent1"/>
+            </a:effectRef>
+            <a:fontRef idx="minor">
+              <a:schemeClr val="lt1"/>
+            </a:fontRef>
+          </p:style>
+          <p:txBody>
+            <a:bodyPr rtlCol="0" anchor="ctr"/>
+            <a:lstStyle/>
+            <a:p>
+              <a:pPr algn="ctr"/>
+              <a:endParaRPr kumimoji="1" lang="ja-JP" altLang="en-US"/>
+            </a:p>
+          </p:txBody>
+        </p:sp>
+        <p:pic>
+          <p:nvPicPr>
+            <p:cNvPr id="66" name="図 65">
+              <a:extLst>
+                <a:ext uri="{FF2B5EF4-FFF2-40B4-BE49-F238E27FC236}">
+                  <a16:creationId xmlns:a16="http://schemas.microsoft.com/office/drawing/2014/main" id="{A8418844-69CC-DA46-B032-A4974C030A3E}"/>
+                </a:ext>
+              </a:extLst>
+            </p:cNvPr>
+            <p:cNvPicPr>
+              <a:picLocks noChangeAspect="1"/>
+            </p:cNvPicPr>
+            <p:nvPr/>
+          </p:nvPicPr>
+          <p:blipFill>
+            <a:blip r:embed="rId2"/>
+            <a:stretch>
+              <a:fillRect/>
+            </a:stretch>
+          </p:blipFill>
+          <p:spPr>
+            <a:xfrm>
+              <a:off x="1468406" y="1711472"/>
+              <a:ext cx="995945" cy="948966"/>
+            </a:xfrm>
+            <a:prstGeom prst="rect">
+              <a:avLst/>
+            </a:prstGeom>
+          </p:spPr>
+        </p:pic>
+        <p:pic>
+          <p:nvPicPr>
+            <p:cNvPr id="67" name="Picture 4" descr="フォルダのアイコン ふぉるだのあいこん - ico,png,icns,無料の ...">
+              <a:extLst>
+                <a:ext uri="{FF2B5EF4-FFF2-40B4-BE49-F238E27FC236}">
+                  <a16:creationId xmlns:a16="http://schemas.microsoft.com/office/drawing/2014/main" id="{DEEF9338-8660-494E-A6D6-925326DE15CF}"/>
+                </a:ext>
+              </a:extLst>
+            </p:cNvPr>
+            <p:cNvPicPr>
+              <a:picLocks noChangeAspect="1" noChangeArrowheads="1"/>
+            </p:cNvPicPr>
+            <p:nvPr/>
+          </p:nvPicPr>
+          <p:blipFill>
+            <a:blip r:embed="rId3">
+              <a:extLst>
+                <a:ext uri="{28A0092B-C50C-407E-A947-70E740481C1C}">
+                  <a14:useLocalDpi xmlns:a14="http://schemas.microsoft.com/office/drawing/2010/main" val="0"/>
+                </a:ext>
+              </a:extLst>
+            </a:blip>
+            <a:srcRect/>
+            <a:stretch>
+              <a:fillRect/>
+            </a:stretch>
+          </p:blipFill>
+          <p:spPr bwMode="auto">
+            <a:xfrm>
+              <a:off x="3029724" y="1823794"/>
+              <a:ext cx="836644" cy="836644"/>
+            </a:xfrm>
+            <a:prstGeom prst="rect">
+              <a:avLst/>
+            </a:prstGeom>
+            <a:noFill/>
+            <a:extLst>
+              <a:ext uri="{909E8E84-426E-40DD-AFC4-6F175D3DCCD1}">
+                <a14:hiddenFill xmlns:a14="http://schemas.microsoft.com/office/drawing/2010/main">
+                  <a:solidFill>
+                    <a:srgbClr val="FFFFFF"/>
+                  </a:solidFill>
+                </a14:hiddenFill>
+              </a:ext>
+            </a:extLst>
+          </p:spPr>
+        </p:pic>
+        <p:pic>
+          <p:nvPicPr>
+            <p:cNvPr id="68" name="Picture 4" descr="フォルダのアイコン ふぉるだのあいこん - ico,png,icns,無料の ...">
+              <a:extLst>
+                <a:ext uri="{FF2B5EF4-FFF2-40B4-BE49-F238E27FC236}">
+                  <a16:creationId xmlns:a16="http://schemas.microsoft.com/office/drawing/2014/main" id="{42CEC5A3-3150-6445-A807-E7FD67833F04}"/>
+                </a:ext>
+              </a:extLst>
+            </p:cNvPr>
+            <p:cNvPicPr>
+              <a:picLocks noChangeAspect="1" noChangeArrowheads="1"/>
+            </p:cNvPicPr>
+            <p:nvPr/>
+          </p:nvPicPr>
+          <p:blipFill>
+            <a:blip r:embed="rId3">
+              <a:extLst>
+                <a:ext uri="{28A0092B-C50C-407E-A947-70E740481C1C}">
+                  <a14:useLocalDpi xmlns:a14="http://schemas.microsoft.com/office/drawing/2010/main" val="0"/>
+                </a:ext>
+              </a:extLst>
+            </a:blip>
+            <a:srcRect/>
+            <a:stretch>
+              <a:fillRect/>
+            </a:stretch>
+          </p:blipFill>
+          <p:spPr bwMode="auto">
+            <a:xfrm>
+              <a:off x="3029724" y="2803285"/>
+              <a:ext cx="836644" cy="836644"/>
+            </a:xfrm>
+            <a:prstGeom prst="rect">
+              <a:avLst/>
+            </a:prstGeom>
+            <a:noFill/>
+            <a:extLst>
+              <a:ext uri="{909E8E84-426E-40DD-AFC4-6F175D3DCCD1}">
+                <a14:hiddenFill xmlns:a14="http://schemas.microsoft.com/office/drawing/2010/main">
+                  <a:solidFill>
+                    <a:srgbClr val="FFFFFF"/>
+                  </a:solidFill>
+                </a14:hiddenFill>
+              </a:ext>
+            </a:extLst>
+          </p:spPr>
+        </p:pic>
+        <p:grpSp>
+          <p:nvGrpSpPr>
+            <p:cNvPr id="69" name="グループ化 68">
+              <a:extLst>
+                <a:ext uri="{FF2B5EF4-FFF2-40B4-BE49-F238E27FC236}">
+                  <a16:creationId xmlns:a16="http://schemas.microsoft.com/office/drawing/2014/main" id="{0C219AA5-1DD6-E246-A6DA-18FF2FA9826E}"/>
+                </a:ext>
+              </a:extLst>
+            </p:cNvPr>
+            <p:cNvGrpSpPr/>
+            <p:nvPr/>
+          </p:nvGrpSpPr>
+          <p:grpSpPr>
+            <a:xfrm>
+              <a:off x="1622364" y="2843798"/>
+              <a:ext cx="501780" cy="596021"/>
+              <a:chOff x="1141269" y="1781052"/>
+              <a:chExt cx="836644" cy="836644"/>
+            </a:xfrm>
+          </p:grpSpPr>
+          <p:sp>
+            <p:nvSpPr>
+              <p:cNvPr id="80" name="メモ 79">
+                <a:extLst>
+                  <a:ext uri="{FF2B5EF4-FFF2-40B4-BE49-F238E27FC236}">
+                    <a16:creationId xmlns:a16="http://schemas.microsoft.com/office/drawing/2014/main" id="{5282DEEF-58B3-964C-9672-7B5B9AB19114}"/>
+                  </a:ext>
+                </a:extLst>
+              </p:cNvPr>
+              <p:cNvSpPr/>
+              <p:nvPr/>
+            </p:nvSpPr>
+            <p:spPr>
+              <a:xfrm>
+                <a:off x="1141269" y="1781052"/>
+                <a:ext cx="836644" cy="836644"/>
+              </a:xfrm>
+              <a:prstGeom prst="foldedCorner">
+                <a:avLst>
+                  <a:gd name="adj" fmla="val 20715"/>
+                </a:avLst>
+              </a:prstGeom>
+              <a:solidFill>
+                <a:schemeClr val="bg1"/>
+              </a:solidFill>
+              <a:ln>
+                <a:solidFill>
+                  <a:schemeClr val="tx1"/>
+                </a:solidFill>
+              </a:ln>
+            </p:spPr>
+            <p:style>
+              <a:lnRef idx="2">
+                <a:schemeClr val="accent1">
+                  <a:shade val="50000"/>
+                </a:schemeClr>
+              </a:lnRef>
+              <a:fillRef idx="1">
+                <a:schemeClr val="accent1"/>
+              </a:fillRef>
+              <a:effectRef idx="0">
+                <a:schemeClr val="accent1"/>
+              </a:effectRef>
+              <a:fontRef idx="minor">
+                <a:schemeClr val="lt1"/>
+              </a:fontRef>
+            </p:style>
+            <p:txBody>
+              <a:bodyPr rtlCol="0" anchor="ctr"/>
+              <a:lstStyle/>
+              <a:p>
+                <a:pPr algn="ctr"/>
+                <a:endParaRPr kumimoji="1" lang="ja-JP" altLang="en-US"/>
+              </a:p>
+            </p:txBody>
+          </p:sp>
+          <p:cxnSp>
+            <p:nvCxnSpPr>
+              <p:cNvPr id="81" name="直線コネクタ 80">
+                <a:extLst>
+                  <a:ext uri="{FF2B5EF4-FFF2-40B4-BE49-F238E27FC236}">
+                    <a16:creationId xmlns:a16="http://schemas.microsoft.com/office/drawing/2014/main" id="{B288D789-9FD9-F34A-B6F2-992411C3D2EE}"/>
+                  </a:ext>
+                </a:extLst>
+              </p:cNvPr>
+              <p:cNvCxnSpPr/>
+              <p:nvPr/>
+            </p:nvCxnSpPr>
+            <p:spPr>
+              <a:xfrm>
+                <a:off x="1310770" y="2000250"/>
+                <a:ext cx="497973" cy="0"/>
+              </a:xfrm>
+              <a:prstGeom prst="line">
+                <a:avLst/>
+              </a:prstGeom>
+              <a:ln w="12700">
+                <a:solidFill>
+                  <a:schemeClr val="tx1"/>
+                </a:solidFill>
+              </a:ln>
+            </p:spPr>
+            <p:style>
+              <a:lnRef idx="1">
+                <a:schemeClr val="accent1"/>
+              </a:lnRef>
+              <a:fillRef idx="0">
+                <a:schemeClr val="accent1"/>
+              </a:fillRef>
+              <a:effectRef idx="0">
+                <a:schemeClr val="accent1"/>
+              </a:effectRef>
+              <a:fontRef idx="minor">
+                <a:schemeClr val="tx1"/>
+              </a:fontRef>
+            </p:style>
+          </p:cxnSp>
+          <p:cxnSp>
+            <p:nvCxnSpPr>
+              <p:cNvPr id="82" name="直線コネクタ 81">
+                <a:extLst>
+                  <a:ext uri="{FF2B5EF4-FFF2-40B4-BE49-F238E27FC236}">
+                    <a16:creationId xmlns:a16="http://schemas.microsoft.com/office/drawing/2014/main" id="{31867682-9AC3-124C-94C3-EE466E58C5BC}"/>
+                  </a:ext>
+                </a:extLst>
+              </p:cNvPr>
+              <p:cNvCxnSpPr/>
+              <p:nvPr/>
+            </p:nvCxnSpPr>
+            <p:spPr>
+              <a:xfrm>
+                <a:off x="1310770" y="2162175"/>
+                <a:ext cx="497973" cy="0"/>
+              </a:xfrm>
+              <a:prstGeom prst="line">
+                <a:avLst/>
+              </a:prstGeom>
+              <a:ln w="12700">
+                <a:solidFill>
+                  <a:schemeClr val="tx1"/>
+                </a:solidFill>
+              </a:ln>
+            </p:spPr>
+            <p:style>
+              <a:lnRef idx="1">
+                <a:schemeClr val="accent1"/>
+              </a:lnRef>
+              <a:fillRef idx="0">
+                <a:schemeClr val="accent1"/>
+              </a:fillRef>
+              <a:effectRef idx="0">
+                <a:schemeClr val="accent1"/>
+              </a:effectRef>
+              <a:fontRef idx="minor">
+                <a:schemeClr val="tx1"/>
+              </a:fontRef>
+            </p:style>
+          </p:cxnSp>
+          <p:cxnSp>
+            <p:nvCxnSpPr>
+              <p:cNvPr id="83" name="直線コネクタ 82">
+                <a:extLst>
+                  <a:ext uri="{FF2B5EF4-FFF2-40B4-BE49-F238E27FC236}">
+                    <a16:creationId xmlns:a16="http://schemas.microsoft.com/office/drawing/2014/main" id="{E5D8D4FE-6BB1-F84D-9757-CC21975390AC}"/>
+                  </a:ext>
+                </a:extLst>
+              </p:cNvPr>
+              <p:cNvCxnSpPr/>
+              <p:nvPr/>
+            </p:nvCxnSpPr>
+            <p:spPr>
+              <a:xfrm>
+                <a:off x="1310604" y="2327275"/>
+                <a:ext cx="497973" cy="0"/>
+              </a:xfrm>
+              <a:prstGeom prst="line">
+                <a:avLst/>
+              </a:prstGeom>
+              <a:ln w="12700">
+                <a:solidFill>
+                  <a:schemeClr val="tx1"/>
+                </a:solidFill>
+              </a:ln>
+            </p:spPr>
+            <p:style>
+              <a:lnRef idx="1">
+                <a:schemeClr val="accent1"/>
+              </a:lnRef>
+              <a:fillRef idx="0">
+                <a:schemeClr val="accent1"/>
+              </a:fillRef>
+              <a:effectRef idx="0">
+                <a:schemeClr val="accent1"/>
+              </a:effectRef>
+              <a:fontRef idx="minor">
+                <a:schemeClr val="tx1"/>
+              </a:fontRef>
+            </p:style>
+          </p:cxnSp>
+        </p:grpSp>
+        <p:grpSp>
+          <p:nvGrpSpPr>
+            <p:cNvPr id="70" name="グループ化 69">
+              <a:extLst>
+                <a:ext uri="{FF2B5EF4-FFF2-40B4-BE49-F238E27FC236}">
+                  <a16:creationId xmlns:a16="http://schemas.microsoft.com/office/drawing/2014/main" id="{FF3B1798-B9AB-BD44-87CB-36C1AA0A08C3}"/>
+                </a:ext>
+              </a:extLst>
+            </p:cNvPr>
+            <p:cNvGrpSpPr/>
+            <p:nvPr/>
+          </p:nvGrpSpPr>
+          <p:grpSpPr>
+            <a:xfrm>
+              <a:off x="1878282" y="2996198"/>
+              <a:ext cx="501780" cy="596021"/>
+              <a:chOff x="1141269" y="1781052"/>
+              <a:chExt cx="836644" cy="836644"/>
+            </a:xfrm>
+          </p:grpSpPr>
+          <p:sp>
+            <p:nvSpPr>
+              <p:cNvPr id="76" name="メモ 75">
+                <a:extLst>
+                  <a:ext uri="{FF2B5EF4-FFF2-40B4-BE49-F238E27FC236}">
+                    <a16:creationId xmlns:a16="http://schemas.microsoft.com/office/drawing/2014/main" id="{1DDD9D15-E43B-2F44-B4A7-F081C0C62716}"/>
+                  </a:ext>
+                </a:extLst>
+              </p:cNvPr>
+              <p:cNvSpPr/>
+              <p:nvPr/>
+            </p:nvSpPr>
+            <p:spPr>
+              <a:xfrm>
+                <a:off x="1141269" y="1781052"/>
+                <a:ext cx="836644" cy="836644"/>
+              </a:xfrm>
+              <a:prstGeom prst="foldedCorner">
+                <a:avLst>
+                  <a:gd name="adj" fmla="val 20715"/>
+                </a:avLst>
+              </a:prstGeom>
+              <a:solidFill>
+                <a:schemeClr val="bg1"/>
+              </a:solidFill>
+              <a:ln>
+                <a:solidFill>
+                  <a:schemeClr val="tx1"/>
+                </a:solidFill>
+              </a:ln>
+            </p:spPr>
+            <p:style>
+              <a:lnRef idx="2">
+                <a:schemeClr val="accent1">
+                  <a:shade val="50000"/>
+                </a:schemeClr>
+              </a:lnRef>
+              <a:fillRef idx="1">
+                <a:schemeClr val="accent1"/>
+              </a:fillRef>
+              <a:effectRef idx="0">
+                <a:schemeClr val="accent1"/>
+              </a:effectRef>
+              <a:fontRef idx="minor">
+                <a:schemeClr val="lt1"/>
+              </a:fontRef>
+            </p:style>
+            <p:txBody>
+              <a:bodyPr rtlCol="0" anchor="ctr"/>
+              <a:lstStyle/>
+              <a:p>
+                <a:pPr algn="ctr"/>
+                <a:endParaRPr kumimoji="1" lang="ja-JP" altLang="en-US"/>
+              </a:p>
+            </p:txBody>
+          </p:sp>
+          <p:cxnSp>
+            <p:nvCxnSpPr>
+              <p:cNvPr id="77" name="直線コネクタ 76">
+                <a:extLst>
+                  <a:ext uri="{FF2B5EF4-FFF2-40B4-BE49-F238E27FC236}">
+                    <a16:creationId xmlns:a16="http://schemas.microsoft.com/office/drawing/2014/main" id="{F8F79C4B-ABD8-BA4F-A38B-174D3389D7AD}"/>
+                  </a:ext>
+                </a:extLst>
+              </p:cNvPr>
+              <p:cNvCxnSpPr/>
+              <p:nvPr/>
+            </p:nvCxnSpPr>
+            <p:spPr>
+              <a:xfrm>
+                <a:off x="1310770" y="2000250"/>
+                <a:ext cx="497973" cy="0"/>
+              </a:xfrm>
+              <a:prstGeom prst="line">
+                <a:avLst/>
+              </a:prstGeom>
+              <a:ln w="12700">
+                <a:solidFill>
+                  <a:schemeClr val="tx1"/>
+                </a:solidFill>
+              </a:ln>
+            </p:spPr>
+            <p:style>
+              <a:lnRef idx="1">
+                <a:schemeClr val="accent1"/>
+              </a:lnRef>
+              <a:fillRef idx="0">
+                <a:schemeClr val="accent1"/>
+              </a:fillRef>
+              <a:effectRef idx="0">
+                <a:schemeClr val="accent1"/>
+              </a:effectRef>
+              <a:fontRef idx="minor">
+                <a:schemeClr val="tx1"/>
+              </a:fontRef>
+            </p:style>
+          </p:cxnSp>
+          <p:cxnSp>
+            <p:nvCxnSpPr>
+              <p:cNvPr id="78" name="直線コネクタ 77">
+                <a:extLst>
+                  <a:ext uri="{FF2B5EF4-FFF2-40B4-BE49-F238E27FC236}">
+                    <a16:creationId xmlns:a16="http://schemas.microsoft.com/office/drawing/2014/main" id="{B9846623-2714-FE46-BF63-1F133600BD0E}"/>
+                  </a:ext>
+                </a:extLst>
+              </p:cNvPr>
+              <p:cNvCxnSpPr/>
+              <p:nvPr/>
+            </p:nvCxnSpPr>
+            <p:spPr>
+              <a:xfrm>
+                <a:off x="1310770" y="2162175"/>
+                <a:ext cx="497973" cy="0"/>
+              </a:xfrm>
+              <a:prstGeom prst="line">
+                <a:avLst/>
+              </a:prstGeom>
+              <a:ln w="12700">
+                <a:solidFill>
+                  <a:schemeClr val="tx1"/>
+                </a:solidFill>
+              </a:ln>
+            </p:spPr>
+            <p:style>
+              <a:lnRef idx="1">
+                <a:schemeClr val="accent1"/>
+              </a:lnRef>
+              <a:fillRef idx="0">
+                <a:schemeClr val="accent1"/>
+              </a:fillRef>
+              <a:effectRef idx="0">
+                <a:schemeClr val="accent1"/>
+              </a:effectRef>
+              <a:fontRef idx="minor">
+                <a:schemeClr val="tx1"/>
+              </a:fontRef>
+            </p:style>
+          </p:cxnSp>
+          <p:cxnSp>
+            <p:nvCxnSpPr>
+              <p:cNvPr id="79" name="直線コネクタ 78">
+                <a:extLst>
+                  <a:ext uri="{FF2B5EF4-FFF2-40B4-BE49-F238E27FC236}">
+                    <a16:creationId xmlns:a16="http://schemas.microsoft.com/office/drawing/2014/main" id="{92307D88-6041-A047-9275-353C6B89B6E9}"/>
+                  </a:ext>
+                </a:extLst>
+              </p:cNvPr>
+              <p:cNvCxnSpPr/>
+              <p:nvPr/>
+            </p:nvCxnSpPr>
+            <p:spPr>
+              <a:xfrm>
+                <a:off x="1310604" y="2327275"/>
+                <a:ext cx="497973" cy="0"/>
+              </a:xfrm>
+              <a:prstGeom prst="line">
+                <a:avLst/>
+              </a:prstGeom>
+              <a:ln w="12700">
+                <a:solidFill>
+                  <a:schemeClr val="tx1"/>
+                </a:solidFill>
+              </a:ln>
+            </p:spPr>
+            <p:style>
+              <a:lnRef idx="1">
+                <a:schemeClr val="accent1"/>
+              </a:lnRef>
+              <a:fillRef idx="0">
+                <a:schemeClr val="accent1"/>
+              </a:fillRef>
+              <a:effectRef idx="0">
+                <a:schemeClr val="accent1"/>
+              </a:effectRef>
+              <a:fontRef idx="minor">
+                <a:schemeClr val="tx1"/>
+              </a:fontRef>
+            </p:style>
+          </p:cxnSp>
+        </p:grpSp>
+        <p:grpSp>
+          <p:nvGrpSpPr>
+            <p:cNvPr id="71" name="グループ化 70">
+              <a:extLst>
+                <a:ext uri="{FF2B5EF4-FFF2-40B4-BE49-F238E27FC236}">
+                  <a16:creationId xmlns:a16="http://schemas.microsoft.com/office/drawing/2014/main" id="{0605F865-09A0-424F-BFD2-0B554F6ED02F}"/>
+                </a:ext>
+              </a:extLst>
+            </p:cNvPr>
+            <p:cNvGrpSpPr/>
+            <p:nvPr/>
+          </p:nvGrpSpPr>
+          <p:grpSpPr>
+            <a:xfrm>
+              <a:off x="2134200" y="3148598"/>
+              <a:ext cx="501780" cy="596021"/>
+              <a:chOff x="1141269" y="1781052"/>
+              <a:chExt cx="836644" cy="836644"/>
+            </a:xfrm>
+          </p:grpSpPr>
+          <p:sp>
+            <p:nvSpPr>
+              <p:cNvPr id="72" name="メモ 71">
+                <a:extLst>
+                  <a:ext uri="{FF2B5EF4-FFF2-40B4-BE49-F238E27FC236}">
+                    <a16:creationId xmlns:a16="http://schemas.microsoft.com/office/drawing/2014/main" id="{EEDC1CD4-D8FC-014C-A41E-D8AD6973C1DC}"/>
+                  </a:ext>
+                </a:extLst>
+              </p:cNvPr>
+              <p:cNvSpPr/>
+              <p:nvPr/>
+            </p:nvSpPr>
+            <p:spPr>
+              <a:xfrm>
+                <a:off x="1141269" y="1781052"/>
+                <a:ext cx="836644" cy="836644"/>
+              </a:xfrm>
+              <a:prstGeom prst="foldedCorner">
+                <a:avLst>
+                  <a:gd name="adj" fmla="val 20715"/>
+                </a:avLst>
+              </a:prstGeom>
+              <a:solidFill>
+                <a:schemeClr val="bg1"/>
+              </a:solidFill>
+              <a:ln>
+                <a:solidFill>
+                  <a:schemeClr val="tx1"/>
+                </a:solidFill>
+              </a:ln>
+            </p:spPr>
+            <p:style>
+              <a:lnRef idx="2">
+                <a:schemeClr val="accent1">
+                  <a:shade val="50000"/>
+                </a:schemeClr>
+              </a:lnRef>
+              <a:fillRef idx="1">
+                <a:schemeClr val="accent1"/>
+              </a:fillRef>
+              <a:effectRef idx="0">
+                <a:schemeClr val="accent1"/>
+              </a:effectRef>
+              <a:fontRef idx="minor">
+                <a:schemeClr val="lt1"/>
+              </a:fontRef>
+            </p:style>
+            <p:txBody>
+              <a:bodyPr rtlCol="0" anchor="ctr"/>
+              <a:lstStyle/>
+              <a:p>
+                <a:pPr algn="ctr"/>
+                <a:endParaRPr kumimoji="1" lang="ja-JP" altLang="en-US"/>
+              </a:p>
+            </p:txBody>
+          </p:sp>
+          <p:cxnSp>
+            <p:nvCxnSpPr>
+              <p:cNvPr id="73" name="直線コネクタ 72">
+                <a:extLst>
+                  <a:ext uri="{FF2B5EF4-FFF2-40B4-BE49-F238E27FC236}">
+                    <a16:creationId xmlns:a16="http://schemas.microsoft.com/office/drawing/2014/main" id="{C7B82D05-61E9-034C-9D2E-171FF230ADA1}"/>
+                  </a:ext>
+                </a:extLst>
+              </p:cNvPr>
+              <p:cNvCxnSpPr/>
+              <p:nvPr/>
+            </p:nvCxnSpPr>
+            <p:spPr>
+              <a:xfrm>
+                <a:off x="1310770" y="2000250"/>
+                <a:ext cx="497973" cy="0"/>
+              </a:xfrm>
+              <a:prstGeom prst="line">
+                <a:avLst/>
+              </a:prstGeom>
+              <a:ln w="12700">
+                <a:solidFill>
+                  <a:schemeClr val="tx1"/>
+                </a:solidFill>
+              </a:ln>
+            </p:spPr>
+            <p:style>
+              <a:lnRef idx="1">
+                <a:schemeClr val="accent1"/>
+              </a:lnRef>
+              <a:fillRef idx="0">
+                <a:schemeClr val="accent1"/>
+              </a:fillRef>
+              <a:effectRef idx="0">
+                <a:schemeClr val="accent1"/>
+              </a:effectRef>
+              <a:fontRef idx="minor">
+                <a:schemeClr val="tx1"/>
+              </a:fontRef>
+            </p:style>
+          </p:cxnSp>
+          <p:cxnSp>
+            <p:nvCxnSpPr>
+              <p:cNvPr id="74" name="直線コネクタ 73">
+                <a:extLst>
+                  <a:ext uri="{FF2B5EF4-FFF2-40B4-BE49-F238E27FC236}">
+                    <a16:creationId xmlns:a16="http://schemas.microsoft.com/office/drawing/2014/main" id="{F6B571D7-9660-5C44-A500-CC810FA0F905}"/>
+                  </a:ext>
+                </a:extLst>
+              </p:cNvPr>
+              <p:cNvCxnSpPr/>
+              <p:nvPr/>
+            </p:nvCxnSpPr>
+            <p:spPr>
+              <a:xfrm>
+                <a:off x="1310770" y="2162175"/>
+                <a:ext cx="497973" cy="0"/>
+              </a:xfrm>
+              <a:prstGeom prst="line">
+                <a:avLst/>
+              </a:prstGeom>
+              <a:ln w="12700">
+                <a:solidFill>
+                  <a:schemeClr val="tx1"/>
+                </a:solidFill>
+              </a:ln>
+            </p:spPr>
+            <p:style>
+              <a:lnRef idx="1">
+                <a:schemeClr val="accent1"/>
+              </a:lnRef>
+              <a:fillRef idx="0">
+                <a:schemeClr val="accent1"/>
+              </a:fillRef>
+              <a:effectRef idx="0">
+                <a:schemeClr val="accent1"/>
+              </a:effectRef>
+              <a:fontRef idx="minor">
+                <a:schemeClr val="tx1"/>
+              </a:fontRef>
+            </p:style>
+          </p:cxnSp>
+          <p:cxnSp>
+            <p:nvCxnSpPr>
+              <p:cNvPr id="75" name="直線コネクタ 74">
+                <a:extLst>
+                  <a:ext uri="{FF2B5EF4-FFF2-40B4-BE49-F238E27FC236}">
+                    <a16:creationId xmlns:a16="http://schemas.microsoft.com/office/drawing/2014/main" id="{B34BEBF1-D826-C044-A776-8A73E02E0FE8}"/>
+                  </a:ext>
+                </a:extLst>
+              </p:cNvPr>
+              <p:cNvCxnSpPr/>
+              <p:nvPr/>
+            </p:nvCxnSpPr>
+            <p:spPr>
+              <a:xfrm>
+                <a:off x="1310604" y="2327275"/>
+                <a:ext cx="497973" cy="0"/>
+              </a:xfrm>
+              <a:prstGeom prst="line">
+                <a:avLst/>
+              </a:prstGeom>
+              <a:ln w="12700">
+                <a:solidFill>
+                  <a:schemeClr val="tx1"/>
+                </a:solidFill>
+              </a:ln>
+            </p:spPr>
+            <p:style>
+              <a:lnRef idx="1">
+                <a:schemeClr val="accent1"/>
+              </a:lnRef>
+              <a:fillRef idx="0">
+                <a:schemeClr val="accent1"/>
+              </a:fillRef>
+              <a:effectRef idx="0">
+                <a:schemeClr val="accent1"/>
+              </a:effectRef>
+              <a:fontRef idx="minor">
+                <a:schemeClr val="tx1"/>
+              </a:fontRef>
+            </p:style>
+          </p:cxnSp>
+        </p:grpSp>
+      </p:grpSp>
+      <p:grpSp>
+        <p:nvGrpSpPr>
+          <p:cNvPr id="84" name="グループ化 83">
+            <a:extLst>
+              <a:ext uri="{FF2B5EF4-FFF2-40B4-BE49-F238E27FC236}">
+                <a16:creationId xmlns:a16="http://schemas.microsoft.com/office/drawing/2014/main" id="{FEF3A21C-D5BF-E24B-8A30-9AA16C7E8B93}"/>
+              </a:ext>
+            </a:extLst>
+          </p:cNvPr>
+          <p:cNvGrpSpPr/>
+          <p:nvPr/>
+        </p:nvGrpSpPr>
+        <p:grpSpPr>
+          <a:xfrm>
+            <a:off x="3893071" y="2974428"/>
+            <a:ext cx="2878028" cy="2319866"/>
+            <a:chOff x="1400675" y="1626807"/>
+            <a:chExt cx="2878028" cy="2319866"/>
+          </a:xfrm>
+        </p:grpSpPr>
+        <p:sp>
+          <p:nvSpPr>
+            <p:cNvPr id="85" name="正方形/長方形 84">
+              <a:extLst>
+                <a:ext uri="{FF2B5EF4-FFF2-40B4-BE49-F238E27FC236}">
+                  <a16:creationId xmlns:a16="http://schemas.microsoft.com/office/drawing/2014/main" id="{2CD76D6C-B9F9-8944-AD1C-4B3FD16E0973}"/>
+                </a:ext>
+              </a:extLst>
+            </p:cNvPr>
+            <p:cNvSpPr/>
+            <p:nvPr/>
+          </p:nvSpPr>
+          <p:spPr>
+            <a:xfrm>
+              <a:off x="1400675" y="1626807"/>
+              <a:ext cx="2878028" cy="2319866"/>
+            </a:xfrm>
+            <a:prstGeom prst="rect">
+              <a:avLst/>
+            </a:prstGeom>
+            <a:solidFill>
+              <a:schemeClr val="bg1"/>
+            </a:solidFill>
+            <a:ln>
+              <a:solidFill>
+                <a:schemeClr val="tx1"/>
+              </a:solidFill>
+            </a:ln>
+          </p:spPr>
+          <p:style>
+            <a:lnRef idx="2">
+              <a:schemeClr val="accent1">
+                <a:shade val="50000"/>
+              </a:schemeClr>
+            </a:lnRef>
+            <a:fillRef idx="1">
+              <a:schemeClr val="accent1"/>
+            </a:fillRef>
+            <a:effectRef idx="0">
+              <a:schemeClr val="accent1"/>
+            </a:effectRef>
+            <a:fontRef idx="minor">
+              <a:schemeClr val="lt1"/>
+            </a:fontRef>
+          </p:style>
+          <p:txBody>
+            <a:bodyPr rtlCol="0" anchor="ctr"/>
+            <a:lstStyle/>
+            <a:p>
+              <a:pPr algn="ctr"/>
+              <a:endParaRPr kumimoji="1" lang="ja-JP" altLang="en-US"/>
+            </a:p>
+          </p:txBody>
+        </p:sp>
+        <p:pic>
+          <p:nvPicPr>
+            <p:cNvPr id="86" name="図 85">
+              <a:extLst>
+                <a:ext uri="{FF2B5EF4-FFF2-40B4-BE49-F238E27FC236}">
+                  <a16:creationId xmlns:a16="http://schemas.microsoft.com/office/drawing/2014/main" id="{E3276033-8697-984C-9BA9-66A77A7CEB74}"/>
+                </a:ext>
+              </a:extLst>
+            </p:cNvPr>
+            <p:cNvPicPr>
+              <a:picLocks noChangeAspect="1"/>
+            </p:cNvPicPr>
+            <p:nvPr/>
+          </p:nvPicPr>
+          <p:blipFill>
+            <a:blip r:embed="rId2"/>
+            <a:stretch>
+              <a:fillRect/>
+            </a:stretch>
+          </p:blipFill>
+          <p:spPr>
+            <a:xfrm>
+              <a:off x="1468406" y="1711472"/>
+              <a:ext cx="995945" cy="948966"/>
+            </a:xfrm>
+            <a:prstGeom prst="rect">
+              <a:avLst/>
+            </a:prstGeom>
+          </p:spPr>
+        </p:pic>
+        <p:pic>
+          <p:nvPicPr>
+            <p:cNvPr id="87" name="Picture 4" descr="フォルダのアイコン ふぉるだのあいこん - ico,png,icns,無料の ...">
+              <a:extLst>
+                <a:ext uri="{FF2B5EF4-FFF2-40B4-BE49-F238E27FC236}">
+                  <a16:creationId xmlns:a16="http://schemas.microsoft.com/office/drawing/2014/main" id="{B60184A6-00EB-8F41-AB94-CD63B7BB6C43}"/>
+                </a:ext>
+              </a:extLst>
+            </p:cNvPr>
+            <p:cNvPicPr>
+              <a:picLocks noChangeAspect="1" noChangeArrowheads="1"/>
+            </p:cNvPicPr>
+            <p:nvPr/>
+          </p:nvPicPr>
+          <p:blipFill>
+            <a:blip r:embed="rId3">
+              <a:extLst>
+                <a:ext uri="{28A0092B-C50C-407E-A947-70E740481C1C}">
+                  <a14:useLocalDpi xmlns:a14="http://schemas.microsoft.com/office/drawing/2010/main" val="0"/>
+                </a:ext>
+              </a:extLst>
+            </a:blip>
+            <a:srcRect/>
+            <a:stretch>
+              <a:fillRect/>
+            </a:stretch>
+          </p:blipFill>
+          <p:spPr bwMode="auto">
+            <a:xfrm>
+              <a:off x="3029724" y="1823794"/>
+              <a:ext cx="836644" cy="836644"/>
+            </a:xfrm>
+            <a:prstGeom prst="rect">
+              <a:avLst/>
+            </a:prstGeom>
+            <a:noFill/>
+            <a:extLst>
+              <a:ext uri="{909E8E84-426E-40DD-AFC4-6F175D3DCCD1}">
+                <a14:hiddenFill xmlns:a14="http://schemas.microsoft.com/office/drawing/2010/main">
+                  <a:solidFill>
+                    <a:srgbClr val="FFFFFF"/>
+                  </a:solidFill>
+                </a14:hiddenFill>
+              </a:ext>
+            </a:extLst>
+          </p:spPr>
+        </p:pic>
+        <p:pic>
+          <p:nvPicPr>
+            <p:cNvPr id="88" name="Picture 4" descr="フォルダのアイコン ふぉるだのあいこん - ico,png,icns,無料の ...">
+              <a:extLst>
+                <a:ext uri="{FF2B5EF4-FFF2-40B4-BE49-F238E27FC236}">
+                  <a16:creationId xmlns:a16="http://schemas.microsoft.com/office/drawing/2014/main" id="{8E032FCD-0BA9-224A-BE14-885B31F6C1CE}"/>
+                </a:ext>
+              </a:extLst>
+            </p:cNvPr>
+            <p:cNvPicPr>
+              <a:picLocks noChangeAspect="1" noChangeArrowheads="1"/>
+            </p:cNvPicPr>
+            <p:nvPr/>
+          </p:nvPicPr>
+          <p:blipFill>
+            <a:blip r:embed="rId3">
+              <a:extLst>
+                <a:ext uri="{28A0092B-C50C-407E-A947-70E740481C1C}">
+                  <a14:useLocalDpi xmlns:a14="http://schemas.microsoft.com/office/drawing/2010/main" val="0"/>
+                </a:ext>
+              </a:extLst>
+            </a:blip>
+            <a:srcRect/>
+            <a:stretch>
+              <a:fillRect/>
+            </a:stretch>
+          </p:blipFill>
+          <p:spPr bwMode="auto">
+            <a:xfrm>
+              <a:off x="3029724" y="2803285"/>
+              <a:ext cx="836644" cy="836644"/>
+            </a:xfrm>
+            <a:prstGeom prst="rect">
+              <a:avLst/>
+            </a:prstGeom>
+            <a:noFill/>
+            <a:extLst>
+              <a:ext uri="{909E8E84-426E-40DD-AFC4-6F175D3DCCD1}">
+                <a14:hiddenFill xmlns:a14="http://schemas.microsoft.com/office/drawing/2010/main">
+                  <a:solidFill>
+                    <a:srgbClr val="FFFFFF"/>
+                  </a:solidFill>
+                </a14:hiddenFill>
+              </a:ext>
+            </a:extLst>
+          </p:spPr>
+        </p:pic>
+        <p:grpSp>
+          <p:nvGrpSpPr>
+            <p:cNvPr id="89" name="グループ化 88">
+              <a:extLst>
+                <a:ext uri="{FF2B5EF4-FFF2-40B4-BE49-F238E27FC236}">
+                  <a16:creationId xmlns:a16="http://schemas.microsoft.com/office/drawing/2014/main" id="{87596AD5-5618-F641-BD05-A5DEBD0410DE}"/>
+                </a:ext>
+              </a:extLst>
+            </p:cNvPr>
+            <p:cNvGrpSpPr/>
+            <p:nvPr/>
+          </p:nvGrpSpPr>
+          <p:grpSpPr>
+            <a:xfrm>
+              <a:off x="1622364" y="2843798"/>
+              <a:ext cx="501780" cy="596021"/>
+              <a:chOff x="1141269" y="1781052"/>
+              <a:chExt cx="836644" cy="836644"/>
+            </a:xfrm>
+          </p:grpSpPr>
+          <p:sp>
+            <p:nvSpPr>
+              <p:cNvPr id="100" name="メモ 99">
+                <a:extLst>
+                  <a:ext uri="{FF2B5EF4-FFF2-40B4-BE49-F238E27FC236}">
+                    <a16:creationId xmlns:a16="http://schemas.microsoft.com/office/drawing/2014/main" id="{F8A4EBFE-3D81-E047-8288-2797BAD9F7B9}"/>
+                  </a:ext>
+                </a:extLst>
+              </p:cNvPr>
+              <p:cNvSpPr/>
+              <p:nvPr/>
+            </p:nvSpPr>
+            <p:spPr>
+              <a:xfrm>
+                <a:off x="1141269" y="1781052"/>
+                <a:ext cx="836644" cy="836644"/>
+              </a:xfrm>
+              <a:prstGeom prst="foldedCorner">
+                <a:avLst>
+                  <a:gd name="adj" fmla="val 20715"/>
+                </a:avLst>
+              </a:prstGeom>
+              <a:solidFill>
+                <a:schemeClr val="bg1"/>
+              </a:solidFill>
+              <a:ln>
+                <a:solidFill>
+                  <a:schemeClr val="tx1"/>
+                </a:solidFill>
+              </a:ln>
+            </p:spPr>
+            <p:style>
+              <a:lnRef idx="2">
+                <a:schemeClr val="accent1">
+                  <a:shade val="50000"/>
+                </a:schemeClr>
+              </a:lnRef>
+              <a:fillRef idx="1">
+                <a:schemeClr val="accent1"/>
+              </a:fillRef>
+              <a:effectRef idx="0">
+                <a:schemeClr val="accent1"/>
+              </a:effectRef>
+              <a:fontRef idx="minor">
+                <a:schemeClr val="lt1"/>
+              </a:fontRef>
+            </p:style>
+            <p:txBody>
+              <a:bodyPr rtlCol="0" anchor="ctr"/>
+              <a:lstStyle/>
+              <a:p>
+                <a:pPr algn="ctr"/>
+                <a:endParaRPr kumimoji="1" lang="ja-JP" altLang="en-US"/>
+              </a:p>
+            </p:txBody>
+          </p:sp>
+          <p:cxnSp>
+            <p:nvCxnSpPr>
+              <p:cNvPr id="101" name="直線コネクタ 100">
+                <a:extLst>
+                  <a:ext uri="{FF2B5EF4-FFF2-40B4-BE49-F238E27FC236}">
+                    <a16:creationId xmlns:a16="http://schemas.microsoft.com/office/drawing/2014/main" id="{62260D26-DF66-C44B-AE8F-B84B587636D0}"/>
+                  </a:ext>
+                </a:extLst>
+              </p:cNvPr>
+              <p:cNvCxnSpPr/>
+              <p:nvPr/>
+            </p:nvCxnSpPr>
+            <p:spPr>
+              <a:xfrm>
+                <a:off x="1310770" y="2000250"/>
+                <a:ext cx="497973" cy="0"/>
+              </a:xfrm>
+              <a:prstGeom prst="line">
+                <a:avLst/>
+              </a:prstGeom>
+              <a:ln w="12700">
+                <a:solidFill>
+                  <a:schemeClr val="tx1"/>
+                </a:solidFill>
+              </a:ln>
+            </p:spPr>
+            <p:style>
+              <a:lnRef idx="1">
+                <a:schemeClr val="accent1"/>
+              </a:lnRef>
+              <a:fillRef idx="0">
+                <a:schemeClr val="accent1"/>
+              </a:fillRef>
+              <a:effectRef idx="0">
+                <a:schemeClr val="accent1"/>
+              </a:effectRef>
+              <a:fontRef idx="minor">
+                <a:schemeClr val="tx1"/>
+              </a:fontRef>
+            </p:style>
+          </p:cxnSp>
+          <p:cxnSp>
+            <p:nvCxnSpPr>
+              <p:cNvPr id="102" name="直線コネクタ 101">
+                <a:extLst>
+                  <a:ext uri="{FF2B5EF4-FFF2-40B4-BE49-F238E27FC236}">
+                    <a16:creationId xmlns:a16="http://schemas.microsoft.com/office/drawing/2014/main" id="{13489E78-0C4B-D94D-8B5E-8E2FE9A2B952}"/>
+                  </a:ext>
+                </a:extLst>
+              </p:cNvPr>
+              <p:cNvCxnSpPr/>
+              <p:nvPr/>
+            </p:nvCxnSpPr>
+            <p:spPr>
+              <a:xfrm>
+                <a:off x="1310770" y="2162175"/>
+                <a:ext cx="497973" cy="0"/>
+              </a:xfrm>
+              <a:prstGeom prst="line">
+                <a:avLst/>
+              </a:prstGeom>
+              <a:ln w="12700">
+                <a:solidFill>
+                  <a:schemeClr val="tx1"/>
+                </a:solidFill>
+              </a:ln>
+            </p:spPr>
+            <p:style>
+              <a:lnRef idx="1">
+                <a:schemeClr val="accent1"/>
+              </a:lnRef>
+              <a:fillRef idx="0">
+                <a:schemeClr val="accent1"/>
+              </a:fillRef>
+              <a:effectRef idx="0">
+                <a:schemeClr val="accent1"/>
+              </a:effectRef>
+              <a:fontRef idx="minor">
+                <a:schemeClr val="tx1"/>
+              </a:fontRef>
+            </p:style>
+          </p:cxnSp>
+          <p:cxnSp>
+            <p:nvCxnSpPr>
+              <p:cNvPr id="103" name="直線コネクタ 102">
+                <a:extLst>
+                  <a:ext uri="{FF2B5EF4-FFF2-40B4-BE49-F238E27FC236}">
+                    <a16:creationId xmlns:a16="http://schemas.microsoft.com/office/drawing/2014/main" id="{C4BC22EE-3FD1-004D-A2E4-74A92DFC88FE}"/>
+                  </a:ext>
+                </a:extLst>
+              </p:cNvPr>
+              <p:cNvCxnSpPr/>
+              <p:nvPr/>
+            </p:nvCxnSpPr>
+            <p:spPr>
+              <a:xfrm>
+                <a:off x="1310604" y="2327275"/>
+                <a:ext cx="497973" cy="0"/>
+              </a:xfrm>
+              <a:prstGeom prst="line">
+                <a:avLst/>
+              </a:prstGeom>
+              <a:ln w="12700">
+                <a:solidFill>
+                  <a:schemeClr val="tx1"/>
+                </a:solidFill>
+              </a:ln>
+            </p:spPr>
+            <p:style>
+              <a:lnRef idx="1">
+                <a:schemeClr val="accent1"/>
+              </a:lnRef>
+              <a:fillRef idx="0">
+                <a:schemeClr val="accent1"/>
+              </a:fillRef>
+              <a:effectRef idx="0">
+                <a:schemeClr val="accent1"/>
+              </a:effectRef>
+              <a:fontRef idx="minor">
+                <a:schemeClr val="tx1"/>
+              </a:fontRef>
+            </p:style>
+          </p:cxnSp>
+        </p:grpSp>
+        <p:grpSp>
+          <p:nvGrpSpPr>
+            <p:cNvPr id="90" name="グループ化 89">
+              <a:extLst>
+                <a:ext uri="{FF2B5EF4-FFF2-40B4-BE49-F238E27FC236}">
+                  <a16:creationId xmlns:a16="http://schemas.microsoft.com/office/drawing/2014/main" id="{5F6D66E6-5518-5E40-BC5B-CEB9A70AE5CC}"/>
+                </a:ext>
+              </a:extLst>
+            </p:cNvPr>
+            <p:cNvGrpSpPr/>
+            <p:nvPr/>
+          </p:nvGrpSpPr>
+          <p:grpSpPr>
+            <a:xfrm>
+              <a:off x="1878282" y="2996198"/>
+              <a:ext cx="501780" cy="596021"/>
+              <a:chOff x="1141269" y="1781052"/>
+              <a:chExt cx="836644" cy="836644"/>
+            </a:xfrm>
+          </p:grpSpPr>
+          <p:sp>
+            <p:nvSpPr>
+              <p:cNvPr id="96" name="メモ 95">
+                <a:extLst>
+                  <a:ext uri="{FF2B5EF4-FFF2-40B4-BE49-F238E27FC236}">
+                    <a16:creationId xmlns:a16="http://schemas.microsoft.com/office/drawing/2014/main" id="{EE0BA532-7161-2F4D-B450-F701DD4297C5}"/>
+                  </a:ext>
+                </a:extLst>
+              </p:cNvPr>
+              <p:cNvSpPr/>
+              <p:nvPr/>
+            </p:nvSpPr>
+            <p:spPr>
+              <a:xfrm>
+                <a:off x="1141269" y="1781052"/>
+                <a:ext cx="836644" cy="836644"/>
+              </a:xfrm>
+              <a:prstGeom prst="foldedCorner">
+                <a:avLst>
+                  <a:gd name="adj" fmla="val 20715"/>
+                </a:avLst>
+              </a:prstGeom>
+              <a:solidFill>
+                <a:schemeClr val="bg1"/>
+              </a:solidFill>
+              <a:ln>
+                <a:solidFill>
+                  <a:schemeClr val="tx1"/>
+                </a:solidFill>
+              </a:ln>
+            </p:spPr>
+            <p:style>
+              <a:lnRef idx="2">
+                <a:schemeClr val="accent1">
+                  <a:shade val="50000"/>
+                </a:schemeClr>
+              </a:lnRef>
+              <a:fillRef idx="1">
+                <a:schemeClr val="accent1"/>
+              </a:fillRef>
+              <a:effectRef idx="0">
+                <a:schemeClr val="accent1"/>
+              </a:effectRef>
+              <a:fontRef idx="minor">
+                <a:schemeClr val="lt1"/>
+              </a:fontRef>
+            </p:style>
+            <p:txBody>
+              <a:bodyPr rtlCol="0" anchor="ctr"/>
+              <a:lstStyle/>
+              <a:p>
+                <a:pPr algn="ctr"/>
+                <a:endParaRPr kumimoji="1" lang="ja-JP" altLang="en-US"/>
+              </a:p>
+            </p:txBody>
+          </p:sp>
+          <p:cxnSp>
+            <p:nvCxnSpPr>
+              <p:cNvPr id="97" name="直線コネクタ 96">
+                <a:extLst>
+                  <a:ext uri="{FF2B5EF4-FFF2-40B4-BE49-F238E27FC236}">
+                    <a16:creationId xmlns:a16="http://schemas.microsoft.com/office/drawing/2014/main" id="{7F5DF018-9B2D-4347-8C08-791F132908AC}"/>
+                  </a:ext>
+                </a:extLst>
+              </p:cNvPr>
+              <p:cNvCxnSpPr/>
+              <p:nvPr/>
+            </p:nvCxnSpPr>
+            <p:spPr>
+              <a:xfrm>
+                <a:off x="1310770" y="2000250"/>
+                <a:ext cx="497973" cy="0"/>
+              </a:xfrm>
+              <a:prstGeom prst="line">
+                <a:avLst/>
+              </a:prstGeom>
+              <a:ln w="12700">
+                <a:solidFill>
+                  <a:schemeClr val="tx1"/>
+                </a:solidFill>
+              </a:ln>
+            </p:spPr>
+            <p:style>
+              <a:lnRef idx="1">
+                <a:schemeClr val="accent1"/>
+              </a:lnRef>
+              <a:fillRef idx="0">
+                <a:schemeClr val="accent1"/>
+              </a:fillRef>
+              <a:effectRef idx="0">
+                <a:schemeClr val="accent1"/>
+              </a:effectRef>
+              <a:fontRef idx="minor">
+                <a:schemeClr val="tx1"/>
+              </a:fontRef>
+            </p:style>
+          </p:cxnSp>
+          <p:cxnSp>
+            <p:nvCxnSpPr>
+              <p:cNvPr id="98" name="直線コネクタ 97">
+                <a:extLst>
+                  <a:ext uri="{FF2B5EF4-FFF2-40B4-BE49-F238E27FC236}">
+                    <a16:creationId xmlns:a16="http://schemas.microsoft.com/office/drawing/2014/main" id="{2186EEB7-D3A4-A247-8FD0-B9DD457003A4}"/>
+                  </a:ext>
+                </a:extLst>
+              </p:cNvPr>
+              <p:cNvCxnSpPr/>
+              <p:nvPr/>
+            </p:nvCxnSpPr>
+            <p:spPr>
+              <a:xfrm>
+                <a:off x="1310770" y="2162175"/>
+                <a:ext cx="497973" cy="0"/>
+              </a:xfrm>
+              <a:prstGeom prst="line">
+                <a:avLst/>
+              </a:prstGeom>
+              <a:ln w="12700">
+                <a:solidFill>
+                  <a:schemeClr val="tx1"/>
+                </a:solidFill>
+              </a:ln>
+            </p:spPr>
+            <p:style>
+              <a:lnRef idx="1">
+                <a:schemeClr val="accent1"/>
+              </a:lnRef>
+              <a:fillRef idx="0">
+                <a:schemeClr val="accent1"/>
+              </a:fillRef>
+              <a:effectRef idx="0">
+                <a:schemeClr val="accent1"/>
+              </a:effectRef>
+              <a:fontRef idx="minor">
+                <a:schemeClr val="tx1"/>
+              </a:fontRef>
+            </p:style>
+          </p:cxnSp>
+          <p:cxnSp>
+            <p:nvCxnSpPr>
+              <p:cNvPr id="99" name="直線コネクタ 98">
+                <a:extLst>
+                  <a:ext uri="{FF2B5EF4-FFF2-40B4-BE49-F238E27FC236}">
+                    <a16:creationId xmlns:a16="http://schemas.microsoft.com/office/drawing/2014/main" id="{25FDC38A-BE99-2F40-8FFE-956EF7AF3F01}"/>
+                  </a:ext>
+                </a:extLst>
+              </p:cNvPr>
+              <p:cNvCxnSpPr/>
+              <p:nvPr/>
+            </p:nvCxnSpPr>
+            <p:spPr>
+              <a:xfrm>
+                <a:off x="1310604" y="2327275"/>
+                <a:ext cx="497973" cy="0"/>
+              </a:xfrm>
+              <a:prstGeom prst="line">
+                <a:avLst/>
+              </a:prstGeom>
+              <a:ln w="12700">
+                <a:solidFill>
+                  <a:schemeClr val="tx1"/>
+                </a:solidFill>
+              </a:ln>
+            </p:spPr>
+            <p:style>
+              <a:lnRef idx="1">
+                <a:schemeClr val="accent1"/>
+              </a:lnRef>
+              <a:fillRef idx="0">
+                <a:schemeClr val="accent1"/>
+              </a:fillRef>
+              <a:effectRef idx="0">
+                <a:schemeClr val="accent1"/>
+              </a:effectRef>
+              <a:fontRef idx="minor">
+                <a:schemeClr val="tx1"/>
+              </a:fontRef>
+            </p:style>
+          </p:cxnSp>
+        </p:grpSp>
+        <p:grpSp>
+          <p:nvGrpSpPr>
+            <p:cNvPr id="91" name="グループ化 90">
+              <a:extLst>
+                <a:ext uri="{FF2B5EF4-FFF2-40B4-BE49-F238E27FC236}">
+                  <a16:creationId xmlns:a16="http://schemas.microsoft.com/office/drawing/2014/main" id="{55AF00CC-835B-D74D-A463-51A69A4149AF}"/>
+                </a:ext>
+              </a:extLst>
+            </p:cNvPr>
+            <p:cNvGrpSpPr/>
+            <p:nvPr/>
+          </p:nvGrpSpPr>
+          <p:grpSpPr>
+            <a:xfrm>
+              <a:off x="2134200" y="3148598"/>
+              <a:ext cx="501780" cy="596021"/>
+              <a:chOff x="1141269" y="1781052"/>
+              <a:chExt cx="836644" cy="836644"/>
+            </a:xfrm>
+          </p:grpSpPr>
+          <p:sp>
+            <p:nvSpPr>
+              <p:cNvPr id="92" name="メモ 91">
+                <a:extLst>
+                  <a:ext uri="{FF2B5EF4-FFF2-40B4-BE49-F238E27FC236}">
+                    <a16:creationId xmlns:a16="http://schemas.microsoft.com/office/drawing/2014/main" id="{B2F88D0A-6C3E-4B4A-AA11-CE0B7D033989}"/>
+                  </a:ext>
+                </a:extLst>
+              </p:cNvPr>
+              <p:cNvSpPr/>
+              <p:nvPr/>
+            </p:nvSpPr>
+            <p:spPr>
+              <a:xfrm>
+                <a:off x="1141269" y="1781052"/>
+                <a:ext cx="836644" cy="836644"/>
+              </a:xfrm>
+              <a:prstGeom prst="foldedCorner">
+                <a:avLst>
+                  <a:gd name="adj" fmla="val 20715"/>
+                </a:avLst>
+              </a:prstGeom>
+              <a:solidFill>
+                <a:schemeClr val="bg1"/>
+              </a:solidFill>
+              <a:ln>
+                <a:solidFill>
+                  <a:schemeClr val="tx1"/>
+                </a:solidFill>
+              </a:ln>
+            </p:spPr>
+            <p:style>
+              <a:lnRef idx="2">
+                <a:schemeClr val="accent1">
+                  <a:shade val="50000"/>
+                </a:schemeClr>
+              </a:lnRef>
+              <a:fillRef idx="1">
+                <a:schemeClr val="accent1"/>
+              </a:fillRef>
+              <a:effectRef idx="0">
+                <a:schemeClr val="accent1"/>
+              </a:effectRef>
+              <a:fontRef idx="minor">
+                <a:schemeClr val="lt1"/>
+              </a:fontRef>
+            </p:style>
+            <p:txBody>
+              <a:bodyPr rtlCol="0" anchor="ctr"/>
+              <a:lstStyle/>
+              <a:p>
+                <a:pPr algn="ctr"/>
+                <a:endParaRPr kumimoji="1" lang="ja-JP" altLang="en-US"/>
+              </a:p>
+            </p:txBody>
+          </p:sp>
+          <p:cxnSp>
+            <p:nvCxnSpPr>
+              <p:cNvPr id="93" name="直線コネクタ 92">
+                <a:extLst>
+                  <a:ext uri="{FF2B5EF4-FFF2-40B4-BE49-F238E27FC236}">
+                    <a16:creationId xmlns:a16="http://schemas.microsoft.com/office/drawing/2014/main" id="{569C9345-2B49-5345-8EFD-F1E18ECF9499}"/>
+                  </a:ext>
+                </a:extLst>
+              </p:cNvPr>
+              <p:cNvCxnSpPr/>
+              <p:nvPr/>
+            </p:nvCxnSpPr>
+            <p:spPr>
+              <a:xfrm>
+                <a:off x="1310770" y="2000250"/>
+                <a:ext cx="497973" cy="0"/>
+              </a:xfrm>
+              <a:prstGeom prst="line">
+                <a:avLst/>
+              </a:prstGeom>
+              <a:ln w="12700">
+                <a:solidFill>
+                  <a:schemeClr val="tx1"/>
+                </a:solidFill>
+              </a:ln>
+            </p:spPr>
+            <p:style>
+              <a:lnRef idx="1">
+                <a:schemeClr val="accent1"/>
+              </a:lnRef>
+              <a:fillRef idx="0">
+                <a:schemeClr val="accent1"/>
+              </a:fillRef>
+              <a:effectRef idx="0">
+                <a:schemeClr val="accent1"/>
+              </a:effectRef>
+              <a:fontRef idx="minor">
+                <a:schemeClr val="tx1"/>
+              </a:fontRef>
+            </p:style>
+          </p:cxnSp>
+          <p:cxnSp>
+            <p:nvCxnSpPr>
+              <p:cNvPr id="94" name="直線コネクタ 93">
+                <a:extLst>
+                  <a:ext uri="{FF2B5EF4-FFF2-40B4-BE49-F238E27FC236}">
+                    <a16:creationId xmlns:a16="http://schemas.microsoft.com/office/drawing/2014/main" id="{1205C5EF-16B6-CF44-BDEE-A0787D05A9B3}"/>
+                  </a:ext>
+                </a:extLst>
+              </p:cNvPr>
+              <p:cNvCxnSpPr/>
+              <p:nvPr/>
+            </p:nvCxnSpPr>
+            <p:spPr>
+              <a:xfrm>
+                <a:off x="1310770" y="2162175"/>
+                <a:ext cx="497973" cy="0"/>
+              </a:xfrm>
+              <a:prstGeom prst="line">
+                <a:avLst/>
+              </a:prstGeom>
+              <a:ln w="12700">
+                <a:solidFill>
+                  <a:schemeClr val="tx1"/>
+                </a:solidFill>
+              </a:ln>
+            </p:spPr>
+            <p:style>
+              <a:lnRef idx="1">
+                <a:schemeClr val="accent1"/>
+              </a:lnRef>
+              <a:fillRef idx="0">
+                <a:schemeClr val="accent1"/>
+              </a:fillRef>
+              <a:effectRef idx="0">
+                <a:schemeClr val="accent1"/>
+              </a:effectRef>
+              <a:fontRef idx="minor">
+                <a:schemeClr val="tx1"/>
+              </a:fontRef>
+            </p:style>
+          </p:cxnSp>
+          <p:cxnSp>
+            <p:nvCxnSpPr>
+              <p:cNvPr id="95" name="直線コネクタ 94">
+                <a:extLst>
+                  <a:ext uri="{FF2B5EF4-FFF2-40B4-BE49-F238E27FC236}">
+                    <a16:creationId xmlns:a16="http://schemas.microsoft.com/office/drawing/2014/main" id="{76FE54D6-3478-C54A-82B1-4DE6B34D6D4A}"/>
+                  </a:ext>
+                </a:extLst>
+              </p:cNvPr>
+              <p:cNvCxnSpPr/>
+              <p:nvPr/>
+            </p:nvCxnSpPr>
+            <p:spPr>
+              <a:xfrm>
+                <a:off x="1310604" y="2327275"/>
+                <a:ext cx="497973" cy="0"/>
+              </a:xfrm>
+              <a:prstGeom prst="line">
+                <a:avLst/>
+              </a:prstGeom>
+              <a:ln w="12700">
+                <a:solidFill>
+                  <a:schemeClr val="tx1"/>
+                </a:solidFill>
+              </a:ln>
+            </p:spPr>
+            <p:style>
+              <a:lnRef idx="1">
+                <a:schemeClr val="accent1"/>
+              </a:lnRef>
+              <a:fillRef idx="0">
+                <a:schemeClr val="accent1"/>
+              </a:fillRef>
+              <a:effectRef idx="0">
+                <a:schemeClr val="accent1"/>
+              </a:effectRef>
+              <a:fontRef idx="minor">
+                <a:schemeClr val="tx1"/>
+              </a:fontRef>
+            </p:style>
+          </p:cxnSp>
+        </p:grpSp>
+      </p:grpSp>
+      <p:pic>
+        <p:nvPicPr>
+          <p:cNvPr id="1028" name="Picture 4" descr="https://d33wubrfki0l68.cloudfront.net/521a038ed009b97bf73eb0a653b1cb7e66645231/8e3fd/assets/img/rstudio-icon.png">
+            <a:extLst>
+              <a:ext uri="{FF2B5EF4-FFF2-40B4-BE49-F238E27FC236}">
+                <a16:creationId xmlns:a16="http://schemas.microsoft.com/office/drawing/2014/main" id="{05062792-EBD9-2843-8F6D-FA07D86E4E2C}"/>
+              </a:ext>
+            </a:extLst>
+          </p:cNvPr>
+          <p:cNvPicPr>
+            <a:picLocks noChangeAspect="1" noChangeArrowheads="1"/>
+          </p:cNvPicPr>
+          <p:nvPr/>
+        </p:nvPicPr>
+        <p:blipFill>
+          <a:blip r:embed="rId4">
+            <a:extLst>
+              <a:ext uri="{28A0092B-C50C-407E-A947-70E740481C1C}">
+                <a14:useLocalDpi xmlns:a14="http://schemas.microsoft.com/office/drawing/2010/main" val="0"/>
+              </a:ext>
+            </a:extLst>
+          </a:blip>
+          <a:srcRect/>
+          <a:stretch>
+            <a:fillRect/>
+          </a:stretch>
+        </p:blipFill>
+        <p:spPr bwMode="auto">
+          <a:xfrm>
+            <a:off x="7164843" y="3056029"/>
+            <a:ext cx="1651000" cy="1651000"/>
+          </a:xfrm>
+          <a:prstGeom prst="rect">
+            <a:avLst/>
+          </a:prstGeom>
+          <a:noFill/>
+          <a:extLst>
+            <a:ext uri="{909E8E84-426E-40DD-AFC4-6F175D3DCCD1}">
+              <a14:hiddenFill xmlns:a14="http://schemas.microsoft.com/office/drawing/2010/main">
+                <a:solidFill>
+                  <a:srgbClr val="FFFFFF"/>
+                </a:solidFill>
+              </a14:hiddenFill>
+            </a:ext>
+          </a:extLst>
+        </p:spPr>
+      </p:pic>
+      <p:sp>
+        <p:nvSpPr>
+          <p:cNvPr id="105" name="テキスト ボックス 104">
+            <a:extLst>
+              <a:ext uri="{FF2B5EF4-FFF2-40B4-BE49-F238E27FC236}">
+                <a16:creationId xmlns:a16="http://schemas.microsoft.com/office/drawing/2014/main" id="{2C608254-6558-0F43-9F08-4C40C1DA3D75}"/>
+              </a:ext>
+            </a:extLst>
+          </p:cNvPr>
+          <p:cNvSpPr txBox="1"/>
+          <p:nvPr/>
+        </p:nvSpPr>
+        <p:spPr>
+          <a:xfrm>
+            <a:off x="0" y="50614"/>
+            <a:ext cx="2799869" cy="646331"/>
+          </a:xfrm>
+          <a:prstGeom prst="rect">
+            <a:avLst/>
+          </a:prstGeom>
+          <a:noFill/>
+        </p:spPr>
+        <p:txBody>
+          <a:bodyPr wrap="none" rtlCol="0">
+            <a:spAutoFit/>
+          </a:bodyPr>
+          <a:lstStyle/>
+          <a:p>
+            <a:r>
+              <a:rPr kumimoji="1" lang="en-US" altLang="ja-JP" sz="3600" dirty="0"/>
+              <a:t>Project Folder</a:t>
+            </a:r>
+            <a:endParaRPr kumimoji="1" lang="ja-JP" altLang="en-US" sz="3600"/>
+          </a:p>
+        </p:txBody>
+      </p:sp>
+      <p:sp>
+        <p:nvSpPr>
+          <p:cNvPr id="106" name="テキスト ボックス 105">
+            <a:extLst>
+              <a:ext uri="{FF2B5EF4-FFF2-40B4-BE49-F238E27FC236}">
+                <a16:creationId xmlns:a16="http://schemas.microsoft.com/office/drawing/2014/main" id="{896D7C36-DA00-2541-96C1-CD0A8A1CE78C}"/>
+              </a:ext>
+            </a:extLst>
+          </p:cNvPr>
+          <p:cNvSpPr txBox="1"/>
+          <p:nvPr/>
+        </p:nvSpPr>
+        <p:spPr>
+          <a:xfrm>
+            <a:off x="5940442" y="473830"/>
+            <a:ext cx="1712328" cy="646331"/>
+          </a:xfrm>
+          <a:prstGeom prst="rect">
+            <a:avLst/>
+          </a:prstGeom>
+          <a:noFill/>
+        </p:spPr>
+        <p:txBody>
+          <a:bodyPr wrap="none" rtlCol="0">
+            <a:spAutoFit/>
+          </a:bodyPr>
+          <a:lstStyle/>
+          <a:p>
+            <a:r>
+              <a:rPr kumimoji="1" lang="en-US" altLang="ja-JP" sz="3600" dirty="0">
+                <a:solidFill>
+                  <a:schemeClr val="accent1"/>
+                </a:solidFill>
+                <a:latin typeface="Hack" panose="020B0609030202020204" pitchFamily="49" charset="-128"/>
+                <a:ea typeface="Hack" panose="020B0609030202020204" pitchFamily="49" charset="-128"/>
+                <a:cs typeface="Hack" panose="020B0609030202020204" pitchFamily="49" charset="-128"/>
+              </a:rPr>
+              <a:t>Project</a:t>
+            </a:r>
+            <a:endParaRPr kumimoji="1" lang="ja-JP" altLang="en-US" sz="3600">
+              <a:solidFill>
+                <a:schemeClr val="accent1"/>
+              </a:solidFill>
+              <a:latin typeface="Hack" panose="020B0609030202020204" pitchFamily="49" charset="-128"/>
+              <a:ea typeface="Hack" panose="020B0609030202020204" pitchFamily="49" charset="-128"/>
+              <a:cs typeface="Hack" panose="020B0609030202020204" pitchFamily="49" charset="-128"/>
+            </a:endParaRPr>
+          </a:p>
+        </p:txBody>
+      </p:sp>
+      <p:cxnSp>
+        <p:nvCxnSpPr>
+          <p:cNvPr id="107" name="直線矢印コネクタ 106">
+            <a:extLst>
+              <a:ext uri="{FF2B5EF4-FFF2-40B4-BE49-F238E27FC236}">
+                <a16:creationId xmlns:a16="http://schemas.microsoft.com/office/drawing/2014/main" id="{36AB618C-ADBB-544C-8C67-DE7B7F2859FF}"/>
+              </a:ext>
+            </a:extLst>
+          </p:cNvPr>
+          <p:cNvCxnSpPr>
+            <a:cxnSpLocks/>
+          </p:cNvCxnSpPr>
+          <p:nvPr/>
+        </p:nvCxnSpPr>
+        <p:spPr>
+          <a:xfrm flipH="1">
+            <a:off x="4209888" y="796995"/>
+            <a:ext cx="1649899" cy="659112"/>
+          </a:xfrm>
+          <a:prstGeom prst="straightConnector1">
+            <a:avLst/>
+          </a:prstGeom>
+          <a:ln w="44450">
+            <a:tailEnd type="triangle"/>
+          </a:ln>
+        </p:spPr>
+        <p:style>
+          <a:lnRef idx="1">
+            <a:schemeClr val="accent1"/>
+          </a:lnRef>
+          <a:fillRef idx="0">
+            <a:schemeClr val="accent1"/>
+          </a:fillRef>
+          <a:effectRef idx="0">
+            <a:schemeClr val="accent1"/>
+          </a:effectRef>
+          <a:fontRef idx="minor">
+            <a:schemeClr val="tx1"/>
+          </a:fontRef>
+        </p:style>
+      </p:cxnSp>
+      <p:cxnSp>
+        <p:nvCxnSpPr>
+          <p:cNvPr id="109" name="直線矢印コネクタ 108">
+            <a:extLst>
+              <a:ext uri="{FF2B5EF4-FFF2-40B4-BE49-F238E27FC236}">
+                <a16:creationId xmlns:a16="http://schemas.microsoft.com/office/drawing/2014/main" id="{077AC0C7-502A-E74D-AAA7-250124C59AA6}"/>
+              </a:ext>
+            </a:extLst>
+          </p:cNvPr>
+          <p:cNvCxnSpPr>
+            <a:cxnSpLocks/>
+          </p:cNvCxnSpPr>
+          <p:nvPr/>
+        </p:nvCxnSpPr>
+        <p:spPr>
+          <a:xfrm flipH="1">
+            <a:off x="5026816" y="949395"/>
+            <a:ext cx="985372" cy="1036178"/>
+          </a:xfrm>
+          <a:prstGeom prst="straightConnector1">
+            <a:avLst/>
+          </a:prstGeom>
+          <a:ln w="44450">
+            <a:tailEnd type="triangle"/>
+          </a:ln>
+        </p:spPr>
+        <p:style>
+          <a:lnRef idx="1">
+            <a:schemeClr val="accent1"/>
+          </a:lnRef>
+          <a:fillRef idx="0">
+            <a:schemeClr val="accent1"/>
+          </a:fillRef>
+          <a:effectRef idx="0">
+            <a:schemeClr val="accent1"/>
+          </a:effectRef>
+          <a:fontRef idx="minor">
+            <a:schemeClr val="tx1"/>
+          </a:fontRef>
+        </p:style>
+      </p:cxnSp>
+      <p:cxnSp>
+        <p:nvCxnSpPr>
+          <p:cNvPr id="111" name="直線矢印コネクタ 110">
+            <a:extLst>
+              <a:ext uri="{FF2B5EF4-FFF2-40B4-BE49-F238E27FC236}">
+                <a16:creationId xmlns:a16="http://schemas.microsoft.com/office/drawing/2014/main" id="{E2F87D2D-6B3D-044C-B974-F86265234584}"/>
+              </a:ext>
+            </a:extLst>
+          </p:cNvPr>
+          <p:cNvCxnSpPr>
+            <a:cxnSpLocks/>
+          </p:cNvCxnSpPr>
+          <p:nvPr/>
+        </p:nvCxnSpPr>
+        <p:spPr>
+          <a:xfrm flipH="1">
+            <a:off x="5792056" y="1101795"/>
+            <a:ext cx="372532" cy="1221893"/>
+          </a:xfrm>
+          <a:prstGeom prst="straightConnector1">
+            <a:avLst/>
+          </a:prstGeom>
+          <a:ln w="44450">
+            <a:tailEnd type="triangle"/>
+          </a:ln>
+        </p:spPr>
+        <p:style>
+          <a:lnRef idx="1">
+            <a:schemeClr val="accent1"/>
+          </a:lnRef>
+          <a:fillRef idx="0">
+            <a:schemeClr val="accent1"/>
+          </a:fillRef>
+          <a:effectRef idx="0">
+            <a:schemeClr val="accent1"/>
+          </a:effectRef>
+          <a:fontRef idx="minor">
+            <a:schemeClr val="tx1"/>
+          </a:fontRef>
+        </p:style>
+      </p:cxnSp>
+      <p:cxnSp>
+        <p:nvCxnSpPr>
+          <p:cNvPr id="113" name="直線矢印コネクタ 112">
+            <a:extLst>
+              <a:ext uri="{FF2B5EF4-FFF2-40B4-BE49-F238E27FC236}">
+                <a16:creationId xmlns:a16="http://schemas.microsoft.com/office/drawing/2014/main" id="{104570D0-68B3-7C43-92A5-2673B8D384D2}"/>
+              </a:ext>
+            </a:extLst>
+          </p:cNvPr>
+          <p:cNvCxnSpPr>
+            <a:cxnSpLocks/>
+          </p:cNvCxnSpPr>
+          <p:nvPr/>
+        </p:nvCxnSpPr>
+        <p:spPr>
+          <a:xfrm>
+            <a:off x="6316988" y="1254195"/>
+            <a:ext cx="253025" cy="1577386"/>
+          </a:xfrm>
+          <a:prstGeom prst="straightConnector1">
+            <a:avLst/>
+          </a:prstGeom>
+          <a:ln w="44450">
+            <a:tailEnd type="triangle"/>
+          </a:ln>
+        </p:spPr>
+        <p:style>
+          <a:lnRef idx="1">
+            <a:schemeClr val="accent1"/>
+          </a:lnRef>
+          <a:fillRef idx="0">
+            <a:schemeClr val="accent1"/>
+          </a:fillRef>
+          <a:effectRef idx="0">
+            <a:schemeClr val="accent1"/>
+          </a:effectRef>
+          <a:fontRef idx="minor">
+            <a:schemeClr val="tx1"/>
+          </a:fontRef>
+        </p:style>
+      </p:cxnSp>
+    </p:spTree>
+    <p:extLst>
+      <p:ext uri="{BB962C8B-B14F-4D97-AF65-F5344CB8AC3E}">
+        <p14:creationId xmlns:p14="http://schemas.microsoft.com/office/powerpoint/2010/main" val="129545171"/>
       </p:ext>
     </p:extLst>
   </p:cSld>
